--- a/user-engagement/impact-task-and-finish-group--project-summary.pptx
+++ b/user-engagement/impact-task-and-finish-group--project-summary.pptx
@@ -8,12 +8,12 @@
     <p:notesMasterId r:id="rId8"/>
   </p:notesMasterIdLst>
   <p:sldIdLst>
-    <p:sldId id="256" r:id="rId2"/>
-    <p:sldId id="259" r:id="rId3"/>
-    <p:sldId id="261" r:id="rId4"/>
-    <p:sldId id="257" r:id="rId5"/>
-    <p:sldId id="258" r:id="rId6"/>
-    <p:sldId id="260" r:id="rId7"/>
+    <p:sldId id="417" r:id="rId2"/>
+    <p:sldId id="418" r:id="rId3"/>
+    <p:sldId id="257" r:id="rId4"/>
+    <p:sldId id="258" r:id="rId5"/>
+    <p:sldId id="419" r:id="rId6"/>
+    <p:sldId id="420" r:id="rId7"/>
   </p:sldIdLst>
   <p:sldSz cx="12192000" cy="6858000"/>
   <p:notesSz cx="6858000" cy="9144000"/>
@@ -112,6 +112,11 @@
       </a:defRPr>
     </a:lvl9pPr>
   </p:defaultTextStyle>
+  <p:extLst>
+    <p:ext uri="{EFAFB233-063F-42B5-8137-9DF3F51BA10A}">
+      <p15:sldGuideLst xmlns:p15="http://schemas.microsoft.com/office/powerpoint/2012/main"/>
+    </p:ext>
+  </p:extLst>
 </p:presentation>
 </file>
 
@@ -197,7 +202,7 @@
           <a:p>
             <a:fld id="{A1A1BABF-AB96-4C5A-8905-83FF4DDFA0DC}" type="datetimeFigureOut">
               <a:rPr lang="en-GB" smtClean="0"/>
-              <a:t>07/05/2021</a:t>
+              <a:t>13/05/2021</a:t>
             </a:fld>
             <a:endParaRPr lang="en-GB"/>
           </a:p>
@@ -533,7 +538,7 @@
           <a:p>
             <a:fld id="{79CAC023-9992-44AA-A48E-91941411227E}" type="slidenum">
               <a:rPr lang="en-GB" smtClean="0"/>
-              <a:t>4</a:t>
+              <a:t>3</a:t>
             </a:fld>
             <a:endParaRPr lang="en-GB"/>
           </a:p>
@@ -620,7 +625,7 @@
           <a:p>
             <a:fld id="{79CAC023-9992-44AA-A48E-91941411227E}" type="slidenum">
               <a:rPr lang="en-GB" smtClean="0"/>
-              <a:t>5</a:t>
+              <a:t>4</a:t>
             </a:fld>
             <a:endParaRPr lang="en-GB"/>
           </a:p>
@@ -788,7 +793,7 @@
           <a:p>
             <a:fld id="{E4A62EDC-D5D1-49C5-B313-6E6F916DA0E0}" type="datetimeFigureOut">
               <a:rPr lang="en-GB" smtClean="0"/>
-              <a:t>07/05/2021</a:t>
+              <a:t>13/05/2021</a:t>
             </a:fld>
             <a:endParaRPr lang="en-GB"/>
           </a:p>
@@ -988,7 +993,7 @@
           <a:p>
             <a:fld id="{E4A62EDC-D5D1-49C5-B313-6E6F916DA0E0}" type="datetimeFigureOut">
               <a:rPr lang="en-GB" smtClean="0"/>
-              <a:t>07/05/2021</a:t>
+              <a:t>13/05/2021</a:t>
             </a:fld>
             <a:endParaRPr lang="en-GB"/>
           </a:p>
@@ -1198,7 +1203,7 @@
           <a:p>
             <a:fld id="{E4A62EDC-D5D1-49C5-B313-6E6F916DA0E0}" type="datetimeFigureOut">
               <a:rPr lang="en-GB" smtClean="0"/>
-              <a:t>07/05/2021</a:t>
+              <a:t>13/05/2021</a:t>
             </a:fld>
             <a:endParaRPr lang="en-GB"/>
           </a:p>
@@ -1262,6 +1267,712 @@
     <p:extLst>
       <p:ext uri="{BB962C8B-B14F-4D97-AF65-F5344CB8AC3E}">
         <p14:creationId xmlns:p14="http://schemas.microsoft.com/office/powerpoint/2010/main" val="3785061338"/>
+      </p:ext>
+    </p:extLst>
+  </p:cSld>
+  <p:clrMapOvr>
+    <a:masterClrMapping/>
+  </p:clrMapOvr>
+</p:sldLayout>
+</file>
+
+<file path=ppt/slideLayouts/slideLayout12.xml><?xml version="1.0" encoding="utf-8"?>
+<p:sldLayout xmlns:a="http://schemas.openxmlformats.org/drawingml/2006/main" xmlns:r="http://schemas.openxmlformats.org/officeDocument/2006/relationships" xmlns:p="http://schemas.openxmlformats.org/presentationml/2006/main" showMasterSp="0" userDrawn="1">
+  <p:cSld name="Section slide teal">
+    <p:bg>
+      <p:bgPr>
+        <a:solidFill>
+          <a:srgbClr val="008080"/>
+        </a:solidFill>
+        <a:effectLst/>
+      </p:bgPr>
+    </p:bg>
+    <p:spTree>
+      <p:nvGrpSpPr>
+        <p:cNvPr id="1" name=""/>
+        <p:cNvGrpSpPr/>
+        <p:nvPr/>
+      </p:nvGrpSpPr>
+      <p:grpSpPr>
+        <a:xfrm>
+          <a:off x="0" y="0"/>
+          <a:ext cx="0" cy="0"/>
+          <a:chOff x="0" y="0"/>
+          <a:chExt cx="0" cy="0"/>
+        </a:xfrm>
+      </p:grpSpPr>
+      <p:sp>
+        <p:nvSpPr>
+          <p:cNvPr id="8" name="Slide Number Placeholder">
+            <a:extLst>
+              <a:ext uri="{FF2B5EF4-FFF2-40B4-BE49-F238E27FC236}">
+                <a16:creationId xmlns:a16="http://schemas.microsoft.com/office/drawing/2014/main" id="{BAA1490B-BB3E-0748-BA6A-B8586696578B}"/>
+              </a:ext>
+            </a:extLst>
+          </p:cNvPr>
+          <p:cNvSpPr>
+            <a:spLocks noGrp="1"/>
+          </p:cNvSpPr>
+          <p:nvPr>
+            <p:ph type="sldNum" sz="quarter" idx="4"/>
+          </p:nvPr>
+        </p:nvSpPr>
+        <p:spPr>
+          <a:xfrm>
+            <a:off x="4662087" y="6250891"/>
+            <a:ext cx="2867826" cy="365125"/>
+          </a:xfrm>
+          <a:prstGeom prst="rect">
+            <a:avLst/>
+          </a:prstGeom>
+        </p:spPr>
+        <p:txBody>
+          <a:bodyPr/>
+          <a:lstStyle>
+            <a:lvl1pPr>
+              <a:defRPr sz="2000">
+                <a:solidFill>
+                  <a:schemeClr val="bg1"/>
+                </a:solidFill>
+              </a:defRPr>
+            </a:lvl1pPr>
+          </a:lstStyle>
+          <a:p>
+            <a:pPr algn="ctr"/>
+            <a:fld id="{232417FB-2EF4-EC49-BC13-97513C37E9E5}" type="slidenum">
+              <a:rPr lang="en-US" smtClean="0"/>
+              <a:pPr algn="ctr"/>
+              <a:t>‹#›</a:t>
+            </a:fld>
+            <a:endParaRPr lang="en-US" dirty="0"/>
+          </a:p>
+        </p:txBody>
+      </p:sp>
+      <p:sp>
+        <p:nvSpPr>
+          <p:cNvPr id="9" name="Footer Placeholder">
+            <a:extLst>
+              <a:ext uri="{FF2B5EF4-FFF2-40B4-BE49-F238E27FC236}">
+                <a16:creationId xmlns:a16="http://schemas.microsoft.com/office/drawing/2014/main" id="{61622BCB-5999-744E-B77D-08F504F71E8B}"/>
+              </a:ext>
+            </a:extLst>
+          </p:cNvPr>
+          <p:cNvSpPr>
+            <a:spLocks noGrp="1"/>
+          </p:cNvSpPr>
+          <p:nvPr>
+            <p:ph type="ftr" sz="quarter" idx="3"/>
+          </p:nvPr>
+        </p:nvSpPr>
+        <p:spPr>
+          <a:xfrm>
+            <a:off x="7529913" y="6250890"/>
+            <a:ext cx="3842030" cy="365125"/>
+          </a:xfrm>
+          <a:prstGeom prst="rect">
+            <a:avLst/>
+          </a:prstGeom>
+        </p:spPr>
+        <p:txBody>
+          <a:bodyPr vert="horz" lIns="91440" tIns="45720" rIns="0" bIns="45720" rtlCol="0" anchor="t" anchorCtr="0"/>
+          <a:lstStyle>
+            <a:lvl1pPr algn="r">
+              <a:defRPr sz="2000" b="1">
+                <a:solidFill>
+                  <a:schemeClr val="bg1"/>
+                </a:solidFill>
+              </a:defRPr>
+            </a:lvl1pPr>
+          </a:lstStyle>
+          <a:p>
+            <a:endParaRPr lang="en-US" dirty="0"/>
+          </a:p>
+        </p:txBody>
+      </p:sp>
+      <p:sp>
+        <p:nvSpPr>
+          <p:cNvPr id="17" name="Title">
+            <a:extLst>
+              <a:ext uri="{FF2B5EF4-FFF2-40B4-BE49-F238E27FC236}">
+                <a16:creationId xmlns:a16="http://schemas.microsoft.com/office/drawing/2014/main" id="{1FFF5308-8243-A94B-81A6-3885912D01F0}"/>
+              </a:ext>
+            </a:extLst>
+          </p:cNvPr>
+          <p:cNvSpPr>
+            <a:spLocks noGrp="1"/>
+          </p:cNvSpPr>
+          <p:nvPr>
+            <p:ph type="title" hasCustomPrompt="1"/>
+          </p:nvPr>
+        </p:nvSpPr>
+        <p:spPr>
+          <a:xfrm>
+            <a:off x="838200" y="2769528"/>
+            <a:ext cx="10515600" cy="1052596"/>
+          </a:xfrm>
+          <a:prstGeom prst="rect">
+            <a:avLst/>
+          </a:prstGeom>
+        </p:spPr>
+        <p:txBody>
+          <a:bodyPr lIns="0" tIns="0" rIns="0" bIns="0" anchor="t" anchorCtr="0">
+            <a:spAutoFit/>
+          </a:bodyPr>
+          <a:lstStyle>
+            <a:lvl1pPr algn="l">
+              <a:defRPr sz="7200">
+                <a:solidFill>
+                  <a:schemeClr val="bg1"/>
+                </a:solidFill>
+              </a:defRPr>
+            </a:lvl1pPr>
+          </a:lstStyle>
+          <a:p>
+            <a:r>
+              <a:rPr lang="en-US" dirty="0"/>
+              <a:t>Section slide</a:t>
+            </a:r>
+          </a:p>
+        </p:txBody>
+      </p:sp>
+      <p:sp>
+        <p:nvSpPr>
+          <p:cNvPr id="16" name="Subtitle">
+            <a:extLst>
+              <a:ext uri="{FF2B5EF4-FFF2-40B4-BE49-F238E27FC236}">
+                <a16:creationId xmlns:a16="http://schemas.microsoft.com/office/drawing/2014/main" id="{5903921C-6D50-A849-B477-5BE38F246FF8}"/>
+              </a:ext>
+            </a:extLst>
+          </p:cNvPr>
+          <p:cNvSpPr>
+            <a:spLocks noGrp="1"/>
+          </p:cNvSpPr>
+          <p:nvPr>
+            <p:ph type="subTitle" idx="1" hasCustomPrompt="1"/>
+          </p:nvPr>
+        </p:nvSpPr>
+        <p:spPr>
+          <a:xfrm>
+            <a:off x="838200" y="3916872"/>
+            <a:ext cx="10515600" cy="1655762"/>
+          </a:xfrm>
+          <a:prstGeom prst="rect">
+            <a:avLst/>
+          </a:prstGeom>
+        </p:spPr>
+        <p:txBody>
+          <a:bodyPr tIns="72000" bIns="0" anchor="t" anchorCtr="0">
+            <a:normAutofit/>
+          </a:bodyPr>
+          <a:lstStyle>
+            <a:lvl1pPr marL="0" indent="0" algn="l">
+              <a:lnSpc>
+                <a:spcPts val="3800"/>
+              </a:lnSpc>
+              <a:spcBef>
+                <a:spcPts val="0"/>
+              </a:spcBef>
+              <a:spcAft>
+                <a:spcPts val="1000"/>
+              </a:spcAft>
+              <a:buNone/>
+              <a:defRPr sz="3200">
+                <a:solidFill>
+                  <a:schemeClr val="bg1"/>
+                </a:solidFill>
+              </a:defRPr>
+            </a:lvl1pPr>
+            <a:lvl2pPr marL="457200" indent="0" algn="ctr">
+              <a:buNone/>
+              <a:defRPr sz="2000"/>
+            </a:lvl2pPr>
+            <a:lvl3pPr marL="914400" indent="0" algn="ctr">
+              <a:buNone/>
+              <a:defRPr sz="1800"/>
+            </a:lvl3pPr>
+            <a:lvl4pPr marL="1371600" indent="0" algn="ctr">
+              <a:buNone/>
+              <a:defRPr sz="1600"/>
+            </a:lvl4pPr>
+            <a:lvl5pPr marL="1828800" indent="0" algn="ctr">
+              <a:buNone/>
+              <a:defRPr sz="1600"/>
+            </a:lvl5pPr>
+            <a:lvl6pPr marL="2286000" indent="0" algn="ctr">
+              <a:buNone/>
+              <a:defRPr sz="1600"/>
+            </a:lvl6pPr>
+            <a:lvl7pPr marL="2743200" indent="0" algn="ctr">
+              <a:buNone/>
+              <a:defRPr sz="1600"/>
+            </a:lvl7pPr>
+            <a:lvl8pPr marL="3200400" indent="0" algn="ctr">
+              <a:buNone/>
+              <a:defRPr sz="1600"/>
+            </a:lvl8pPr>
+            <a:lvl9pPr marL="3657600" indent="0" algn="ctr">
+              <a:buNone/>
+              <a:defRPr sz="1600"/>
+            </a:lvl9pPr>
+          </a:lstStyle>
+          <a:p>
+            <a:r>
+              <a:rPr lang="en-US" dirty="0"/>
+              <a:t>Subtitle</a:t>
+            </a:r>
+          </a:p>
+        </p:txBody>
+      </p:sp>
+      <p:cxnSp>
+        <p:nvCxnSpPr>
+          <p:cNvPr id="10" name="Line">
+            <a:extLst>
+              <a:ext uri="{FF2B5EF4-FFF2-40B4-BE49-F238E27FC236}">
+                <a16:creationId xmlns:a16="http://schemas.microsoft.com/office/drawing/2014/main" id="{9BEE2D9E-3E87-ED40-89C2-DBA774F1F211}"/>
+              </a:ext>
+            </a:extLst>
+          </p:cNvPr>
+          <p:cNvCxnSpPr>
+            <a:cxnSpLocks/>
+          </p:cNvCxnSpPr>
+          <p:nvPr userDrawn="1"/>
+        </p:nvCxnSpPr>
+        <p:spPr>
+          <a:xfrm>
+            <a:off x="823943" y="6055339"/>
+            <a:ext cx="10548000" cy="0"/>
+          </a:xfrm>
+          <a:prstGeom prst="line">
+            <a:avLst/>
+          </a:prstGeom>
+          <a:ln w="12700">
+            <a:solidFill>
+              <a:schemeClr val="bg1"/>
+            </a:solidFill>
+          </a:ln>
+        </p:spPr>
+        <p:style>
+          <a:lnRef idx="1">
+            <a:schemeClr val="accent1"/>
+          </a:lnRef>
+          <a:fillRef idx="0">
+            <a:schemeClr val="accent1"/>
+          </a:fillRef>
+          <a:effectRef idx="0">
+            <a:schemeClr val="accent1"/>
+          </a:effectRef>
+          <a:fontRef idx="minor">
+            <a:schemeClr val="tx1"/>
+          </a:fontRef>
+        </p:style>
+      </p:cxnSp>
+      <p:pic>
+        <p:nvPicPr>
+          <p:cNvPr id="11" name="Logo">
+            <a:extLst>
+              <a:ext uri="{FF2B5EF4-FFF2-40B4-BE49-F238E27FC236}">
+                <a16:creationId xmlns:a16="http://schemas.microsoft.com/office/drawing/2014/main" id="{2015EA9F-8838-304C-B7BC-0CE52FD5BE54}"/>
+              </a:ext>
+            </a:extLst>
+          </p:cNvPr>
+          <p:cNvPicPr>
+            <a:picLocks noChangeAspect="1"/>
+          </p:cNvPicPr>
+          <p:nvPr userDrawn="1"/>
+        </p:nvPicPr>
+        <p:blipFill>
+          <a:blip r:embed="rId2"/>
+          <a:stretch>
+            <a:fillRect/>
+          </a:stretch>
+        </p:blipFill>
+        <p:spPr>
+          <a:xfrm>
+            <a:off x="767166" y="6230570"/>
+            <a:ext cx="3489869" cy="408624"/>
+          </a:xfrm>
+          <a:prstGeom prst="rect">
+            <a:avLst/>
+          </a:prstGeom>
+        </p:spPr>
+      </p:pic>
+    </p:spTree>
+    <p:extLst>
+      <p:ext uri="{BB962C8B-B14F-4D97-AF65-F5344CB8AC3E}">
+        <p14:creationId xmlns:p14="http://schemas.microsoft.com/office/powerpoint/2010/main" val="1041753029"/>
+      </p:ext>
+    </p:extLst>
+  </p:cSld>
+  <p:clrMapOvr>
+    <a:masterClrMapping/>
+  </p:clrMapOvr>
+</p:sldLayout>
+</file>
+
+<file path=ppt/slideLayouts/slideLayout13.xml><?xml version="1.0" encoding="utf-8"?>
+<p:sldLayout xmlns:a="http://schemas.openxmlformats.org/drawingml/2006/main" xmlns:r="http://schemas.openxmlformats.org/officeDocument/2006/relationships" xmlns:p="http://schemas.openxmlformats.org/presentationml/2006/main" showMasterSp="0" userDrawn="1">
+  <p:cSld name="6_Single column title and content">
+    <p:bg>
+      <p:bgPr>
+        <a:solidFill>
+          <a:srgbClr val="008080">
+            <a:alpha val="9804"/>
+          </a:srgbClr>
+        </a:solidFill>
+        <a:effectLst/>
+      </p:bgPr>
+    </p:bg>
+    <p:spTree>
+      <p:nvGrpSpPr>
+        <p:cNvPr id="1" name=""/>
+        <p:cNvGrpSpPr/>
+        <p:nvPr/>
+      </p:nvGrpSpPr>
+      <p:grpSpPr>
+        <a:xfrm>
+          <a:off x="0" y="0"/>
+          <a:ext cx="0" cy="0"/>
+          <a:chOff x="0" y="0"/>
+          <a:chExt cx="0" cy="0"/>
+        </a:xfrm>
+      </p:grpSpPr>
+      <p:sp>
+        <p:nvSpPr>
+          <p:cNvPr id="8" name="Rectangle">
+            <a:extLst>
+              <a:ext uri="{FF2B5EF4-FFF2-40B4-BE49-F238E27FC236}">
+                <a16:creationId xmlns:a16="http://schemas.microsoft.com/office/drawing/2014/main" id="{CAB7C50D-A92E-F542-A579-D6ACCE3E0F84}"/>
+              </a:ext>
+            </a:extLst>
+          </p:cNvPr>
+          <p:cNvSpPr/>
+          <p:nvPr userDrawn="1"/>
+        </p:nvSpPr>
+        <p:spPr>
+          <a:xfrm>
+            <a:off x="0" y="6037942"/>
+            <a:ext cx="12192000" cy="820058"/>
+          </a:xfrm>
+          <a:prstGeom prst="rect">
+            <a:avLst/>
+          </a:prstGeom>
+          <a:solidFill>
+            <a:srgbClr val="008080"/>
+          </a:solidFill>
+          <a:ln>
+            <a:noFill/>
+          </a:ln>
+        </p:spPr>
+        <p:style>
+          <a:lnRef idx="2">
+            <a:schemeClr val="accent1">
+              <a:shade val="50000"/>
+            </a:schemeClr>
+          </a:lnRef>
+          <a:fillRef idx="1">
+            <a:schemeClr val="accent1"/>
+          </a:fillRef>
+          <a:effectRef idx="0">
+            <a:schemeClr val="accent1"/>
+          </a:effectRef>
+          <a:fontRef idx="minor">
+            <a:schemeClr val="lt1"/>
+          </a:fontRef>
+        </p:style>
+        <p:txBody>
+          <a:bodyPr rtlCol="0" anchor="ctr"/>
+          <a:lstStyle/>
+          <a:p>
+            <a:pPr algn="ctr"/>
+            <a:endParaRPr lang="en-US"/>
+          </a:p>
+        </p:txBody>
+      </p:sp>
+      <p:sp>
+        <p:nvSpPr>
+          <p:cNvPr id="13" name="Slide Number Placeholder">
+            <a:extLst>
+              <a:ext uri="{FF2B5EF4-FFF2-40B4-BE49-F238E27FC236}">
+                <a16:creationId xmlns:a16="http://schemas.microsoft.com/office/drawing/2014/main" id="{AB8A9106-B24D-064D-974C-C8C4B2C84B82}"/>
+              </a:ext>
+            </a:extLst>
+          </p:cNvPr>
+          <p:cNvSpPr>
+            <a:spLocks noGrp="1"/>
+          </p:cNvSpPr>
+          <p:nvPr>
+            <p:ph type="sldNum" sz="quarter" idx="4"/>
+          </p:nvPr>
+        </p:nvSpPr>
+        <p:spPr>
+          <a:xfrm>
+            <a:off x="4662087" y="6250891"/>
+            <a:ext cx="2867826" cy="365125"/>
+          </a:xfrm>
+          <a:prstGeom prst="rect">
+            <a:avLst/>
+          </a:prstGeom>
+        </p:spPr>
+        <p:txBody>
+          <a:bodyPr/>
+          <a:lstStyle>
+            <a:lvl1pPr>
+              <a:defRPr sz="2000">
+                <a:solidFill>
+                  <a:schemeClr val="bg1"/>
+                </a:solidFill>
+              </a:defRPr>
+            </a:lvl1pPr>
+          </a:lstStyle>
+          <a:p>
+            <a:pPr algn="ctr"/>
+            <a:fld id="{232417FB-2EF4-EC49-BC13-97513C37E9E5}" type="slidenum">
+              <a:rPr lang="en-US" smtClean="0"/>
+              <a:pPr algn="ctr"/>
+              <a:t>‹#›</a:t>
+            </a:fld>
+            <a:endParaRPr lang="en-US" dirty="0"/>
+          </a:p>
+        </p:txBody>
+      </p:sp>
+      <p:sp>
+        <p:nvSpPr>
+          <p:cNvPr id="14" name="Footer Placeholder">
+            <a:extLst>
+              <a:ext uri="{FF2B5EF4-FFF2-40B4-BE49-F238E27FC236}">
+                <a16:creationId xmlns:a16="http://schemas.microsoft.com/office/drawing/2014/main" id="{EC4B6832-9A04-854F-9075-DF58CE992FA7}"/>
+              </a:ext>
+            </a:extLst>
+          </p:cNvPr>
+          <p:cNvSpPr>
+            <a:spLocks noGrp="1"/>
+          </p:cNvSpPr>
+          <p:nvPr>
+            <p:ph type="ftr" sz="quarter" idx="3"/>
+          </p:nvPr>
+        </p:nvSpPr>
+        <p:spPr>
+          <a:xfrm>
+            <a:off x="7529913" y="6250890"/>
+            <a:ext cx="3842030" cy="365125"/>
+          </a:xfrm>
+          <a:prstGeom prst="rect">
+            <a:avLst/>
+          </a:prstGeom>
+        </p:spPr>
+        <p:txBody>
+          <a:bodyPr vert="horz" lIns="91440" tIns="45720" rIns="0" bIns="45720" rtlCol="0" anchor="t" anchorCtr="0"/>
+          <a:lstStyle>
+            <a:lvl1pPr algn="r">
+              <a:defRPr sz="2000" b="1">
+                <a:solidFill>
+                  <a:schemeClr val="bg1"/>
+                </a:solidFill>
+              </a:defRPr>
+            </a:lvl1pPr>
+          </a:lstStyle>
+          <a:p>
+            <a:endParaRPr lang="en-US" dirty="0"/>
+          </a:p>
+        </p:txBody>
+      </p:sp>
+      <p:sp>
+        <p:nvSpPr>
+          <p:cNvPr id="9" name="Title">
+            <a:extLst>
+              <a:ext uri="{FF2B5EF4-FFF2-40B4-BE49-F238E27FC236}">
+                <a16:creationId xmlns:a16="http://schemas.microsoft.com/office/drawing/2014/main" id="{2ABAF583-29A6-2E47-8107-77BF62EAA799}"/>
+              </a:ext>
+            </a:extLst>
+          </p:cNvPr>
+          <p:cNvSpPr>
+            <a:spLocks noGrp="1"/>
+          </p:cNvSpPr>
+          <p:nvPr>
+            <p:ph type="title" hasCustomPrompt="1"/>
+          </p:nvPr>
+        </p:nvSpPr>
+        <p:spPr>
+          <a:xfrm>
+            <a:off x="838200" y="642127"/>
+            <a:ext cx="10515600" cy="526298"/>
+          </a:xfrm>
+          <a:prstGeom prst="rect">
+            <a:avLst/>
+          </a:prstGeom>
+        </p:spPr>
+        <p:txBody>
+          <a:bodyPr wrap="square">
+            <a:spAutoFit/>
+          </a:bodyPr>
+          <a:lstStyle>
+            <a:lvl1pPr>
+              <a:defRPr sz="3600" baseline="0"/>
+            </a:lvl1pPr>
+          </a:lstStyle>
+          <a:p>
+            <a:r>
+              <a:rPr lang="en-US" dirty="0"/>
+              <a:t>Add your heading here</a:t>
+            </a:r>
+          </a:p>
+        </p:txBody>
+      </p:sp>
+      <p:sp>
+        <p:nvSpPr>
+          <p:cNvPr id="11" name="Content Placeholder">
+            <a:extLst>
+              <a:ext uri="{FF2B5EF4-FFF2-40B4-BE49-F238E27FC236}">
+                <a16:creationId xmlns:a16="http://schemas.microsoft.com/office/drawing/2014/main" id="{84E6AC44-311B-3642-9476-91E530FC2417}"/>
+              </a:ext>
+            </a:extLst>
+          </p:cNvPr>
+          <p:cNvSpPr>
+            <a:spLocks noGrp="1"/>
+          </p:cNvSpPr>
+          <p:nvPr>
+            <p:ph idx="1" hasCustomPrompt="1"/>
+          </p:nvPr>
+        </p:nvSpPr>
+        <p:spPr>
+          <a:xfrm>
+            <a:off x="838200" y="1424324"/>
+            <a:ext cx="10515600" cy="2298001"/>
+          </a:xfrm>
+          <a:prstGeom prst="rect">
+            <a:avLst/>
+          </a:prstGeom>
+        </p:spPr>
+        <p:txBody>
+          <a:bodyPr wrap="square" lIns="0" tIns="0" rIns="0" bIns="0" anchor="t" anchorCtr="0">
+            <a:spAutoFit/>
+          </a:bodyPr>
+          <a:lstStyle>
+            <a:lvl1pPr>
+              <a:lnSpc>
+                <a:spcPct val="110000"/>
+              </a:lnSpc>
+              <a:spcAft>
+                <a:spcPts val="500"/>
+              </a:spcAft>
+              <a:defRPr sz="3200">
+                <a:solidFill>
+                  <a:schemeClr val="tx1"/>
+                </a:solidFill>
+              </a:defRPr>
+            </a:lvl1pPr>
+            <a:lvl2pPr>
+              <a:spcAft>
+                <a:spcPts val="500"/>
+              </a:spcAft>
+              <a:defRPr sz="2800">
+                <a:solidFill>
+                  <a:schemeClr val="tx2"/>
+                </a:solidFill>
+              </a:defRPr>
+            </a:lvl2pPr>
+            <a:lvl3pPr>
+              <a:spcAft>
+                <a:spcPts val="500"/>
+              </a:spcAft>
+              <a:defRPr sz="2400">
+                <a:solidFill>
+                  <a:schemeClr val="tx2"/>
+                </a:solidFill>
+              </a:defRPr>
+            </a:lvl3pPr>
+            <a:lvl4pPr>
+              <a:spcAft>
+                <a:spcPts val="500"/>
+              </a:spcAft>
+              <a:defRPr sz="2000">
+                <a:solidFill>
+                  <a:schemeClr val="tx2"/>
+                </a:solidFill>
+              </a:defRPr>
+            </a:lvl4pPr>
+            <a:lvl5pPr>
+              <a:spcAft>
+                <a:spcPts val="500"/>
+              </a:spcAft>
+              <a:defRPr sz="1800">
+                <a:solidFill>
+                  <a:schemeClr val="tx2"/>
+                </a:solidFill>
+              </a:defRPr>
+            </a:lvl5pPr>
+          </a:lstStyle>
+          <a:p>
+            <a:pPr lvl="0"/>
+            <a:r>
+              <a:rPr lang="en-US" dirty="0"/>
+              <a:t>Single column</a:t>
+            </a:r>
+          </a:p>
+          <a:p>
+            <a:pPr lvl="1"/>
+            <a:r>
+              <a:rPr lang="en-US" dirty="0"/>
+              <a:t>Second level</a:t>
+            </a:r>
+          </a:p>
+          <a:p>
+            <a:pPr lvl="2"/>
+            <a:r>
+              <a:rPr lang="en-US" dirty="0"/>
+              <a:t>Third level</a:t>
+            </a:r>
+          </a:p>
+          <a:p>
+            <a:pPr lvl="3"/>
+            <a:r>
+              <a:rPr lang="en-US" dirty="0"/>
+              <a:t>Fourth level</a:t>
+            </a:r>
+          </a:p>
+          <a:p>
+            <a:pPr lvl="4"/>
+            <a:r>
+              <a:rPr lang="en-US" dirty="0"/>
+              <a:t>Fifth level</a:t>
+            </a:r>
+          </a:p>
+        </p:txBody>
+      </p:sp>
+      <p:pic>
+        <p:nvPicPr>
+          <p:cNvPr id="12" name="Logo">
+            <a:extLst>
+              <a:ext uri="{FF2B5EF4-FFF2-40B4-BE49-F238E27FC236}">
+                <a16:creationId xmlns:a16="http://schemas.microsoft.com/office/drawing/2014/main" id="{81051DAF-865D-C24C-A7D1-F9539C5AEDA7}"/>
+              </a:ext>
+            </a:extLst>
+          </p:cNvPr>
+          <p:cNvPicPr>
+            <a:picLocks noChangeAspect="1"/>
+          </p:cNvPicPr>
+          <p:nvPr userDrawn="1"/>
+        </p:nvPicPr>
+        <p:blipFill>
+          <a:blip r:embed="rId2"/>
+          <a:stretch>
+            <a:fillRect/>
+          </a:stretch>
+        </p:blipFill>
+        <p:spPr>
+          <a:xfrm>
+            <a:off x="767166" y="6230570"/>
+            <a:ext cx="3489869" cy="408624"/>
+          </a:xfrm>
+          <a:prstGeom prst="rect">
+            <a:avLst/>
+          </a:prstGeom>
+        </p:spPr>
+      </p:pic>
+    </p:spTree>
+    <p:extLst>
+      <p:ext uri="{BB962C8B-B14F-4D97-AF65-F5344CB8AC3E}">
+        <p14:creationId xmlns:p14="http://schemas.microsoft.com/office/powerpoint/2010/main" val="3296734987"/>
       </p:ext>
     </p:extLst>
   </p:cSld>
@@ -1398,7 +2109,7 @@
           <a:p>
             <a:fld id="{E4A62EDC-D5D1-49C5-B313-6E6F916DA0E0}" type="datetimeFigureOut">
               <a:rPr lang="en-GB" smtClean="0"/>
-              <a:t>07/05/2021</a:t>
+              <a:t>13/05/2021</a:t>
             </a:fld>
             <a:endParaRPr lang="en-GB"/>
           </a:p>
@@ -1674,7 +2385,7 @@
           <a:p>
             <a:fld id="{E4A62EDC-D5D1-49C5-B313-6E6F916DA0E0}" type="datetimeFigureOut">
               <a:rPr lang="en-GB" smtClean="0"/>
-              <a:t>07/05/2021</a:t>
+              <a:t>13/05/2021</a:t>
             </a:fld>
             <a:endParaRPr lang="en-GB"/>
           </a:p>
@@ -1942,7 +2653,7 @@
           <a:p>
             <a:fld id="{E4A62EDC-D5D1-49C5-B313-6E6F916DA0E0}" type="datetimeFigureOut">
               <a:rPr lang="en-GB" smtClean="0"/>
-              <a:t>07/05/2021</a:t>
+              <a:t>13/05/2021</a:t>
             </a:fld>
             <a:endParaRPr lang="en-GB"/>
           </a:p>
@@ -2357,7 +3068,7 @@
           <a:p>
             <a:fld id="{E4A62EDC-D5D1-49C5-B313-6E6F916DA0E0}" type="datetimeFigureOut">
               <a:rPr lang="en-GB" smtClean="0"/>
-              <a:t>07/05/2021</a:t>
+              <a:t>13/05/2021</a:t>
             </a:fld>
             <a:endParaRPr lang="en-GB"/>
           </a:p>
@@ -2499,7 +3210,7 @@
           <a:p>
             <a:fld id="{E4A62EDC-D5D1-49C5-B313-6E6F916DA0E0}" type="datetimeFigureOut">
               <a:rPr lang="en-GB" smtClean="0"/>
-              <a:t>07/05/2021</a:t>
+              <a:t>13/05/2021</a:t>
             </a:fld>
             <a:endParaRPr lang="en-GB"/>
           </a:p>
@@ -2612,7 +3323,7 @@
           <a:p>
             <a:fld id="{E4A62EDC-D5D1-49C5-B313-6E6F916DA0E0}" type="datetimeFigureOut">
               <a:rPr lang="en-GB" smtClean="0"/>
-              <a:t>07/05/2021</a:t>
+              <a:t>13/05/2021</a:t>
             </a:fld>
             <a:endParaRPr lang="en-GB"/>
           </a:p>
@@ -2925,7 +3636,7 @@
           <a:p>
             <a:fld id="{E4A62EDC-D5D1-49C5-B313-6E6F916DA0E0}" type="datetimeFigureOut">
               <a:rPr lang="en-GB" smtClean="0"/>
-              <a:t>07/05/2021</a:t>
+              <a:t>13/05/2021</a:t>
             </a:fld>
             <a:endParaRPr lang="en-GB"/>
           </a:p>
@@ -3214,7 +3925,7 @@
           <a:p>
             <a:fld id="{E4A62EDC-D5D1-49C5-B313-6E6F916DA0E0}" type="datetimeFigureOut">
               <a:rPr lang="en-GB" smtClean="0"/>
-              <a:t>07/05/2021</a:t>
+              <a:t>13/05/2021</a:t>
             </a:fld>
             <a:endParaRPr lang="en-GB"/>
           </a:p>
@@ -3457,7 +4168,7 @@
           <a:p>
             <a:fld id="{E4A62EDC-D5D1-49C5-B313-6E6F916DA0E0}" type="datetimeFigureOut">
               <a:rPr lang="en-GB" smtClean="0"/>
-              <a:t>07/05/2021</a:t>
+              <a:t>13/05/2021</a:t>
             </a:fld>
             <a:endParaRPr lang="en-GB"/>
           </a:p>
@@ -3573,6 +4284,8 @@
     <p:sldLayoutId id="2147483657" r:id="rId9"/>
     <p:sldLayoutId id="2147483658" r:id="rId10"/>
     <p:sldLayoutId id="2147483659" r:id="rId11"/>
+    <p:sldLayoutId id="2147483660" r:id="rId12"/>
+    <p:sldLayoutId id="2147483661" r:id="rId13"/>
   </p:sldLayoutIdLst>
   <p:txStyles>
     <p:titleStyle>
@@ -3860,6 +4573,14 @@
 <file path=ppt/slides/slide1.xml><?xml version="1.0" encoding="utf-8"?>
 <p:sld xmlns:a="http://schemas.openxmlformats.org/drawingml/2006/main" xmlns:r="http://schemas.openxmlformats.org/officeDocument/2006/relationships" xmlns:p="http://schemas.openxmlformats.org/presentationml/2006/main">
   <p:cSld>
+    <p:bg>
+      <p:bgPr>
+        <a:solidFill>
+          <a:srgbClr val="000000"/>
+        </a:solidFill>
+        <a:effectLst/>
+      </p:bgPr>
+    </p:bg>
     <p:spTree>
       <p:nvGrpSpPr>
         <p:cNvPr id="1" name=""/>
@@ -3876,10 +4597,119 @@
       </p:grpSpPr>
       <p:sp>
         <p:nvSpPr>
-          <p:cNvPr id="2" name="Title 1">
-            <a:extLst>
-              <a:ext uri="{FF2B5EF4-FFF2-40B4-BE49-F238E27FC236}">
-                <a16:creationId xmlns:a16="http://schemas.microsoft.com/office/drawing/2014/main" id="{2E070815-3960-468E-83BB-0E3A0ACBFE07}"/>
+          <p:cNvPr id="1028" name="Rectangle 70">
+            <a:extLst>
+              <a:ext uri="{FF2B5EF4-FFF2-40B4-BE49-F238E27FC236}">
+                <a16:creationId xmlns:a16="http://schemas.microsoft.com/office/drawing/2014/main" id="{71B2258F-86CA-4D4D-8270-BC05FCDEBFB3}"/>
+              </a:ext>
+              <a:ext uri="{C183D7F6-B498-43B3-948B-1728B52AA6E4}">
+                <adec:decorative xmlns:adec="http://schemas.microsoft.com/office/drawing/2017/decorative" val="1"/>
+              </a:ext>
+            </a:extLst>
+          </p:cNvPr>
+          <p:cNvSpPr>
+            <a:spLocks noGrp="1" noRot="1" noChangeAspect="1" noMove="1" noResize="1" noEditPoints="1" noAdjustHandles="1" noChangeArrowheads="1" noChangeShapeType="1" noTextEdit="1"/>
+          </p:cNvSpPr>
+          <p:nvPr>
+            <p:extLst>
+              <p:ext uri="{386F3935-93C4-4BCD-93E2-E3B085C9AB24}">
+                <p16:designElem xmlns:p16="http://schemas.microsoft.com/office/powerpoint/2015/main" val="1"/>
+              </p:ext>
+            </p:extLst>
+          </p:nvPr>
+        </p:nvSpPr>
+        <p:spPr>
+          <a:xfrm>
+            <a:off x="0" y="0"/>
+            <a:ext cx="12192000" cy="6857999"/>
+          </a:xfrm>
+          <a:prstGeom prst="rect">
+            <a:avLst/>
+          </a:prstGeom>
+          <a:solidFill>
+            <a:srgbClr val="000000"/>
+          </a:solidFill>
+          <a:ln>
+            <a:noFill/>
+          </a:ln>
+        </p:spPr>
+        <p:style>
+          <a:lnRef idx="2">
+            <a:schemeClr val="accent1">
+              <a:shade val="50000"/>
+            </a:schemeClr>
+          </a:lnRef>
+          <a:fillRef idx="1">
+            <a:schemeClr val="accent1"/>
+          </a:fillRef>
+          <a:effectRef idx="0">
+            <a:schemeClr val="accent1"/>
+          </a:effectRef>
+          <a:fontRef idx="minor">
+            <a:schemeClr val="lt1"/>
+          </a:fontRef>
+        </p:style>
+        <p:txBody>
+          <a:bodyPr rtlCol="0" anchor="ctr"/>
+          <a:lstStyle/>
+          <a:p>
+            <a:pPr algn="ctr"/>
+            <a:endParaRPr lang="en-US"/>
+          </a:p>
+        </p:txBody>
+      </p:sp>
+      <p:pic>
+        <p:nvPicPr>
+          <p:cNvPr id="1026" name="Picture 2">
+            <a:extLst>
+              <a:ext uri="{FF2B5EF4-FFF2-40B4-BE49-F238E27FC236}">
+                <a16:creationId xmlns:a16="http://schemas.microsoft.com/office/drawing/2014/main" id="{331C74C1-849E-4164-A55B-AA439CE711FE}"/>
+              </a:ext>
+            </a:extLst>
+          </p:cNvPr>
+          <p:cNvPicPr>
+            <a:picLocks noChangeAspect="1" noChangeArrowheads="1"/>
+          </p:cNvPicPr>
+          <p:nvPr/>
+        </p:nvPicPr>
+        <p:blipFill rotWithShape="1">
+          <a:blip r:embed="rId2">
+            <a:alphaModFix amt="50000"/>
+            <a:extLst>
+              <a:ext uri="{28A0092B-C50C-407E-A947-70E740481C1C}">
+                <a14:useLocalDpi xmlns:a14="http://schemas.microsoft.com/office/drawing/2010/main" val="0"/>
+              </a:ext>
+            </a:extLst>
+          </a:blip>
+          <a:srcRect t="6959" b="8771"/>
+          <a:stretch/>
+        </p:blipFill>
+        <p:spPr bwMode="auto">
+          <a:xfrm>
+            <a:off x="20" y="1"/>
+            <a:ext cx="12191980" cy="6857999"/>
+          </a:xfrm>
+          <a:prstGeom prst="rect">
+            <a:avLst/>
+          </a:prstGeom>
+          <a:noFill/>
+          <a:extLst>
+            <a:ext uri="{909E8E84-426E-40DD-AFC4-6F175D3DCCD1}">
+              <a14:hiddenFill xmlns:a14="http://schemas.microsoft.com/office/drawing/2010/main">
+                <a:solidFill>
+                  <a:srgbClr val="FFFFFF"/>
+                </a:solidFill>
+              </a14:hiddenFill>
+            </a:ext>
+          </a:extLst>
+        </p:spPr>
+      </p:pic>
+      <p:sp>
+        <p:nvSpPr>
+          <p:cNvPr id="4" name="Title">
+            <a:extLst>
+              <a:ext uri="{FF2B5EF4-FFF2-40B4-BE49-F238E27FC236}">
+                <a16:creationId xmlns:a16="http://schemas.microsoft.com/office/drawing/2014/main" id="{21123C75-479C-234B-9645-E08CF5BA2050}"/>
               </a:ext>
             </a:extLst>
           </p:cNvPr>
@@ -3887,17 +4717,94 @@
             <a:spLocks noGrp="1"/>
           </p:cNvSpPr>
           <p:nvPr>
-            <p:ph type="ctrTitle"/>
+            <p:ph type="title"/>
           </p:nvPr>
         </p:nvSpPr>
-        <p:spPr/>
-        <p:txBody>
-          <a:bodyPr/>
-          <a:lstStyle/>
-          <a:p>
-            <a:r>
-              <a:rPr lang="en-GB" dirty="0"/>
+        <p:spPr>
+          <a:xfrm>
+            <a:off x="1524000" y="1600200"/>
+            <a:ext cx="9144000" cy="2098830"/>
+          </a:xfrm>
+        </p:spPr>
+        <p:txBody>
+          <a:bodyPr vert="horz" lIns="91440" tIns="45720" rIns="91440" bIns="45720" rtlCol="0" anchor="b">
+            <a:normAutofit/>
+          </a:bodyPr>
+          <a:lstStyle/>
+          <a:p>
+            <a:pPr algn="ctr"/>
+            <a:r>
+              <a:rPr lang="en-US" sz="6000" dirty="0">
+                <a:solidFill>
+                  <a:srgbClr val="FFFFFF"/>
+                </a:solidFill>
+              </a:rPr>
               <a:t>Identifying mentions of ONS in the UK Parliament</a:t>
+            </a:r>
+          </a:p>
+        </p:txBody>
+      </p:sp>
+      <p:sp>
+        <p:nvSpPr>
+          <p:cNvPr id="3" name="Subtitle">
+            <a:extLst>
+              <a:ext uri="{FF2B5EF4-FFF2-40B4-BE49-F238E27FC236}">
+                <a16:creationId xmlns:a16="http://schemas.microsoft.com/office/drawing/2014/main" id="{06DB93C4-9B93-5B4B-9232-71F3A5FBBD1F}"/>
+              </a:ext>
+            </a:extLst>
+          </p:cNvPr>
+          <p:cNvSpPr>
+            <a:spLocks noGrp="1"/>
+          </p:cNvSpPr>
+          <p:nvPr>
+            <p:ph type="subTitle" idx="1"/>
+          </p:nvPr>
+        </p:nvSpPr>
+        <p:spPr>
+          <a:xfrm>
+            <a:off x="1524000" y="5045229"/>
+            <a:ext cx="9144000" cy="1098395"/>
+          </a:xfrm>
+        </p:spPr>
+        <p:txBody>
+          <a:bodyPr vert="horz" lIns="91440" tIns="45720" rIns="91440" bIns="45720" rtlCol="0">
+            <a:normAutofit/>
+          </a:bodyPr>
+          <a:lstStyle/>
+          <a:p>
+            <a:pPr algn="ctr">
+              <a:lnSpc>
+                <a:spcPct val="90000"/>
+              </a:lnSpc>
+              <a:spcBef>
+                <a:spcPts val="1000"/>
+              </a:spcBef>
+            </a:pPr>
+            <a:r>
+              <a:rPr lang="en-US" sz="2400" dirty="0">
+                <a:solidFill>
+                  <a:srgbClr val="FFFFFF"/>
+                </a:solidFill>
+              </a:rPr>
+              <a:t>Rory Corbett</a:t>
+            </a:r>
+          </a:p>
+          <a:p>
+            <a:pPr algn="ctr">
+              <a:lnSpc>
+                <a:spcPct val="90000"/>
+              </a:lnSpc>
+              <a:spcBef>
+                <a:spcPts val="1000"/>
+              </a:spcBef>
+            </a:pPr>
+            <a:r>
+              <a:rPr lang="en-US" sz="2400" dirty="0">
+                <a:solidFill>
+                  <a:srgbClr val="FFFFFF"/>
+                </a:solidFill>
+              </a:rPr>
+              <a:t>Senior Corporate Analyst, Corporate MI &amp; Analytics</a:t>
             </a:r>
           </a:p>
         </p:txBody>
@@ -3905,12 +4812,12 @@
     </p:spTree>
     <p:extLst>
       <p:ext uri="{BB962C8B-B14F-4D97-AF65-F5344CB8AC3E}">
-        <p14:creationId xmlns:p14="http://schemas.microsoft.com/office/powerpoint/2010/main" val="2874023090"/>
+        <p14:creationId xmlns:p14="http://schemas.microsoft.com/office/powerpoint/2010/main" val="3244322459"/>
       </p:ext>
     </p:extLst>
   </p:cSld>
   <p:clrMapOvr>
-    <a:masterClrMapping/>
+    <a:overrideClrMapping bg1="dk1" tx1="lt1" bg2="dk2" tx2="lt2" accent1="accent1" accent2="accent2" accent3="accent3" accent4="accent4" accent5="accent5" accent6="accent6" hlink="hlink" folHlink="folHlink"/>
   </p:clrMapOvr>
 </p:sld>
 </file>
@@ -3934,10 +4841,10 @@
       </p:grpSpPr>
       <p:sp>
         <p:nvSpPr>
-          <p:cNvPr id="2" name="Title 1">
-            <a:extLst>
-              <a:ext uri="{FF2B5EF4-FFF2-40B4-BE49-F238E27FC236}">
-                <a16:creationId xmlns:a16="http://schemas.microsoft.com/office/drawing/2014/main" id="{18D661C5-C147-4218-BAFA-CDF8255164E7}"/>
+          <p:cNvPr id="5" name="Title">
+            <a:extLst>
+              <a:ext uri="{FF2B5EF4-FFF2-40B4-BE49-F238E27FC236}">
+                <a16:creationId xmlns:a16="http://schemas.microsoft.com/office/drawing/2014/main" id="{AC5AD953-635B-2B48-B87A-4F5101B6050D}"/>
               </a:ext>
             </a:extLst>
           </p:cNvPr>
@@ -3948,24 +4855,30 @@
             <p:ph type="title"/>
           </p:nvPr>
         </p:nvSpPr>
-        <p:spPr/>
+        <p:spPr>
+          <a:xfrm>
+            <a:off x="838200" y="554411"/>
+            <a:ext cx="10515600" cy="701731"/>
+          </a:xfrm>
+        </p:spPr>
         <p:txBody>
           <a:bodyPr/>
           <a:lstStyle/>
           <a:p>
             <a:r>
-              <a:rPr lang="en-GB" dirty="0"/>
+              <a:rPr lang="en-GB" sz="4400" dirty="0"/>
               <a:t>Initial Objectives</a:t>
             </a:r>
-          </a:p>
-        </p:txBody>
-      </p:sp>
-      <p:sp>
-        <p:nvSpPr>
-          <p:cNvPr id="3" name="Content Placeholder 2">
-            <a:extLst>
-              <a:ext uri="{FF2B5EF4-FFF2-40B4-BE49-F238E27FC236}">
-                <a16:creationId xmlns:a16="http://schemas.microsoft.com/office/drawing/2014/main" id="{26AD98F6-5589-4CF7-8FCF-667F31456E8B}"/>
+            <a:endParaRPr lang="en-US" sz="4400" dirty="0"/>
+          </a:p>
+        </p:txBody>
+      </p:sp>
+      <p:sp>
+        <p:nvSpPr>
+          <p:cNvPr id="6" name="Content Placeholder">
+            <a:extLst>
+              <a:ext uri="{FF2B5EF4-FFF2-40B4-BE49-F238E27FC236}">
+                <a16:creationId xmlns:a16="http://schemas.microsoft.com/office/drawing/2014/main" id="{4C842C63-75A3-F044-9F81-2C8C2B628C68}"/>
               </a:ext>
             </a:extLst>
           </p:cNvPr>
@@ -3976,20 +4889,25 @@
             <p:ph idx="1"/>
           </p:nvPr>
         </p:nvSpPr>
-        <p:spPr/>
+        <p:spPr>
+          <a:xfrm>
+            <a:off x="820057" y="1540138"/>
+            <a:ext cx="10515600" cy="5075877"/>
+          </a:xfrm>
+        </p:spPr>
         <p:txBody>
           <a:bodyPr/>
           <a:lstStyle/>
           <a:p>
             <a:r>
               <a:rPr lang="en-GB" dirty="0"/>
-              <a:t>Use data science techniques to extract information from Hansard, the written record of the UK Parliament</a:t>
+              <a:t>Use data science techniques (NLP) to extract information from Hansard, the written record of the UK Parliament</a:t>
             </a:r>
           </a:p>
           <a:p>
             <a:r>
               <a:rPr lang="en-GB" dirty="0"/>
-              <a:t>Identify mentions of ONS/UKSA/OSR</a:t>
+              <a:t>Identify mentions of ONS/UKSA/OSR in the House of Commons</a:t>
             </a:r>
           </a:p>
           <a:p>
@@ -4003,13 +4921,16 @@
               <a:rPr lang="en-GB" dirty="0"/>
               <a:t>Provide information to Parliamentary team (Millie Tyler) at ONS via interactive dashboard</a:t>
             </a:r>
+          </a:p>
+          <a:p>
+            <a:endParaRPr lang="en-US" dirty="0"/>
           </a:p>
         </p:txBody>
       </p:sp>
     </p:spTree>
     <p:extLst>
       <p:ext uri="{BB962C8B-B14F-4D97-AF65-F5344CB8AC3E}">
-        <p14:creationId xmlns:p14="http://schemas.microsoft.com/office/powerpoint/2010/main" val="2836298593"/>
+        <p14:creationId xmlns:p14="http://schemas.microsoft.com/office/powerpoint/2010/main" val="2401366226"/>
       </p:ext>
     </p:extLst>
   </p:cSld>
@@ -4038,65 +4959,2424 @@
       </p:grpSpPr>
       <p:sp>
         <p:nvSpPr>
-          <p:cNvPr id="2" name="Title 1">
-            <a:extLst>
-              <a:ext uri="{FF2B5EF4-FFF2-40B4-BE49-F238E27FC236}">
-                <a16:creationId xmlns:a16="http://schemas.microsoft.com/office/drawing/2014/main" id="{55794F13-93FB-4E3B-A2A7-F445C5987989}"/>
-              </a:ext>
-            </a:extLst>
-          </p:cNvPr>
-          <p:cNvSpPr>
-            <a:spLocks noGrp="1"/>
-          </p:cNvSpPr>
-          <p:nvPr>
-            <p:ph type="title"/>
-          </p:nvPr>
-        </p:nvSpPr>
-        <p:spPr/>
-        <p:txBody>
-          <a:bodyPr/>
-          <a:lstStyle/>
-          <a:p>
-            <a:endParaRPr lang="en-GB" dirty="0"/>
-          </a:p>
-        </p:txBody>
-      </p:sp>
-      <p:sp>
-        <p:nvSpPr>
-          <p:cNvPr id="3" name="Content Placeholder 2">
-            <a:extLst>
-              <a:ext uri="{FF2B5EF4-FFF2-40B4-BE49-F238E27FC236}">
-                <a16:creationId xmlns:a16="http://schemas.microsoft.com/office/drawing/2014/main" id="{0C41778D-2806-4F47-946E-AD42E0D42A0E}"/>
-              </a:ext>
-            </a:extLst>
-          </p:cNvPr>
-          <p:cNvSpPr>
-            <a:spLocks noGrp="1"/>
-          </p:cNvSpPr>
-          <p:nvPr>
-            <p:ph idx="1"/>
-          </p:nvPr>
-        </p:nvSpPr>
-        <p:spPr/>
-        <p:txBody>
-          <a:bodyPr/>
-          <a:lstStyle/>
-          <a:p>
+          <p:cNvPr id="22" name="Rectangle 21">
+            <a:extLst>
+              <a:ext uri="{FF2B5EF4-FFF2-40B4-BE49-F238E27FC236}">
+                <a16:creationId xmlns:a16="http://schemas.microsoft.com/office/drawing/2014/main" id="{C67874B4-3403-4B43-A5CC-E0BBD7F2B85E}"/>
+              </a:ext>
+            </a:extLst>
+          </p:cNvPr>
+          <p:cNvSpPr/>
+          <p:nvPr/>
+        </p:nvSpPr>
+        <p:spPr>
+          <a:xfrm>
+            <a:off x="336887" y="5196559"/>
+            <a:ext cx="11618474" cy="1492996"/>
+          </a:xfrm>
+          <a:prstGeom prst="rect">
+            <a:avLst/>
+          </a:prstGeom>
+          <a:solidFill>
+            <a:schemeClr val="bg1"/>
+          </a:solidFill>
+          <a:ln>
+            <a:solidFill>
+              <a:schemeClr val="tx1"/>
+            </a:solidFill>
+          </a:ln>
+        </p:spPr>
+        <p:style>
+          <a:lnRef idx="2">
+            <a:schemeClr val="accent3">
+              <a:shade val="50000"/>
+            </a:schemeClr>
+          </a:lnRef>
+          <a:fillRef idx="1">
+            <a:schemeClr val="accent3"/>
+          </a:fillRef>
+          <a:effectRef idx="0">
+            <a:schemeClr val="accent3"/>
+          </a:effectRef>
+          <a:fontRef idx="minor">
+            <a:schemeClr val="lt1"/>
+          </a:fontRef>
+        </p:style>
+        <p:txBody>
+          <a:bodyPr rtlCol="0" anchor="ctr"/>
+          <a:lstStyle/>
+          <a:p>
+            <a:pPr algn="ctr"/>
+            <a:endParaRPr lang="en-GB"/>
+          </a:p>
+        </p:txBody>
+      </p:sp>
+      <p:sp>
+        <p:nvSpPr>
+          <p:cNvPr id="4" name="Rectangle: Rounded Corners 3">
+            <a:extLst>
+              <a:ext uri="{FF2B5EF4-FFF2-40B4-BE49-F238E27FC236}">
+                <a16:creationId xmlns:a16="http://schemas.microsoft.com/office/drawing/2014/main" id="{A236E950-F5AB-4148-87FC-212AB691E5B1}"/>
+              </a:ext>
+            </a:extLst>
+          </p:cNvPr>
+          <p:cNvSpPr/>
+          <p:nvPr/>
+        </p:nvSpPr>
+        <p:spPr>
+          <a:xfrm>
+            <a:off x="4410241" y="168357"/>
+            <a:ext cx="2729834" cy="369332"/>
+          </a:xfrm>
+          <a:prstGeom prst="roundRect">
+            <a:avLst/>
+          </a:prstGeom>
+        </p:spPr>
+        <p:style>
+          <a:lnRef idx="2">
+            <a:schemeClr val="accent1">
+              <a:shade val="50000"/>
+            </a:schemeClr>
+          </a:lnRef>
+          <a:fillRef idx="1">
+            <a:schemeClr val="accent1"/>
+          </a:fillRef>
+          <a:effectRef idx="0">
+            <a:schemeClr val="accent1"/>
+          </a:effectRef>
+          <a:fontRef idx="minor">
+            <a:schemeClr val="lt1"/>
+          </a:fontRef>
+        </p:style>
+        <p:txBody>
+          <a:bodyPr rtlCol="0" anchor="ctr"/>
+          <a:lstStyle/>
+          <a:p>
+            <a:pPr algn="ctr"/>
+            <a:endParaRPr lang="en-GB"/>
+          </a:p>
+        </p:txBody>
+      </p:sp>
+      <p:sp>
+        <p:nvSpPr>
+          <p:cNvPr id="5" name="Rectangle: Rounded Corners 4">
+            <a:extLst>
+              <a:ext uri="{FF2B5EF4-FFF2-40B4-BE49-F238E27FC236}">
+                <a16:creationId xmlns:a16="http://schemas.microsoft.com/office/drawing/2014/main" id="{B7EB9378-BB27-4E46-AE7B-2128546BC518}"/>
+              </a:ext>
+            </a:extLst>
+          </p:cNvPr>
+          <p:cNvSpPr/>
+          <p:nvPr/>
+        </p:nvSpPr>
+        <p:spPr>
+          <a:xfrm>
+            <a:off x="171115" y="716983"/>
+            <a:ext cx="1989222" cy="433137"/>
+          </a:xfrm>
+          <a:prstGeom prst="roundRect">
+            <a:avLst/>
+          </a:prstGeom>
+        </p:spPr>
+        <p:style>
+          <a:lnRef idx="2">
+            <a:schemeClr val="accent1">
+              <a:shade val="50000"/>
+            </a:schemeClr>
+          </a:lnRef>
+          <a:fillRef idx="1">
+            <a:schemeClr val="accent1"/>
+          </a:fillRef>
+          <a:effectRef idx="0">
+            <a:schemeClr val="accent1"/>
+          </a:effectRef>
+          <a:fontRef idx="minor">
+            <a:schemeClr val="lt1"/>
+          </a:fontRef>
+        </p:style>
+        <p:txBody>
+          <a:bodyPr rtlCol="0" anchor="ctr"/>
+          <a:lstStyle/>
+          <a:p>
+            <a:pPr algn="ctr"/>
+            <a:endParaRPr lang="en-GB"/>
+          </a:p>
+        </p:txBody>
+      </p:sp>
+      <p:sp>
+        <p:nvSpPr>
+          <p:cNvPr id="6" name="Rectangle: Rounded Corners 5">
+            <a:extLst>
+              <a:ext uri="{FF2B5EF4-FFF2-40B4-BE49-F238E27FC236}">
+                <a16:creationId xmlns:a16="http://schemas.microsoft.com/office/drawing/2014/main" id="{6E2E2354-F343-48C9-824F-9C3A88781369}"/>
+              </a:ext>
+            </a:extLst>
+          </p:cNvPr>
+          <p:cNvSpPr/>
+          <p:nvPr/>
+        </p:nvSpPr>
+        <p:spPr>
+          <a:xfrm>
+            <a:off x="2557150" y="716983"/>
+            <a:ext cx="1989221" cy="433137"/>
+          </a:xfrm>
+          <a:prstGeom prst="roundRect">
+            <a:avLst/>
+          </a:prstGeom>
+        </p:spPr>
+        <p:style>
+          <a:lnRef idx="2">
+            <a:schemeClr val="accent1">
+              <a:shade val="50000"/>
+            </a:schemeClr>
+          </a:lnRef>
+          <a:fillRef idx="1">
+            <a:schemeClr val="accent1"/>
+          </a:fillRef>
+          <a:effectRef idx="0">
+            <a:schemeClr val="accent1"/>
+          </a:effectRef>
+          <a:fontRef idx="minor">
+            <a:schemeClr val="lt1"/>
+          </a:fontRef>
+        </p:style>
+        <p:txBody>
+          <a:bodyPr rtlCol="0" anchor="ctr"/>
+          <a:lstStyle/>
+          <a:p>
+            <a:pPr algn="ctr"/>
+            <a:endParaRPr lang="en-GB"/>
+          </a:p>
+        </p:txBody>
+      </p:sp>
+      <p:sp>
+        <p:nvSpPr>
+          <p:cNvPr id="7" name="Rectangle: Rounded Corners 6">
+            <a:extLst>
+              <a:ext uri="{FF2B5EF4-FFF2-40B4-BE49-F238E27FC236}">
+                <a16:creationId xmlns:a16="http://schemas.microsoft.com/office/drawing/2014/main" id="{3EF0D731-6D93-4506-B1CF-4E180E5BE4DC}"/>
+              </a:ext>
+            </a:extLst>
+          </p:cNvPr>
+          <p:cNvSpPr/>
+          <p:nvPr/>
+        </p:nvSpPr>
+        <p:spPr>
+          <a:xfrm>
+            <a:off x="7776394" y="721191"/>
+            <a:ext cx="4178967" cy="433137"/>
+          </a:xfrm>
+          <a:prstGeom prst="roundRect">
+            <a:avLst/>
+          </a:prstGeom>
+        </p:spPr>
+        <p:style>
+          <a:lnRef idx="2">
+            <a:schemeClr val="accent1">
+              <a:shade val="50000"/>
+            </a:schemeClr>
+          </a:lnRef>
+          <a:fillRef idx="1">
+            <a:schemeClr val="accent1"/>
+          </a:fillRef>
+          <a:effectRef idx="0">
+            <a:schemeClr val="accent1"/>
+          </a:effectRef>
+          <a:fontRef idx="minor">
+            <a:schemeClr val="lt1"/>
+          </a:fontRef>
+        </p:style>
+        <p:txBody>
+          <a:bodyPr rtlCol="0" anchor="ctr"/>
+          <a:lstStyle/>
+          <a:p>
+            <a:pPr algn="ctr"/>
+            <a:r>
+              <a:rPr lang="en-GB" dirty="0">
+                <a:solidFill>
+                  <a:schemeClr val="bg1"/>
+                </a:solidFill>
+              </a:rPr>
+              <a:t>Filter -- Week/Year</a:t>
+            </a:r>
+          </a:p>
+        </p:txBody>
+      </p:sp>
+      <p:cxnSp>
+        <p:nvCxnSpPr>
+          <p:cNvPr id="9" name="Straight Connector 8">
+            <a:extLst>
+              <a:ext uri="{FF2B5EF4-FFF2-40B4-BE49-F238E27FC236}">
+                <a16:creationId xmlns:a16="http://schemas.microsoft.com/office/drawing/2014/main" id="{24301F31-1E59-4409-9646-4B876A0D65E7}"/>
+              </a:ext>
+            </a:extLst>
+          </p:cNvPr>
+          <p:cNvCxnSpPr/>
+          <p:nvPr/>
+        </p:nvCxnSpPr>
+        <p:spPr>
+          <a:xfrm>
+            <a:off x="649705" y="1868906"/>
+            <a:ext cx="0" cy="2967789"/>
+          </a:xfrm>
+          <a:prstGeom prst="line">
+            <a:avLst/>
+          </a:prstGeom>
+        </p:spPr>
+        <p:style>
+          <a:lnRef idx="3">
+            <a:schemeClr val="dk1"/>
+          </a:lnRef>
+          <a:fillRef idx="0">
+            <a:schemeClr val="dk1"/>
+          </a:fillRef>
+          <a:effectRef idx="2">
+            <a:schemeClr val="dk1"/>
+          </a:effectRef>
+          <a:fontRef idx="minor">
+            <a:schemeClr val="tx1"/>
+          </a:fontRef>
+        </p:style>
+      </p:cxnSp>
+      <p:cxnSp>
+        <p:nvCxnSpPr>
+          <p:cNvPr id="10" name="Straight Connector 9">
+            <a:extLst>
+              <a:ext uri="{FF2B5EF4-FFF2-40B4-BE49-F238E27FC236}">
+                <a16:creationId xmlns:a16="http://schemas.microsoft.com/office/drawing/2014/main" id="{5064C61A-95F1-43F5-8068-E265F3226AC1}"/>
+              </a:ext>
+            </a:extLst>
+          </p:cNvPr>
+          <p:cNvCxnSpPr>
+            <a:cxnSpLocks/>
+          </p:cNvCxnSpPr>
+          <p:nvPr/>
+        </p:nvCxnSpPr>
+        <p:spPr>
+          <a:xfrm>
+            <a:off x="649705" y="4836695"/>
+            <a:ext cx="11211185" cy="0"/>
+          </a:xfrm>
+          <a:prstGeom prst="line">
+            <a:avLst/>
+          </a:prstGeom>
+        </p:spPr>
+        <p:style>
+          <a:lnRef idx="3">
+            <a:schemeClr val="dk1"/>
+          </a:lnRef>
+          <a:fillRef idx="0">
+            <a:schemeClr val="dk1"/>
+          </a:fillRef>
+          <a:effectRef idx="2">
+            <a:schemeClr val="dk1"/>
+          </a:effectRef>
+          <a:fontRef idx="minor">
+            <a:schemeClr val="tx1"/>
+          </a:fontRef>
+        </p:style>
+      </p:cxnSp>
+      <p:sp>
+        <p:nvSpPr>
+          <p:cNvPr id="14" name="TextBox 13">
+            <a:extLst>
+              <a:ext uri="{FF2B5EF4-FFF2-40B4-BE49-F238E27FC236}">
+                <a16:creationId xmlns:a16="http://schemas.microsoft.com/office/drawing/2014/main" id="{9F4EF6A3-102A-4FE1-BB75-100D60DE4F2F}"/>
+              </a:ext>
+            </a:extLst>
+          </p:cNvPr>
+          <p:cNvSpPr txBox="1"/>
+          <p:nvPr/>
+        </p:nvSpPr>
+        <p:spPr>
+          <a:xfrm>
+            <a:off x="3795292" y="5189519"/>
+            <a:ext cx="1041387" cy="369332"/>
+          </a:xfrm>
+          <a:prstGeom prst="rect">
+            <a:avLst/>
+          </a:prstGeom>
+          <a:noFill/>
+        </p:spPr>
+        <p:txBody>
+          <a:bodyPr wrap="square" rtlCol="0">
+            <a:spAutoFit/>
+          </a:bodyPr>
+          <a:lstStyle/>
+          <a:p>
+            <a:pPr algn="ctr"/>
             <a:r>
               <a:rPr lang="en-GB" dirty="0"/>
-              <a:t>XML data -&gt; processed -&gt; model -&gt; dashboard</a:t>
-            </a:r>
-          </a:p>
-          <a:p>
+              <a:t>Speaker</a:t>
+            </a:r>
+          </a:p>
+        </p:txBody>
+      </p:sp>
+      <p:sp>
+        <p:nvSpPr>
+          <p:cNvPr id="15" name="TextBox 14">
+            <a:extLst>
+              <a:ext uri="{FF2B5EF4-FFF2-40B4-BE49-F238E27FC236}">
+                <a16:creationId xmlns:a16="http://schemas.microsoft.com/office/drawing/2014/main" id="{52B11C6C-70A3-4961-80A0-CC8CC4A1AF4F}"/>
+              </a:ext>
+            </a:extLst>
+          </p:cNvPr>
+          <p:cNvSpPr txBox="1"/>
+          <p:nvPr/>
+        </p:nvSpPr>
+        <p:spPr>
+          <a:xfrm>
+            <a:off x="5155534" y="5188879"/>
+            <a:ext cx="862119" cy="369332"/>
+          </a:xfrm>
+          <a:prstGeom prst="rect">
+            <a:avLst/>
+          </a:prstGeom>
+          <a:noFill/>
+        </p:spPr>
+        <p:txBody>
+          <a:bodyPr wrap="square" rtlCol="0">
+            <a:spAutoFit/>
+          </a:bodyPr>
+          <a:lstStyle/>
+          <a:p>
+            <a:pPr algn="ctr"/>
+            <a:r>
+              <a:rPr lang="en-GB" dirty="0"/>
+              <a:t>Topic</a:t>
+            </a:r>
+          </a:p>
+        </p:txBody>
+      </p:sp>
+      <p:sp>
+        <p:nvSpPr>
+          <p:cNvPr id="16" name="TextBox 15">
+            <a:extLst>
+              <a:ext uri="{FF2B5EF4-FFF2-40B4-BE49-F238E27FC236}">
+                <a16:creationId xmlns:a16="http://schemas.microsoft.com/office/drawing/2014/main" id="{483E2797-2113-4710-B563-C1D6702D6D0B}"/>
+              </a:ext>
+            </a:extLst>
+          </p:cNvPr>
+          <p:cNvSpPr txBox="1"/>
+          <p:nvPr/>
+        </p:nvSpPr>
+        <p:spPr>
+          <a:xfrm>
+            <a:off x="8412194" y="5196559"/>
+            <a:ext cx="3102023" cy="338554"/>
+          </a:xfrm>
+          <a:prstGeom prst="rect">
+            <a:avLst/>
+          </a:prstGeom>
+          <a:noFill/>
+        </p:spPr>
+        <p:txBody>
+          <a:bodyPr wrap="square" rtlCol="0">
+            <a:spAutoFit/>
+          </a:bodyPr>
+          <a:lstStyle/>
+          <a:p>
+            <a:r>
+              <a:rPr lang="en-GB" sz="1600" dirty="0"/>
+              <a:t>Source (date + location  + debate)</a:t>
+            </a:r>
+          </a:p>
+        </p:txBody>
+      </p:sp>
+      <p:sp>
+        <p:nvSpPr>
+          <p:cNvPr id="17" name="TextBox 16">
+            <a:extLst>
+              <a:ext uri="{FF2B5EF4-FFF2-40B4-BE49-F238E27FC236}">
+                <a16:creationId xmlns:a16="http://schemas.microsoft.com/office/drawing/2014/main" id="{81C53452-534A-4907-8243-DF51260643EF}"/>
+              </a:ext>
+            </a:extLst>
+          </p:cNvPr>
+          <p:cNvSpPr txBox="1"/>
+          <p:nvPr/>
+        </p:nvSpPr>
+        <p:spPr>
+          <a:xfrm>
+            <a:off x="975008" y="5188879"/>
+            <a:ext cx="3379994" cy="369332"/>
+          </a:xfrm>
+          <a:prstGeom prst="rect">
+            <a:avLst/>
+          </a:prstGeom>
+          <a:noFill/>
+        </p:spPr>
+        <p:txBody>
+          <a:bodyPr wrap="square" rtlCol="0">
+            <a:spAutoFit/>
+          </a:bodyPr>
+          <a:lstStyle/>
+          <a:p>
+            <a:pPr algn="ctr"/>
+            <a:r>
+              <a:rPr lang="en-GB" dirty="0"/>
+              <a:t>Context</a:t>
+            </a:r>
+          </a:p>
+        </p:txBody>
+      </p:sp>
+      <p:sp>
+        <p:nvSpPr>
+          <p:cNvPr id="18" name="TextBox 17">
+            <a:extLst>
+              <a:ext uri="{FF2B5EF4-FFF2-40B4-BE49-F238E27FC236}">
+                <a16:creationId xmlns:a16="http://schemas.microsoft.com/office/drawing/2014/main" id="{4121A826-1AC6-4A57-BD37-C349AE428423}"/>
+              </a:ext>
+            </a:extLst>
+          </p:cNvPr>
+          <p:cNvSpPr txBox="1"/>
+          <p:nvPr/>
+        </p:nvSpPr>
+        <p:spPr>
+          <a:xfrm>
+            <a:off x="483507" y="5212956"/>
+            <a:ext cx="392786" cy="377719"/>
+          </a:xfrm>
+          <a:prstGeom prst="rect">
+            <a:avLst/>
+          </a:prstGeom>
+          <a:noFill/>
+        </p:spPr>
+        <p:txBody>
+          <a:bodyPr wrap="square" rtlCol="0">
+            <a:spAutoFit/>
+          </a:bodyPr>
+          <a:lstStyle/>
+          <a:p>
+            <a:r>
+              <a:rPr lang="en-GB" dirty="0"/>
+              <a:t>id</a:t>
+            </a:r>
+          </a:p>
+        </p:txBody>
+      </p:sp>
+      <p:sp>
+        <p:nvSpPr>
+          <p:cNvPr id="19" name="Rectangle 18">
+            <a:extLst>
+              <a:ext uri="{FF2B5EF4-FFF2-40B4-BE49-F238E27FC236}">
+                <a16:creationId xmlns:a16="http://schemas.microsoft.com/office/drawing/2014/main" id="{EE615377-04FA-4909-B516-5C3691B69A6F}"/>
+              </a:ext>
+            </a:extLst>
+          </p:cNvPr>
+          <p:cNvSpPr/>
+          <p:nvPr/>
+        </p:nvSpPr>
+        <p:spPr>
+          <a:xfrm>
+            <a:off x="11626426" y="5846761"/>
+            <a:ext cx="201430" cy="489284"/>
+          </a:xfrm>
+          <a:prstGeom prst="rect">
+            <a:avLst/>
+          </a:prstGeom>
+        </p:spPr>
+        <p:style>
+          <a:lnRef idx="2">
+            <a:schemeClr val="accent3">
+              <a:shade val="50000"/>
+            </a:schemeClr>
+          </a:lnRef>
+          <a:fillRef idx="1">
+            <a:schemeClr val="accent3"/>
+          </a:fillRef>
+          <a:effectRef idx="0">
+            <a:schemeClr val="accent3"/>
+          </a:effectRef>
+          <a:fontRef idx="minor">
+            <a:schemeClr val="lt1"/>
+          </a:fontRef>
+        </p:style>
+        <p:txBody>
+          <a:bodyPr rtlCol="0" anchor="ctr"/>
+          <a:lstStyle/>
+          <a:p>
+            <a:pPr algn="ctr"/>
+            <a:endParaRPr lang="en-GB"/>
+          </a:p>
+        </p:txBody>
+      </p:sp>
+      <p:sp>
+        <p:nvSpPr>
+          <p:cNvPr id="20" name="Isosceles Triangle 19">
+            <a:extLst>
+              <a:ext uri="{FF2B5EF4-FFF2-40B4-BE49-F238E27FC236}">
+                <a16:creationId xmlns:a16="http://schemas.microsoft.com/office/drawing/2014/main" id="{02222BD2-2A26-40F5-B2E4-0E343174C9E7}"/>
+              </a:ext>
+            </a:extLst>
+          </p:cNvPr>
+          <p:cNvSpPr/>
+          <p:nvPr/>
+        </p:nvSpPr>
+        <p:spPr>
+          <a:xfrm>
+            <a:off x="11593094" y="5598701"/>
+            <a:ext cx="267796" cy="192498"/>
+          </a:xfrm>
+          <a:prstGeom prst="triangle">
+            <a:avLst/>
+          </a:prstGeom>
+        </p:spPr>
+        <p:style>
+          <a:lnRef idx="2">
+            <a:schemeClr val="accent3">
+              <a:shade val="50000"/>
+            </a:schemeClr>
+          </a:lnRef>
+          <a:fillRef idx="1">
+            <a:schemeClr val="accent3"/>
+          </a:fillRef>
+          <a:effectRef idx="0">
+            <a:schemeClr val="accent3"/>
+          </a:effectRef>
+          <a:fontRef idx="minor">
+            <a:schemeClr val="lt1"/>
+          </a:fontRef>
+        </p:style>
+        <p:txBody>
+          <a:bodyPr rtlCol="0" anchor="ctr"/>
+          <a:lstStyle/>
+          <a:p>
+            <a:pPr algn="ctr"/>
+            <a:endParaRPr lang="en-GB"/>
+          </a:p>
+        </p:txBody>
+      </p:sp>
+      <p:sp>
+        <p:nvSpPr>
+          <p:cNvPr id="21" name="Isosceles Triangle 20">
+            <a:extLst>
+              <a:ext uri="{FF2B5EF4-FFF2-40B4-BE49-F238E27FC236}">
+                <a16:creationId xmlns:a16="http://schemas.microsoft.com/office/drawing/2014/main" id="{C9919F5B-F884-4D88-ABDB-A04F6E53ABC0}"/>
+              </a:ext>
+            </a:extLst>
+          </p:cNvPr>
+          <p:cNvSpPr/>
+          <p:nvPr/>
+        </p:nvSpPr>
+        <p:spPr>
+          <a:xfrm rot="10800000">
+            <a:off x="11593094" y="6391609"/>
+            <a:ext cx="267796" cy="192498"/>
+          </a:xfrm>
+          <a:prstGeom prst="triangle">
+            <a:avLst/>
+          </a:prstGeom>
+        </p:spPr>
+        <p:style>
+          <a:lnRef idx="2">
+            <a:schemeClr val="accent3">
+              <a:shade val="50000"/>
+            </a:schemeClr>
+          </a:lnRef>
+          <a:fillRef idx="1">
+            <a:schemeClr val="accent3"/>
+          </a:fillRef>
+          <a:effectRef idx="0">
+            <a:schemeClr val="accent3"/>
+          </a:effectRef>
+          <a:fontRef idx="minor">
+            <a:schemeClr val="lt1"/>
+          </a:fontRef>
+        </p:style>
+        <p:txBody>
+          <a:bodyPr rtlCol="0" anchor="ctr"/>
+          <a:lstStyle/>
+          <a:p>
+            <a:pPr algn="ctr"/>
+            <a:endParaRPr lang="en-GB"/>
+          </a:p>
+        </p:txBody>
+      </p:sp>
+      <p:cxnSp>
+        <p:nvCxnSpPr>
+          <p:cNvPr id="24" name="Straight Connector 23">
+            <a:extLst>
+              <a:ext uri="{FF2B5EF4-FFF2-40B4-BE49-F238E27FC236}">
+                <a16:creationId xmlns:a16="http://schemas.microsoft.com/office/drawing/2014/main" id="{EF718576-2DCE-48BB-9882-8221CDF61BA9}"/>
+              </a:ext>
+            </a:extLst>
+          </p:cNvPr>
+          <p:cNvCxnSpPr>
+            <a:cxnSpLocks/>
+          </p:cNvCxnSpPr>
+          <p:nvPr/>
+        </p:nvCxnSpPr>
+        <p:spPr>
+          <a:xfrm>
+            <a:off x="436175" y="5565520"/>
+            <a:ext cx="10941684" cy="8385"/>
+          </a:xfrm>
+          <a:prstGeom prst="line">
+            <a:avLst/>
+          </a:prstGeom>
+        </p:spPr>
+        <p:style>
+          <a:lnRef idx="1">
+            <a:schemeClr val="dk1"/>
+          </a:lnRef>
+          <a:fillRef idx="0">
+            <a:schemeClr val="dk1"/>
+          </a:fillRef>
+          <a:effectRef idx="0">
+            <a:schemeClr val="dk1"/>
+          </a:effectRef>
+          <a:fontRef idx="minor">
+            <a:schemeClr val="tx1"/>
+          </a:fontRef>
+        </p:style>
+      </p:cxnSp>
+      <p:sp>
+        <p:nvSpPr>
+          <p:cNvPr id="25" name="TextBox 24">
+            <a:extLst>
+              <a:ext uri="{FF2B5EF4-FFF2-40B4-BE49-F238E27FC236}">
+                <a16:creationId xmlns:a16="http://schemas.microsoft.com/office/drawing/2014/main" id="{CE8F96B1-EFD7-4B10-A091-E9749DA5F96D}"/>
+              </a:ext>
+            </a:extLst>
+          </p:cNvPr>
+          <p:cNvSpPr txBox="1"/>
+          <p:nvPr/>
+        </p:nvSpPr>
+        <p:spPr>
+          <a:xfrm>
+            <a:off x="4580022" y="159783"/>
+            <a:ext cx="2271809" cy="369332"/>
+          </a:xfrm>
+          <a:prstGeom prst="rect">
+            <a:avLst/>
+          </a:prstGeom>
+          <a:noFill/>
+        </p:spPr>
+        <p:txBody>
+          <a:bodyPr wrap="square" rtlCol="0">
+            <a:spAutoFit/>
+          </a:bodyPr>
+          <a:lstStyle/>
+          <a:p>
+            <a:pPr algn="ctr"/>
             <a:r>
               <a:rPr lang="en-GB" dirty="0">
-                <a:hlinkClick r:id="rId2"/>
+                <a:solidFill>
+                  <a:schemeClr val="bg1"/>
+                </a:solidFill>
               </a:rPr>
-              <a:t>https://parser.theyworkforyou.com/hansard.html</a:t>
-            </a:r>
+              <a:t>Heading</a:t>
+            </a:r>
+          </a:p>
+        </p:txBody>
+      </p:sp>
+      <p:sp>
+        <p:nvSpPr>
+          <p:cNvPr id="26" name="TextBox 25">
+            <a:extLst>
+              <a:ext uri="{FF2B5EF4-FFF2-40B4-BE49-F238E27FC236}">
+                <a16:creationId xmlns:a16="http://schemas.microsoft.com/office/drawing/2014/main" id="{F40E6EE2-ECED-4D0F-BAFB-CB5D6D64F278}"/>
+              </a:ext>
+            </a:extLst>
+          </p:cNvPr>
+          <p:cNvSpPr txBox="1"/>
+          <p:nvPr/>
+        </p:nvSpPr>
+        <p:spPr>
+          <a:xfrm>
+            <a:off x="371640" y="733024"/>
+            <a:ext cx="1655460" cy="369332"/>
+          </a:xfrm>
+          <a:prstGeom prst="rect">
+            <a:avLst/>
+          </a:prstGeom>
+          <a:noFill/>
+        </p:spPr>
+        <p:txBody>
+          <a:bodyPr wrap="square" rtlCol="0">
+            <a:spAutoFit/>
+          </a:bodyPr>
+          <a:lstStyle/>
+          <a:p>
+            <a:pPr algn="ctr"/>
+            <a:r>
+              <a:rPr lang="en-GB" dirty="0">
+                <a:solidFill>
+                  <a:schemeClr val="bg1"/>
+                </a:solidFill>
+              </a:rPr>
+              <a:t>Filter -- Topic</a:t>
+            </a:r>
+          </a:p>
+        </p:txBody>
+      </p:sp>
+      <p:sp>
+        <p:nvSpPr>
+          <p:cNvPr id="27" name="TextBox 26">
+            <a:extLst>
+              <a:ext uri="{FF2B5EF4-FFF2-40B4-BE49-F238E27FC236}">
+                <a16:creationId xmlns:a16="http://schemas.microsoft.com/office/drawing/2014/main" id="{7E478DA1-0D05-4468-ACA7-3F21FF065C97}"/>
+              </a:ext>
+            </a:extLst>
+          </p:cNvPr>
+          <p:cNvSpPr txBox="1"/>
+          <p:nvPr/>
+        </p:nvSpPr>
+        <p:spPr>
+          <a:xfrm>
+            <a:off x="2534940" y="682806"/>
+            <a:ext cx="1989221" cy="461665"/>
+          </a:xfrm>
+          <a:prstGeom prst="rect">
+            <a:avLst/>
+          </a:prstGeom>
+          <a:noFill/>
+        </p:spPr>
+        <p:txBody>
+          <a:bodyPr wrap="square" rtlCol="0">
+            <a:spAutoFit/>
+          </a:bodyPr>
+          <a:lstStyle/>
+          <a:p>
+            <a:pPr algn="ctr"/>
+            <a:r>
+              <a:rPr lang="en-GB" sz="1200" dirty="0">
+                <a:solidFill>
+                  <a:schemeClr val="bg1"/>
+                </a:solidFill>
+              </a:rPr>
+              <a:t>Filter – Parliament (UK/NI/SCO/WAL)</a:t>
+            </a:r>
+          </a:p>
+        </p:txBody>
+      </p:sp>
+      <p:sp>
+        <p:nvSpPr>
+          <p:cNvPr id="29" name="Rectangle 28">
+            <a:extLst>
+              <a:ext uri="{FF2B5EF4-FFF2-40B4-BE49-F238E27FC236}">
+                <a16:creationId xmlns:a16="http://schemas.microsoft.com/office/drawing/2014/main" id="{1C4A14E8-8E45-4C98-BCE7-C96E381836AB}"/>
+              </a:ext>
+            </a:extLst>
+          </p:cNvPr>
+          <p:cNvSpPr/>
+          <p:nvPr/>
+        </p:nvSpPr>
+        <p:spPr>
+          <a:xfrm>
+            <a:off x="876293" y="4098758"/>
+            <a:ext cx="727915" cy="721160"/>
+          </a:xfrm>
+          <a:prstGeom prst="rect">
+            <a:avLst/>
+          </a:prstGeom>
+        </p:spPr>
+        <p:style>
+          <a:lnRef idx="2">
+            <a:schemeClr val="accent2">
+              <a:shade val="50000"/>
+            </a:schemeClr>
+          </a:lnRef>
+          <a:fillRef idx="1">
+            <a:schemeClr val="accent2"/>
+          </a:fillRef>
+          <a:effectRef idx="0">
+            <a:schemeClr val="accent2"/>
+          </a:effectRef>
+          <a:fontRef idx="minor">
+            <a:schemeClr val="lt1"/>
+          </a:fontRef>
+        </p:style>
+        <p:txBody>
+          <a:bodyPr rtlCol="0" anchor="ctr"/>
+          <a:lstStyle/>
+          <a:p>
+            <a:pPr algn="ctr"/>
+            <a:endParaRPr lang="en-GB"/>
+          </a:p>
+        </p:txBody>
+      </p:sp>
+      <p:sp>
+        <p:nvSpPr>
+          <p:cNvPr id="30" name="Rectangle 29">
+            <a:extLst>
+              <a:ext uri="{FF2B5EF4-FFF2-40B4-BE49-F238E27FC236}">
+                <a16:creationId xmlns:a16="http://schemas.microsoft.com/office/drawing/2014/main" id="{4796394A-A7EF-40EE-9205-6FFA8B6D1ED8}"/>
+              </a:ext>
+            </a:extLst>
+          </p:cNvPr>
+          <p:cNvSpPr/>
+          <p:nvPr/>
+        </p:nvSpPr>
+        <p:spPr>
+          <a:xfrm>
+            <a:off x="876292" y="3015559"/>
+            <a:ext cx="727915" cy="1098517"/>
+          </a:xfrm>
+          <a:prstGeom prst="rect">
+            <a:avLst/>
+          </a:prstGeom>
+        </p:spPr>
+        <p:style>
+          <a:lnRef idx="2">
+            <a:schemeClr val="accent3">
+              <a:shade val="50000"/>
+            </a:schemeClr>
+          </a:lnRef>
+          <a:fillRef idx="1">
+            <a:schemeClr val="accent3"/>
+          </a:fillRef>
+          <a:effectRef idx="0">
+            <a:schemeClr val="accent3"/>
+          </a:effectRef>
+          <a:fontRef idx="minor">
+            <a:schemeClr val="lt1"/>
+          </a:fontRef>
+        </p:style>
+        <p:txBody>
+          <a:bodyPr rtlCol="0" anchor="ctr"/>
+          <a:lstStyle/>
+          <a:p>
+            <a:pPr algn="ctr"/>
+            <a:endParaRPr lang="en-GB"/>
+          </a:p>
+        </p:txBody>
+      </p:sp>
+      <p:sp>
+        <p:nvSpPr>
+          <p:cNvPr id="31" name="Rectangle 30">
+            <a:extLst>
+              <a:ext uri="{FF2B5EF4-FFF2-40B4-BE49-F238E27FC236}">
+                <a16:creationId xmlns:a16="http://schemas.microsoft.com/office/drawing/2014/main" id="{EC588F08-8663-428A-9FEA-B5EA29A647C6}"/>
+              </a:ext>
+            </a:extLst>
+          </p:cNvPr>
+          <p:cNvSpPr/>
+          <p:nvPr/>
+        </p:nvSpPr>
+        <p:spPr>
+          <a:xfrm>
+            <a:off x="876291" y="2294399"/>
+            <a:ext cx="727915" cy="721160"/>
+          </a:xfrm>
+          <a:prstGeom prst="rect">
+            <a:avLst/>
+          </a:prstGeom>
+        </p:spPr>
+        <p:style>
+          <a:lnRef idx="2">
+            <a:schemeClr val="accent6">
+              <a:shade val="50000"/>
+            </a:schemeClr>
+          </a:lnRef>
+          <a:fillRef idx="1">
+            <a:schemeClr val="accent6"/>
+          </a:fillRef>
+          <a:effectRef idx="0">
+            <a:schemeClr val="accent6"/>
+          </a:effectRef>
+          <a:fontRef idx="minor">
+            <a:schemeClr val="lt1"/>
+          </a:fontRef>
+        </p:style>
+        <p:txBody>
+          <a:bodyPr rtlCol="0" anchor="ctr"/>
+          <a:lstStyle/>
+          <a:p>
+            <a:pPr algn="ctr"/>
+            <a:endParaRPr lang="en-GB"/>
+          </a:p>
+        </p:txBody>
+      </p:sp>
+      <p:sp>
+        <p:nvSpPr>
+          <p:cNvPr id="32" name="Rectangle 31">
+            <a:extLst>
+              <a:ext uri="{FF2B5EF4-FFF2-40B4-BE49-F238E27FC236}">
+                <a16:creationId xmlns:a16="http://schemas.microsoft.com/office/drawing/2014/main" id="{FFCE9364-3788-4860-81BE-1385B0784E1C}"/>
+              </a:ext>
+            </a:extLst>
+          </p:cNvPr>
+          <p:cNvSpPr/>
+          <p:nvPr/>
+        </p:nvSpPr>
+        <p:spPr>
+          <a:xfrm>
+            <a:off x="2302709" y="4339923"/>
+            <a:ext cx="727915" cy="497137"/>
+          </a:xfrm>
+          <a:prstGeom prst="rect">
+            <a:avLst/>
+          </a:prstGeom>
+        </p:spPr>
+        <p:style>
+          <a:lnRef idx="2">
+            <a:schemeClr val="accent2">
+              <a:shade val="50000"/>
+            </a:schemeClr>
+          </a:lnRef>
+          <a:fillRef idx="1">
+            <a:schemeClr val="accent2"/>
+          </a:fillRef>
+          <a:effectRef idx="0">
+            <a:schemeClr val="accent2"/>
+          </a:effectRef>
+          <a:fontRef idx="minor">
+            <a:schemeClr val="lt1"/>
+          </a:fontRef>
+        </p:style>
+        <p:txBody>
+          <a:bodyPr rtlCol="0" anchor="ctr"/>
+          <a:lstStyle/>
+          <a:p>
+            <a:pPr algn="ctr"/>
+            <a:endParaRPr lang="en-GB"/>
+          </a:p>
+        </p:txBody>
+      </p:sp>
+      <p:sp>
+        <p:nvSpPr>
+          <p:cNvPr id="33" name="Rectangle 32">
+            <a:extLst>
+              <a:ext uri="{FF2B5EF4-FFF2-40B4-BE49-F238E27FC236}">
+                <a16:creationId xmlns:a16="http://schemas.microsoft.com/office/drawing/2014/main" id="{AB7021F1-4788-47EB-A058-9728C8ECB05C}"/>
+              </a:ext>
+            </a:extLst>
+          </p:cNvPr>
+          <p:cNvSpPr/>
+          <p:nvPr/>
+        </p:nvSpPr>
+        <p:spPr>
+          <a:xfrm>
+            <a:off x="2302706" y="3273060"/>
+            <a:ext cx="727915" cy="1050094"/>
+          </a:xfrm>
+          <a:prstGeom prst="rect">
+            <a:avLst/>
+          </a:prstGeom>
+        </p:spPr>
+        <p:style>
+          <a:lnRef idx="2">
+            <a:schemeClr val="accent3">
+              <a:shade val="50000"/>
+            </a:schemeClr>
+          </a:lnRef>
+          <a:fillRef idx="1">
+            <a:schemeClr val="accent3"/>
+          </a:fillRef>
+          <a:effectRef idx="0">
+            <a:schemeClr val="accent3"/>
+          </a:effectRef>
+          <a:fontRef idx="minor">
+            <a:schemeClr val="lt1"/>
+          </a:fontRef>
+        </p:style>
+        <p:txBody>
+          <a:bodyPr rtlCol="0" anchor="ctr"/>
+          <a:lstStyle/>
+          <a:p>
+            <a:pPr algn="ctr"/>
+            <a:endParaRPr lang="en-GB"/>
+          </a:p>
+        </p:txBody>
+      </p:sp>
+      <p:sp>
+        <p:nvSpPr>
+          <p:cNvPr id="34" name="Rectangle 33">
+            <a:extLst>
+              <a:ext uri="{FF2B5EF4-FFF2-40B4-BE49-F238E27FC236}">
+                <a16:creationId xmlns:a16="http://schemas.microsoft.com/office/drawing/2014/main" id="{B2F7CB35-E529-46BD-84E9-669A73C1899B}"/>
+              </a:ext>
+            </a:extLst>
+          </p:cNvPr>
+          <p:cNvSpPr/>
+          <p:nvPr/>
+        </p:nvSpPr>
+        <p:spPr>
+          <a:xfrm>
+            <a:off x="2302706" y="2775922"/>
+            <a:ext cx="727915" cy="497137"/>
+          </a:xfrm>
+          <a:prstGeom prst="rect">
+            <a:avLst/>
+          </a:prstGeom>
+        </p:spPr>
+        <p:style>
+          <a:lnRef idx="2">
+            <a:schemeClr val="accent6">
+              <a:shade val="50000"/>
+            </a:schemeClr>
+          </a:lnRef>
+          <a:fillRef idx="1">
+            <a:schemeClr val="accent6"/>
+          </a:fillRef>
+          <a:effectRef idx="0">
+            <a:schemeClr val="accent6"/>
+          </a:effectRef>
+          <a:fontRef idx="minor">
+            <a:schemeClr val="lt1"/>
+          </a:fontRef>
+        </p:style>
+        <p:txBody>
+          <a:bodyPr rtlCol="0" anchor="ctr"/>
+          <a:lstStyle/>
+          <a:p>
+            <a:pPr algn="ctr"/>
+            <a:endParaRPr lang="en-GB"/>
+          </a:p>
+        </p:txBody>
+      </p:sp>
+      <p:sp>
+        <p:nvSpPr>
+          <p:cNvPr id="35" name="Rectangle 34">
+            <a:extLst>
+              <a:ext uri="{FF2B5EF4-FFF2-40B4-BE49-F238E27FC236}">
+                <a16:creationId xmlns:a16="http://schemas.microsoft.com/office/drawing/2014/main" id="{F0BBFC74-5257-4AFD-B930-B458F3346453}"/>
+              </a:ext>
+            </a:extLst>
+          </p:cNvPr>
+          <p:cNvSpPr/>
+          <p:nvPr/>
+        </p:nvSpPr>
+        <p:spPr>
+          <a:xfrm>
+            <a:off x="3729128" y="3529100"/>
+            <a:ext cx="727915" cy="1290818"/>
+          </a:xfrm>
+          <a:prstGeom prst="rect">
+            <a:avLst/>
+          </a:prstGeom>
+        </p:spPr>
+        <p:style>
+          <a:lnRef idx="2">
+            <a:schemeClr val="accent2">
+              <a:shade val="50000"/>
+            </a:schemeClr>
+          </a:lnRef>
+          <a:fillRef idx="1">
+            <a:schemeClr val="accent2"/>
+          </a:fillRef>
+          <a:effectRef idx="0">
+            <a:schemeClr val="accent2"/>
+          </a:effectRef>
+          <a:fontRef idx="minor">
+            <a:schemeClr val="lt1"/>
+          </a:fontRef>
+        </p:style>
+        <p:txBody>
+          <a:bodyPr rtlCol="0" anchor="ctr"/>
+          <a:lstStyle/>
+          <a:p>
+            <a:pPr algn="ctr"/>
+            <a:endParaRPr lang="en-GB"/>
+          </a:p>
+        </p:txBody>
+      </p:sp>
+      <p:sp>
+        <p:nvSpPr>
+          <p:cNvPr id="36" name="Rectangle 35">
+            <a:extLst>
+              <a:ext uri="{FF2B5EF4-FFF2-40B4-BE49-F238E27FC236}">
+                <a16:creationId xmlns:a16="http://schemas.microsoft.com/office/drawing/2014/main" id="{D653FB8D-5CF6-48D9-87A8-E5439B2FAD7B}"/>
+              </a:ext>
+            </a:extLst>
+          </p:cNvPr>
+          <p:cNvSpPr/>
+          <p:nvPr/>
+        </p:nvSpPr>
+        <p:spPr>
+          <a:xfrm>
+            <a:off x="3729127" y="3273058"/>
+            <a:ext cx="727915" cy="256041"/>
+          </a:xfrm>
+          <a:prstGeom prst="rect">
+            <a:avLst/>
+          </a:prstGeom>
+        </p:spPr>
+        <p:style>
+          <a:lnRef idx="2">
+            <a:schemeClr val="accent3">
+              <a:shade val="50000"/>
+            </a:schemeClr>
+          </a:lnRef>
+          <a:fillRef idx="1">
+            <a:schemeClr val="accent3"/>
+          </a:fillRef>
+          <a:effectRef idx="0">
+            <a:schemeClr val="accent3"/>
+          </a:effectRef>
+          <a:fontRef idx="minor">
+            <a:schemeClr val="lt1"/>
+          </a:fontRef>
+        </p:style>
+        <p:txBody>
+          <a:bodyPr rtlCol="0" anchor="ctr"/>
+          <a:lstStyle/>
+          <a:p>
+            <a:pPr algn="ctr"/>
+            <a:endParaRPr lang="en-GB"/>
+          </a:p>
+        </p:txBody>
+      </p:sp>
+      <p:sp>
+        <p:nvSpPr>
+          <p:cNvPr id="37" name="Rectangle 36">
+            <a:extLst>
+              <a:ext uri="{FF2B5EF4-FFF2-40B4-BE49-F238E27FC236}">
+                <a16:creationId xmlns:a16="http://schemas.microsoft.com/office/drawing/2014/main" id="{D822F004-4342-4B5F-8239-A0921888A574}"/>
+              </a:ext>
+            </a:extLst>
+          </p:cNvPr>
+          <p:cNvSpPr/>
+          <p:nvPr/>
+        </p:nvSpPr>
+        <p:spPr>
+          <a:xfrm>
+            <a:off x="3729120" y="2871454"/>
+            <a:ext cx="727915" cy="384653"/>
+          </a:xfrm>
+          <a:prstGeom prst="rect">
+            <a:avLst/>
+          </a:prstGeom>
+        </p:spPr>
+        <p:style>
+          <a:lnRef idx="2">
+            <a:schemeClr val="accent6">
+              <a:shade val="50000"/>
+            </a:schemeClr>
+          </a:lnRef>
+          <a:fillRef idx="1">
+            <a:schemeClr val="accent6"/>
+          </a:fillRef>
+          <a:effectRef idx="0">
+            <a:schemeClr val="accent6"/>
+          </a:effectRef>
+          <a:fontRef idx="minor">
+            <a:schemeClr val="lt1"/>
+          </a:fontRef>
+        </p:style>
+        <p:txBody>
+          <a:bodyPr rtlCol="0" anchor="ctr"/>
+          <a:lstStyle/>
+          <a:p>
+            <a:pPr algn="ctr"/>
+            <a:endParaRPr lang="en-GB"/>
+          </a:p>
+        </p:txBody>
+      </p:sp>
+      <p:sp>
+        <p:nvSpPr>
+          <p:cNvPr id="38" name="Rectangle 37">
+            <a:extLst>
+              <a:ext uri="{FF2B5EF4-FFF2-40B4-BE49-F238E27FC236}">
+                <a16:creationId xmlns:a16="http://schemas.microsoft.com/office/drawing/2014/main" id="{1885161B-8080-4842-99C5-A8A685D4B71E}"/>
+              </a:ext>
+            </a:extLst>
+          </p:cNvPr>
+          <p:cNvSpPr/>
+          <p:nvPr/>
+        </p:nvSpPr>
+        <p:spPr>
+          <a:xfrm>
+            <a:off x="5155535" y="4098758"/>
+            <a:ext cx="727915" cy="721160"/>
+          </a:xfrm>
+          <a:prstGeom prst="rect">
+            <a:avLst/>
+          </a:prstGeom>
+        </p:spPr>
+        <p:style>
+          <a:lnRef idx="2">
+            <a:schemeClr val="accent2">
+              <a:shade val="50000"/>
+            </a:schemeClr>
+          </a:lnRef>
+          <a:fillRef idx="1">
+            <a:schemeClr val="accent2"/>
+          </a:fillRef>
+          <a:effectRef idx="0">
+            <a:schemeClr val="accent2"/>
+          </a:effectRef>
+          <a:fontRef idx="minor">
+            <a:schemeClr val="lt1"/>
+          </a:fontRef>
+        </p:style>
+        <p:txBody>
+          <a:bodyPr rtlCol="0" anchor="ctr"/>
+          <a:lstStyle/>
+          <a:p>
+            <a:pPr algn="ctr"/>
+            <a:endParaRPr lang="en-GB"/>
+          </a:p>
+        </p:txBody>
+      </p:sp>
+      <p:sp>
+        <p:nvSpPr>
+          <p:cNvPr id="39" name="Rectangle 38">
+            <a:extLst>
+              <a:ext uri="{FF2B5EF4-FFF2-40B4-BE49-F238E27FC236}">
+                <a16:creationId xmlns:a16="http://schemas.microsoft.com/office/drawing/2014/main" id="{7DB1EA7F-8F84-45FE-BE25-A3D6571FC434}"/>
+              </a:ext>
+            </a:extLst>
+          </p:cNvPr>
+          <p:cNvSpPr/>
+          <p:nvPr/>
+        </p:nvSpPr>
+        <p:spPr>
+          <a:xfrm>
+            <a:off x="5155534" y="3015559"/>
+            <a:ext cx="727915" cy="1516512"/>
+          </a:xfrm>
+          <a:prstGeom prst="rect">
+            <a:avLst/>
+          </a:prstGeom>
+        </p:spPr>
+        <p:style>
+          <a:lnRef idx="2">
+            <a:schemeClr val="accent3">
+              <a:shade val="50000"/>
+            </a:schemeClr>
+          </a:lnRef>
+          <a:fillRef idx="1">
+            <a:schemeClr val="accent3"/>
+          </a:fillRef>
+          <a:effectRef idx="0">
+            <a:schemeClr val="accent3"/>
+          </a:effectRef>
+          <a:fontRef idx="minor">
+            <a:schemeClr val="lt1"/>
+          </a:fontRef>
+        </p:style>
+        <p:txBody>
+          <a:bodyPr rtlCol="0" anchor="ctr"/>
+          <a:lstStyle/>
+          <a:p>
+            <a:pPr algn="ctr"/>
+            <a:endParaRPr lang="en-GB"/>
+          </a:p>
+        </p:txBody>
+      </p:sp>
+      <p:sp>
+        <p:nvSpPr>
+          <p:cNvPr id="40" name="Rectangle 39">
+            <a:extLst>
+              <a:ext uri="{FF2B5EF4-FFF2-40B4-BE49-F238E27FC236}">
+                <a16:creationId xmlns:a16="http://schemas.microsoft.com/office/drawing/2014/main" id="{240B0695-B073-4346-A666-003D7892EA2D}"/>
+              </a:ext>
+            </a:extLst>
+          </p:cNvPr>
+          <p:cNvSpPr/>
+          <p:nvPr/>
+        </p:nvSpPr>
+        <p:spPr>
+          <a:xfrm>
+            <a:off x="5155534" y="2727666"/>
+            <a:ext cx="727915" cy="272689"/>
+          </a:xfrm>
+          <a:prstGeom prst="rect">
+            <a:avLst/>
+          </a:prstGeom>
+        </p:spPr>
+        <p:style>
+          <a:lnRef idx="2">
+            <a:schemeClr val="accent6">
+              <a:shade val="50000"/>
+            </a:schemeClr>
+          </a:lnRef>
+          <a:fillRef idx="1">
+            <a:schemeClr val="accent6"/>
+          </a:fillRef>
+          <a:effectRef idx="0">
+            <a:schemeClr val="accent6"/>
+          </a:effectRef>
+          <a:fontRef idx="minor">
+            <a:schemeClr val="lt1"/>
+          </a:fontRef>
+        </p:style>
+        <p:txBody>
+          <a:bodyPr rtlCol="0" anchor="ctr"/>
+          <a:lstStyle/>
+          <a:p>
+            <a:pPr algn="ctr"/>
+            <a:endParaRPr lang="en-GB"/>
+          </a:p>
+        </p:txBody>
+      </p:sp>
+      <p:sp>
+        <p:nvSpPr>
+          <p:cNvPr id="41" name="Rectangle 40">
+            <a:extLst>
+              <a:ext uri="{FF2B5EF4-FFF2-40B4-BE49-F238E27FC236}">
+                <a16:creationId xmlns:a16="http://schemas.microsoft.com/office/drawing/2014/main" id="{7BE71F58-E6D3-4E06-A9A4-3AFF4142ADCA}"/>
+              </a:ext>
+            </a:extLst>
+          </p:cNvPr>
+          <p:cNvSpPr/>
+          <p:nvPr/>
+        </p:nvSpPr>
+        <p:spPr>
+          <a:xfrm>
+            <a:off x="6581941" y="4098758"/>
+            <a:ext cx="727915" cy="721160"/>
+          </a:xfrm>
+          <a:prstGeom prst="rect">
+            <a:avLst/>
+          </a:prstGeom>
+        </p:spPr>
+        <p:style>
+          <a:lnRef idx="2">
+            <a:schemeClr val="accent2">
+              <a:shade val="50000"/>
+            </a:schemeClr>
+          </a:lnRef>
+          <a:fillRef idx="1">
+            <a:schemeClr val="accent2"/>
+          </a:fillRef>
+          <a:effectRef idx="0">
+            <a:schemeClr val="accent2"/>
+          </a:effectRef>
+          <a:fontRef idx="minor">
+            <a:schemeClr val="lt1"/>
+          </a:fontRef>
+        </p:style>
+        <p:txBody>
+          <a:bodyPr rtlCol="0" anchor="ctr"/>
+          <a:lstStyle/>
+          <a:p>
+            <a:pPr algn="ctr"/>
+            <a:endParaRPr lang="en-GB"/>
+          </a:p>
+        </p:txBody>
+      </p:sp>
+      <p:sp>
+        <p:nvSpPr>
+          <p:cNvPr id="44" name="Rectangle 43">
+            <a:extLst>
+              <a:ext uri="{FF2B5EF4-FFF2-40B4-BE49-F238E27FC236}">
+                <a16:creationId xmlns:a16="http://schemas.microsoft.com/office/drawing/2014/main" id="{1924DDD8-CA42-4547-A5BB-CFB41B0DFB35}"/>
+              </a:ext>
+            </a:extLst>
+          </p:cNvPr>
+          <p:cNvSpPr/>
+          <p:nvPr/>
+        </p:nvSpPr>
+        <p:spPr>
+          <a:xfrm>
+            <a:off x="8008345" y="4098758"/>
+            <a:ext cx="727915" cy="721160"/>
+          </a:xfrm>
+          <a:prstGeom prst="rect">
+            <a:avLst/>
+          </a:prstGeom>
+        </p:spPr>
+        <p:style>
+          <a:lnRef idx="2">
+            <a:schemeClr val="accent2">
+              <a:shade val="50000"/>
+            </a:schemeClr>
+          </a:lnRef>
+          <a:fillRef idx="1">
+            <a:schemeClr val="accent2"/>
+          </a:fillRef>
+          <a:effectRef idx="0">
+            <a:schemeClr val="accent2"/>
+          </a:effectRef>
+          <a:fontRef idx="minor">
+            <a:schemeClr val="lt1"/>
+          </a:fontRef>
+        </p:style>
+        <p:txBody>
+          <a:bodyPr rtlCol="0" anchor="ctr"/>
+          <a:lstStyle/>
+          <a:p>
+            <a:pPr algn="ctr"/>
+            <a:endParaRPr lang="en-GB"/>
+          </a:p>
+        </p:txBody>
+      </p:sp>
+      <p:sp>
+        <p:nvSpPr>
+          <p:cNvPr id="45" name="Rectangle 44">
+            <a:extLst>
+              <a:ext uri="{FF2B5EF4-FFF2-40B4-BE49-F238E27FC236}">
+                <a16:creationId xmlns:a16="http://schemas.microsoft.com/office/drawing/2014/main" id="{3DC45481-DDD8-4A0B-AFE0-AC6CB34AC8FD}"/>
+              </a:ext>
+            </a:extLst>
+          </p:cNvPr>
+          <p:cNvSpPr/>
+          <p:nvPr/>
+        </p:nvSpPr>
+        <p:spPr>
+          <a:xfrm>
+            <a:off x="8008344" y="3680939"/>
+            <a:ext cx="727915" cy="1035437"/>
+          </a:xfrm>
+          <a:prstGeom prst="rect">
+            <a:avLst/>
+          </a:prstGeom>
+        </p:spPr>
+        <p:style>
+          <a:lnRef idx="2">
+            <a:schemeClr val="accent3">
+              <a:shade val="50000"/>
+            </a:schemeClr>
+          </a:lnRef>
+          <a:fillRef idx="1">
+            <a:schemeClr val="accent3"/>
+          </a:fillRef>
+          <a:effectRef idx="0">
+            <a:schemeClr val="accent3"/>
+          </a:effectRef>
+          <a:fontRef idx="minor">
+            <a:schemeClr val="lt1"/>
+          </a:fontRef>
+        </p:style>
+        <p:txBody>
+          <a:bodyPr rtlCol="0" anchor="ctr"/>
+          <a:lstStyle/>
+          <a:p>
+            <a:pPr algn="ctr"/>
+            <a:endParaRPr lang="en-GB"/>
+          </a:p>
+        </p:txBody>
+      </p:sp>
+      <p:sp>
+        <p:nvSpPr>
+          <p:cNvPr id="46" name="Rectangle 45">
+            <a:extLst>
+              <a:ext uri="{FF2B5EF4-FFF2-40B4-BE49-F238E27FC236}">
+                <a16:creationId xmlns:a16="http://schemas.microsoft.com/office/drawing/2014/main" id="{824EBBFD-C5D7-4150-9F91-479504755DB8}"/>
+              </a:ext>
+            </a:extLst>
+          </p:cNvPr>
+          <p:cNvSpPr/>
+          <p:nvPr/>
+        </p:nvSpPr>
+        <p:spPr>
+          <a:xfrm>
+            <a:off x="8008344" y="2951776"/>
+            <a:ext cx="727915" cy="721156"/>
+          </a:xfrm>
+          <a:prstGeom prst="rect">
+            <a:avLst/>
+          </a:prstGeom>
+        </p:spPr>
+        <p:style>
+          <a:lnRef idx="2">
+            <a:schemeClr val="accent6">
+              <a:shade val="50000"/>
+            </a:schemeClr>
+          </a:lnRef>
+          <a:fillRef idx="1">
+            <a:schemeClr val="accent6"/>
+          </a:fillRef>
+          <a:effectRef idx="0">
+            <a:schemeClr val="accent6"/>
+          </a:effectRef>
+          <a:fontRef idx="minor">
+            <a:schemeClr val="lt1"/>
+          </a:fontRef>
+        </p:style>
+        <p:txBody>
+          <a:bodyPr rtlCol="0" anchor="ctr"/>
+          <a:lstStyle/>
+          <a:p>
+            <a:pPr algn="ctr"/>
+            <a:endParaRPr lang="en-GB"/>
+          </a:p>
+        </p:txBody>
+      </p:sp>
+      <p:sp>
+        <p:nvSpPr>
+          <p:cNvPr id="51" name="Rectangle 50">
+            <a:extLst>
+              <a:ext uri="{FF2B5EF4-FFF2-40B4-BE49-F238E27FC236}">
+                <a16:creationId xmlns:a16="http://schemas.microsoft.com/office/drawing/2014/main" id="{9B009E4F-6F9F-4FAD-8B91-E7E7FD937F33}"/>
+              </a:ext>
+            </a:extLst>
+          </p:cNvPr>
+          <p:cNvSpPr/>
+          <p:nvPr/>
+        </p:nvSpPr>
+        <p:spPr>
+          <a:xfrm>
+            <a:off x="10865179" y="3721045"/>
+            <a:ext cx="727915" cy="1098517"/>
+          </a:xfrm>
+          <a:prstGeom prst="rect">
+            <a:avLst/>
+          </a:prstGeom>
+        </p:spPr>
+        <p:style>
+          <a:lnRef idx="2">
+            <a:schemeClr val="accent3">
+              <a:shade val="50000"/>
+            </a:schemeClr>
+          </a:lnRef>
+          <a:fillRef idx="1">
+            <a:schemeClr val="accent3"/>
+          </a:fillRef>
+          <a:effectRef idx="0">
+            <a:schemeClr val="accent3"/>
+          </a:effectRef>
+          <a:fontRef idx="minor">
+            <a:schemeClr val="lt1"/>
+          </a:fontRef>
+        </p:style>
+        <p:txBody>
+          <a:bodyPr rtlCol="0" anchor="ctr"/>
+          <a:lstStyle/>
+          <a:p>
+            <a:pPr algn="ctr"/>
+            <a:endParaRPr lang="en-GB"/>
+          </a:p>
+        </p:txBody>
+      </p:sp>
+      <p:sp>
+        <p:nvSpPr>
+          <p:cNvPr id="52" name="Rectangle 51">
+            <a:extLst>
+              <a:ext uri="{FF2B5EF4-FFF2-40B4-BE49-F238E27FC236}">
+                <a16:creationId xmlns:a16="http://schemas.microsoft.com/office/drawing/2014/main" id="{DE3EA6CC-674D-41A9-9313-0D4D24BDE39C}"/>
+              </a:ext>
+            </a:extLst>
+          </p:cNvPr>
+          <p:cNvSpPr/>
+          <p:nvPr/>
+        </p:nvSpPr>
+        <p:spPr>
+          <a:xfrm>
+            <a:off x="10865179" y="3352999"/>
+            <a:ext cx="727915" cy="352199"/>
+          </a:xfrm>
+          <a:prstGeom prst="rect">
+            <a:avLst/>
+          </a:prstGeom>
+        </p:spPr>
+        <p:style>
+          <a:lnRef idx="2">
+            <a:schemeClr val="accent6">
+              <a:shade val="50000"/>
+            </a:schemeClr>
+          </a:lnRef>
+          <a:fillRef idx="1">
+            <a:schemeClr val="accent6"/>
+          </a:fillRef>
+          <a:effectRef idx="0">
+            <a:schemeClr val="accent6"/>
+          </a:effectRef>
+          <a:fontRef idx="minor">
+            <a:schemeClr val="lt1"/>
+          </a:fontRef>
+        </p:style>
+        <p:txBody>
+          <a:bodyPr rtlCol="0" anchor="ctr"/>
+          <a:lstStyle/>
+          <a:p>
+            <a:pPr algn="ctr"/>
+            <a:endParaRPr lang="en-GB"/>
+          </a:p>
+        </p:txBody>
+      </p:sp>
+      <p:sp>
+        <p:nvSpPr>
+          <p:cNvPr id="54" name="TextBox 53">
+            <a:extLst>
+              <a:ext uri="{FF2B5EF4-FFF2-40B4-BE49-F238E27FC236}">
+                <a16:creationId xmlns:a16="http://schemas.microsoft.com/office/drawing/2014/main" id="{788348DF-F23C-4373-92AB-C3E6734809EE}"/>
+              </a:ext>
+            </a:extLst>
+          </p:cNvPr>
+          <p:cNvSpPr txBox="1"/>
+          <p:nvPr/>
+        </p:nvSpPr>
+        <p:spPr>
+          <a:xfrm>
+            <a:off x="713501" y="4850926"/>
+            <a:ext cx="1053494" cy="307777"/>
+          </a:xfrm>
+          <a:prstGeom prst="rect">
+            <a:avLst/>
+          </a:prstGeom>
+          <a:noFill/>
+        </p:spPr>
+        <p:txBody>
+          <a:bodyPr wrap="none" rtlCol="0">
+            <a:spAutoFit/>
+          </a:bodyPr>
+          <a:lstStyle/>
+          <a:p>
+            <a:r>
+              <a:rPr lang="en-GB" sz="1400" dirty="0"/>
+              <a:t>04/01/2016</a:t>
+            </a:r>
+          </a:p>
+        </p:txBody>
+      </p:sp>
+      <p:sp>
+        <p:nvSpPr>
+          <p:cNvPr id="55" name="TextBox 54">
+            <a:extLst>
+              <a:ext uri="{FF2B5EF4-FFF2-40B4-BE49-F238E27FC236}">
+                <a16:creationId xmlns:a16="http://schemas.microsoft.com/office/drawing/2014/main" id="{549F7838-BA58-41D5-AFD5-A6ABC76AFF4A}"/>
+              </a:ext>
+            </a:extLst>
+          </p:cNvPr>
+          <p:cNvSpPr txBox="1"/>
+          <p:nvPr/>
+        </p:nvSpPr>
+        <p:spPr>
+          <a:xfrm>
+            <a:off x="2139915" y="4858624"/>
+            <a:ext cx="1053494" cy="307777"/>
+          </a:xfrm>
+          <a:prstGeom prst="rect">
+            <a:avLst/>
+          </a:prstGeom>
+          <a:noFill/>
+        </p:spPr>
+        <p:txBody>
+          <a:bodyPr wrap="none" rtlCol="0">
+            <a:spAutoFit/>
+          </a:bodyPr>
+          <a:lstStyle/>
+          <a:p>
+            <a:r>
+              <a:rPr lang="en-GB" sz="1400" dirty="0"/>
+              <a:t>11/01/2016</a:t>
+            </a:r>
+          </a:p>
+        </p:txBody>
+      </p:sp>
+      <p:sp>
+        <p:nvSpPr>
+          <p:cNvPr id="56" name="TextBox 55">
+            <a:extLst>
+              <a:ext uri="{FF2B5EF4-FFF2-40B4-BE49-F238E27FC236}">
+                <a16:creationId xmlns:a16="http://schemas.microsoft.com/office/drawing/2014/main" id="{B4175D74-0237-463E-9C92-BF1E9C952B97}"/>
+              </a:ext>
+            </a:extLst>
+          </p:cNvPr>
+          <p:cNvSpPr txBox="1"/>
+          <p:nvPr/>
+        </p:nvSpPr>
+        <p:spPr>
+          <a:xfrm>
+            <a:off x="3566330" y="4857774"/>
+            <a:ext cx="1053494" cy="307777"/>
+          </a:xfrm>
+          <a:prstGeom prst="rect">
+            <a:avLst/>
+          </a:prstGeom>
+          <a:noFill/>
+        </p:spPr>
+        <p:txBody>
+          <a:bodyPr wrap="none" rtlCol="0">
+            <a:spAutoFit/>
+          </a:bodyPr>
+          <a:lstStyle/>
+          <a:p>
+            <a:r>
+              <a:rPr lang="en-GB" sz="1400" dirty="0"/>
+              <a:t>18/01/2016</a:t>
+            </a:r>
+          </a:p>
+        </p:txBody>
+      </p:sp>
+      <p:sp>
+        <p:nvSpPr>
+          <p:cNvPr id="57" name="TextBox 56">
+            <a:extLst>
+              <a:ext uri="{FF2B5EF4-FFF2-40B4-BE49-F238E27FC236}">
+                <a16:creationId xmlns:a16="http://schemas.microsoft.com/office/drawing/2014/main" id="{A48F607B-5C55-4994-A6DA-A7B0D9D9AD18}"/>
+              </a:ext>
+            </a:extLst>
+          </p:cNvPr>
+          <p:cNvSpPr txBox="1"/>
+          <p:nvPr/>
+        </p:nvSpPr>
+        <p:spPr>
+          <a:xfrm>
+            <a:off x="4992744" y="4850926"/>
+            <a:ext cx="1053494" cy="307777"/>
+          </a:xfrm>
+          <a:prstGeom prst="rect">
+            <a:avLst/>
+          </a:prstGeom>
+          <a:noFill/>
+        </p:spPr>
+        <p:txBody>
+          <a:bodyPr wrap="none" rtlCol="0">
+            <a:spAutoFit/>
+          </a:bodyPr>
+          <a:lstStyle/>
+          <a:p>
+            <a:r>
+              <a:rPr lang="en-GB" sz="1400" dirty="0"/>
+              <a:t>25/01/2016</a:t>
+            </a:r>
+          </a:p>
+        </p:txBody>
+      </p:sp>
+      <p:sp>
+        <p:nvSpPr>
+          <p:cNvPr id="58" name="TextBox 57">
+            <a:extLst>
+              <a:ext uri="{FF2B5EF4-FFF2-40B4-BE49-F238E27FC236}">
+                <a16:creationId xmlns:a16="http://schemas.microsoft.com/office/drawing/2014/main" id="{90F37AE7-79BA-4055-8118-624AA123FC5C}"/>
+              </a:ext>
+            </a:extLst>
+          </p:cNvPr>
+          <p:cNvSpPr txBox="1"/>
+          <p:nvPr/>
+        </p:nvSpPr>
+        <p:spPr>
+          <a:xfrm>
+            <a:off x="6443548" y="4866204"/>
+            <a:ext cx="1053494" cy="307777"/>
+          </a:xfrm>
+          <a:prstGeom prst="rect">
+            <a:avLst/>
+          </a:prstGeom>
+          <a:noFill/>
+        </p:spPr>
+        <p:txBody>
+          <a:bodyPr wrap="none" rtlCol="0">
+            <a:spAutoFit/>
+          </a:bodyPr>
+          <a:lstStyle/>
+          <a:p>
+            <a:r>
+              <a:rPr lang="en-GB" sz="1400" dirty="0"/>
+              <a:t>01/02/2016</a:t>
+            </a:r>
+          </a:p>
+        </p:txBody>
+      </p:sp>
+      <p:sp>
+        <p:nvSpPr>
+          <p:cNvPr id="59" name="TextBox 58">
+            <a:extLst>
+              <a:ext uri="{FF2B5EF4-FFF2-40B4-BE49-F238E27FC236}">
+                <a16:creationId xmlns:a16="http://schemas.microsoft.com/office/drawing/2014/main" id="{CD320D13-54CA-4166-81C8-430130D7AC26}"/>
+              </a:ext>
+            </a:extLst>
+          </p:cNvPr>
+          <p:cNvSpPr txBox="1"/>
+          <p:nvPr/>
+        </p:nvSpPr>
+        <p:spPr>
+          <a:xfrm>
+            <a:off x="7869962" y="4857774"/>
+            <a:ext cx="1053494" cy="307777"/>
+          </a:xfrm>
+          <a:prstGeom prst="rect">
+            <a:avLst/>
+          </a:prstGeom>
+          <a:noFill/>
+        </p:spPr>
+        <p:txBody>
+          <a:bodyPr wrap="none" rtlCol="0">
+            <a:spAutoFit/>
+          </a:bodyPr>
+          <a:lstStyle/>
+          <a:p>
+            <a:r>
+              <a:rPr lang="en-GB" sz="1400" dirty="0"/>
+              <a:t>08/02/2016</a:t>
+            </a:r>
+          </a:p>
+        </p:txBody>
+      </p:sp>
+      <p:sp>
+        <p:nvSpPr>
+          <p:cNvPr id="60" name="TextBox 59">
+            <a:extLst>
+              <a:ext uri="{FF2B5EF4-FFF2-40B4-BE49-F238E27FC236}">
+                <a16:creationId xmlns:a16="http://schemas.microsoft.com/office/drawing/2014/main" id="{699EB5F0-A289-4DE6-B7F7-318FCE2B97DE}"/>
+              </a:ext>
+            </a:extLst>
+          </p:cNvPr>
+          <p:cNvSpPr txBox="1"/>
+          <p:nvPr/>
+        </p:nvSpPr>
+        <p:spPr>
+          <a:xfrm>
+            <a:off x="9383264" y="4859384"/>
+            <a:ext cx="1053494" cy="307777"/>
+          </a:xfrm>
+          <a:prstGeom prst="rect">
+            <a:avLst/>
+          </a:prstGeom>
+          <a:noFill/>
+        </p:spPr>
+        <p:txBody>
+          <a:bodyPr wrap="none" rtlCol="0">
+            <a:spAutoFit/>
+          </a:bodyPr>
+          <a:lstStyle/>
+          <a:p>
+            <a:r>
+              <a:rPr lang="en-GB" sz="1400" dirty="0"/>
+              <a:t>15/02/2016</a:t>
+            </a:r>
+          </a:p>
+        </p:txBody>
+      </p:sp>
+      <p:sp>
+        <p:nvSpPr>
+          <p:cNvPr id="61" name="TextBox 60">
+            <a:extLst>
+              <a:ext uri="{FF2B5EF4-FFF2-40B4-BE49-F238E27FC236}">
+                <a16:creationId xmlns:a16="http://schemas.microsoft.com/office/drawing/2014/main" id="{07B7E7BA-D942-419B-83B0-AE610256E8DF}"/>
+              </a:ext>
+            </a:extLst>
+          </p:cNvPr>
+          <p:cNvSpPr txBox="1"/>
+          <p:nvPr/>
+        </p:nvSpPr>
+        <p:spPr>
+          <a:xfrm>
+            <a:off x="10745615" y="4866203"/>
+            <a:ext cx="1053494" cy="307777"/>
+          </a:xfrm>
+          <a:prstGeom prst="rect">
+            <a:avLst/>
+          </a:prstGeom>
+          <a:noFill/>
+        </p:spPr>
+        <p:txBody>
+          <a:bodyPr wrap="none" rtlCol="0">
+            <a:spAutoFit/>
+          </a:bodyPr>
+          <a:lstStyle/>
+          <a:p>
+            <a:r>
+              <a:rPr lang="en-GB" sz="1400" dirty="0"/>
+              <a:t>22/02/2016</a:t>
+            </a:r>
+          </a:p>
+        </p:txBody>
+      </p:sp>
+      <p:sp>
+        <p:nvSpPr>
+          <p:cNvPr id="62" name="TextBox 61">
+            <a:extLst>
+              <a:ext uri="{FF2B5EF4-FFF2-40B4-BE49-F238E27FC236}">
+                <a16:creationId xmlns:a16="http://schemas.microsoft.com/office/drawing/2014/main" id="{2BFAB897-B98F-4BA9-B865-C4599A1769AC}"/>
+              </a:ext>
+            </a:extLst>
+          </p:cNvPr>
+          <p:cNvSpPr txBox="1"/>
+          <p:nvPr/>
+        </p:nvSpPr>
+        <p:spPr>
+          <a:xfrm rot="16200000">
+            <a:off x="48913" y="3244334"/>
+            <a:ext cx="748410" cy="369332"/>
+          </a:xfrm>
+          <a:prstGeom prst="rect">
+            <a:avLst/>
+          </a:prstGeom>
+          <a:noFill/>
+        </p:spPr>
+        <p:txBody>
+          <a:bodyPr wrap="none" rtlCol="0">
+            <a:spAutoFit/>
+          </a:bodyPr>
+          <a:lstStyle/>
+          <a:p>
             <a:r>
               <a:rPr lang="en-GB" dirty="0"/>
-              <a:t> </a:t>
+              <a:t>Count</a:t>
+            </a:r>
+          </a:p>
+        </p:txBody>
+      </p:sp>
+      <p:sp>
+        <p:nvSpPr>
+          <p:cNvPr id="63" name="TextBox 62">
+            <a:extLst>
+              <a:ext uri="{FF2B5EF4-FFF2-40B4-BE49-F238E27FC236}">
+                <a16:creationId xmlns:a16="http://schemas.microsoft.com/office/drawing/2014/main" id="{71044900-E150-4B9D-A5B4-E5FB60286992}"/>
+              </a:ext>
+            </a:extLst>
+          </p:cNvPr>
+          <p:cNvSpPr txBox="1"/>
+          <p:nvPr/>
+        </p:nvSpPr>
+        <p:spPr>
+          <a:xfrm>
+            <a:off x="1030896" y="1883868"/>
+            <a:ext cx="418704" cy="369332"/>
+          </a:xfrm>
+          <a:prstGeom prst="rect">
+            <a:avLst/>
+          </a:prstGeom>
+          <a:noFill/>
+        </p:spPr>
+        <p:txBody>
+          <a:bodyPr wrap="none" rtlCol="0">
+            <a:spAutoFit/>
+          </a:bodyPr>
+          <a:lstStyle/>
+          <a:p>
+            <a:r>
+              <a:rPr lang="en-GB" dirty="0"/>
+              <a:t>15</a:t>
+            </a:r>
+          </a:p>
+        </p:txBody>
+      </p:sp>
+      <p:sp>
+        <p:nvSpPr>
+          <p:cNvPr id="64" name="TextBox 63">
+            <a:extLst>
+              <a:ext uri="{FF2B5EF4-FFF2-40B4-BE49-F238E27FC236}">
+                <a16:creationId xmlns:a16="http://schemas.microsoft.com/office/drawing/2014/main" id="{03C4FB18-785F-4B3F-B03F-F23C0EAC336E}"/>
+              </a:ext>
+            </a:extLst>
+          </p:cNvPr>
+          <p:cNvSpPr txBox="1"/>
+          <p:nvPr/>
+        </p:nvSpPr>
+        <p:spPr>
+          <a:xfrm>
+            <a:off x="2455653" y="2350594"/>
+            <a:ext cx="418704" cy="369332"/>
+          </a:xfrm>
+          <a:prstGeom prst="rect">
+            <a:avLst/>
+          </a:prstGeom>
+          <a:noFill/>
+        </p:spPr>
+        <p:txBody>
+          <a:bodyPr wrap="none" rtlCol="0">
+            <a:spAutoFit/>
+          </a:bodyPr>
+          <a:lstStyle/>
+          <a:p>
+            <a:r>
+              <a:rPr lang="en-GB" dirty="0"/>
+              <a:t>10</a:t>
+            </a:r>
+          </a:p>
+        </p:txBody>
+      </p:sp>
+      <p:sp>
+        <p:nvSpPr>
+          <p:cNvPr id="65" name="TextBox 64">
+            <a:extLst>
+              <a:ext uri="{FF2B5EF4-FFF2-40B4-BE49-F238E27FC236}">
+                <a16:creationId xmlns:a16="http://schemas.microsoft.com/office/drawing/2014/main" id="{D64C602C-7ABF-45DD-81C9-E6B26F506B7D}"/>
+              </a:ext>
+            </a:extLst>
+          </p:cNvPr>
+          <p:cNvSpPr txBox="1"/>
+          <p:nvPr/>
+        </p:nvSpPr>
+        <p:spPr>
+          <a:xfrm>
+            <a:off x="3882068" y="2462634"/>
+            <a:ext cx="301686" cy="369332"/>
+          </a:xfrm>
+          <a:prstGeom prst="rect">
+            <a:avLst/>
+          </a:prstGeom>
+          <a:noFill/>
+        </p:spPr>
+        <p:txBody>
+          <a:bodyPr wrap="none" rtlCol="0">
+            <a:spAutoFit/>
+          </a:bodyPr>
+          <a:lstStyle/>
+          <a:p>
+            <a:r>
+              <a:rPr lang="en-GB" dirty="0"/>
+              <a:t>9</a:t>
+            </a:r>
+          </a:p>
+        </p:txBody>
+      </p:sp>
+      <p:sp>
+        <p:nvSpPr>
+          <p:cNvPr id="66" name="TextBox 65">
+            <a:extLst>
+              <a:ext uri="{FF2B5EF4-FFF2-40B4-BE49-F238E27FC236}">
+                <a16:creationId xmlns:a16="http://schemas.microsoft.com/office/drawing/2014/main" id="{D380DD65-F467-490F-B8C4-B382EAAA44A7}"/>
+              </a:ext>
+            </a:extLst>
+          </p:cNvPr>
+          <p:cNvSpPr txBox="1"/>
+          <p:nvPr/>
+        </p:nvSpPr>
+        <p:spPr>
+          <a:xfrm>
+            <a:off x="5310139" y="2292815"/>
+            <a:ext cx="418704" cy="369332"/>
+          </a:xfrm>
+          <a:prstGeom prst="rect">
+            <a:avLst/>
+          </a:prstGeom>
+          <a:noFill/>
+        </p:spPr>
+        <p:txBody>
+          <a:bodyPr wrap="none" rtlCol="0">
+            <a:spAutoFit/>
+          </a:bodyPr>
+          <a:lstStyle/>
+          <a:p>
+            <a:r>
+              <a:rPr lang="en-GB" dirty="0"/>
+              <a:t>11</a:t>
+            </a:r>
+          </a:p>
+        </p:txBody>
+      </p:sp>
+      <p:sp>
+        <p:nvSpPr>
+          <p:cNvPr id="67" name="TextBox 66">
+            <a:extLst>
+              <a:ext uri="{FF2B5EF4-FFF2-40B4-BE49-F238E27FC236}">
+                <a16:creationId xmlns:a16="http://schemas.microsoft.com/office/drawing/2014/main" id="{176D3091-C300-4B31-BD3A-A772393F2439}"/>
+              </a:ext>
+            </a:extLst>
+          </p:cNvPr>
+          <p:cNvSpPr txBox="1"/>
+          <p:nvPr/>
+        </p:nvSpPr>
+        <p:spPr>
+          <a:xfrm>
+            <a:off x="6795055" y="3677069"/>
+            <a:ext cx="301686" cy="369332"/>
+          </a:xfrm>
+          <a:prstGeom prst="rect">
+            <a:avLst/>
+          </a:prstGeom>
+          <a:noFill/>
+        </p:spPr>
+        <p:txBody>
+          <a:bodyPr wrap="none" rtlCol="0">
+            <a:spAutoFit/>
+          </a:bodyPr>
+          <a:lstStyle/>
+          <a:p>
+            <a:r>
+              <a:rPr lang="en-GB" dirty="0"/>
+              <a:t>4</a:t>
+            </a:r>
+          </a:p>
+        </p:txBody>
+      </p:sp>
+      <p:sp>
+        <p:nvSpPr>
+          <p:cNvPr id="68" name="TextBox 67">
+            <a:extLst>
+              <a:ext uri="{FF2B5EF4-FFF2-40B4-BE49-F238E27FC236}">
+                <a16:creationId xmlns:a16="http://schemas.microsoft.com/office/drawing/2014/main" id="{CBC945EE-5DE6-47DB-B38F-2D2F3DFE4187}"/>
+              </a:ext>
+            </a:extLst>
+          </p:cNvPr>
+          <p:cNvSpPr txBox="1"/>
+          <p:nvPr/>
+        </p:nvSpPr>
+        <p:spPr>
+          <a:xfrm>
+            <a:off x="8221458" y="2526508"/>
+            <a:ext cx="301686" cy="369332"/>
+          </a:xfrm>
+          <a:prstGeom prst="rect">
+            <a:avLst/>
+          </a:prstGeom>
+          <a:noFill/>
+        </p:spPr>
+        <p:txBody>
+          <a:bodyPr wrap="none" rtlCol="0">
+            <a:spAutoFit/>
+          </a:bodyPr>
+          <a:lstStyle/>
+          <a:p>
+            <a:r>
+              <a:rPr lang="en-GB" dirty="0"/>
+              <a:t>9</a:t>
+            </a:r>
+          </a:p>
+        </p:txBody>
+      </p:sp>
+      <p:sp>
+        <p:nvSpPr>
+          <p:cNvPr id="69" name="TextBox 68">
+            <a:extLst>
+              <a:ext uri="{FF2B5EF4-FFF2-40B4-BE49-F238E27FC236}">
+                <a16:creationId xmlns:a16="http://schemas.microsoft.com/office/drawing/2014/main" id="{1E5C96A7-80A9-459A-BCAB-29C4C02FE4E7}"/>
+              </a:ext>
+            </a:extLst>
+          </p:cNvPr>
+          <p:cNvSpPr txBox="1"/>
+          <p:nvPr/>
+        </p:nvSpPr>
+        <p:spPr>
+          <a:xfrm>
+            <a:off x="11076173" y="2960979"/>
+            <a:ext cx="301686" cy="369332"/>
+          </a:xfrm>
+          <a:prstGeom prst="rect">
+            <a:avLst/>
+          </a:prstGeom>
+          <a:noFill/>
+        </p:spPr>
+        <p:txBody>
+          <a:bodyPr wrap="none" rtlCol="0">
+            <a:spAutoFit/>
+          </a:bodyPr>
+          <a:lstStyle/>
+          <a:p>
+            <a:r>
+              <a:rPr lang="en-GB" dirty="0"/>
+              <a:t>7</a:t>
+            </a:r>
+          </a:p>
+        </p:txBody>
+      </p:sp>
+      <p:sp>
+        <p:nvSpPr>
+          <p:cNvPr id="70" name="Rectangle: Rounded Corners 69">
+            <a:extLst>
+              <a:ext uri="{FF2B5EF4-FFF2-40B4-BE49-F238E27FC236}">
+                <a16:creationId xmlns:a16="http://schemas.microsoft.com/office/drawing/2014/main" id="{E61067AB-EE6D-4E87-9D0D-B57A068F6515}"/>
+              </a:ext>
+            </a:extLst>
+          </p:cNvPr>
+          <p:cNvSpPr/>
+          <p:nvPr/>
+        </p:nvSpPr>
+        <p:spPr>
+          <a:xfrm>
+            <a:off x="172451" y="147553"/>
+            <a:ext cx="1594544" cy="369332"/>
+          </a:xfrm>
+          <a:prstGeom prst="roundRect">
+            <a:avLst/>
+          </a:prstGeom>
+        </p:spPr>
+        <p:style>
+          <a:lnRef idx="2">
+            <a:schemeClr val="accent1">
+              <a:shade val="50000"/>
+            </a:schemeClr>
+          </a:lnRef>
+          <a:fillRef idx="1">
+            <a:schemeClr val="accent1"/>
+          </a:fillRef>
+          <a:effectRef idx="0">
+            <a:schemeClr val="accent1"/>
+          </a:effectRef>
+          <a:fontRef idx="minor">
+            <a:schemeClr val="lt1"/>
+          </a:fontRef>
+        </p:style>
+        <p:txBody>
+          <a:bodyPr rtlCol="0" anchor="ctr"/>
+          <a:lstStyle/>
+          <a:p>
+            <a:pPr algn="ctr"/>
+            <a:endParaRPr lang="en-GB"/>
+          </a:p>
+        </p:txBody>
+      </p:sp>
+      <p:sp>
+        <p:nvSpPr>
+          <p:cNvPr id="71" name="TextBox 70">
+            <a:extLst>
+              <a:ext uri="{FF2B5EF4-FFF2-40B4-BE49-F238E27FC236}">
+                <a16:creationId xmlns:a16="http://schemas.microsoft.com/office/drawing/2014/main" id="{D50459A9-C6BD-49B7-8D6C-509F0C7EAD56}"/>
+              </a:ext>
+            </a:extLst>
+          </p:cNvPr>
+          <p:cNvSpPr txBox="1"/>
+          <p:nvPr/>
+        </p:nvSpPr>
+        <p:spPr>
+          <a:xfrm>
+            <a:off x="172454" y="192343"/>
+            <a:ext cx="1594541" cy="261610"/>
+          </a:xfrm>
+          <a:prstGeom prst="rect">
+            <a:avLst/>
+          </a:prstGeom>
+          <a:noFill/>
+        </p:spPr>
+        <p:txBody>
+          <a:bodyPr wrap="square" rtlCol="0">
+            <a:spAutoFit/>
+          </a:bodyPr>
+          <a:lstStyle/>
+          <a:p>
+            <a:pPr algn="ctr"/>
+            <a:r>
+              <a:rPr lang="en-GB" sz="1100" dirty="0">
+                <a:solidFill>
+                  <a:schemeClr val="bg1"/>
+                </a:solidFill>
+              </a:rPr>
+              <a:t>Toggle: Topic/Sentiment</a:t>
+            </a:r>
+          </a:p>
+        </p:txBody>
+      </p:sp>
+      <p:sp>
+        <p:nvSpPr>
+          <p:cNvPr id="2" name="TextBox 1">
+            <a:extLst>
+              <a:ext uri="{FF2B5EF4-FFF2-40B4-BE49-F238E27FC236}">
+                <a16:creationId xmlns:a16="http://schemas.microsoft.com/office/drawing/2014/main" id="{CA55914D-CEAC-4F17-AB44-8409E21C3C18}"/>
+              </a:ext>
+            </a:extLst>
+          </p:cNvPr>
+          <p:cNvSpPr txBox="1"/>
+          <p:nvPr/>
+        </p:nvSpPr>
+        <p:spPr>
+          <a:xfrm rot="17739365">
+            <a:off x="9279434" y="4002855"/>
+            <a:ext cx="1441036" cy="276999"/>
+          </a:xfrm>
+          <a:prstGeom prst="rect">
+            <a:avLst/>
+          </a:prstGeom>
+          <a:noFill/>
+        </p:spPr>
+        <p:txBody>
+          <a:bodyPr wrap="none" rtlCol="0">
+            <a:spAutoFit/>
+          </a:bodyPr>
+          <a:lstStyle/>
+          <a:p>
+            <a:r>
+              <a:rPr lang="en-GB" sz="1200" dirty="0"/>
+              <a:t>Parliament in recess</a:t>
+            </a:r>
+          </a:p>
+        </p:txBody>
+      </p:sp>
+      <p:sp>
+        <p:nvSpPr>
+          <p:cNvPr id="72" name="TextBox 71">
+            <a:extLst>
+              <a:ext uri="{FF2B5EF4-FFF2-40B4-BE49-F238E27FC236}">
+                <a16:creationId xmlns:a16="http://schemas.microsoft.com/office/drawing/2014/main" id="{BEE4FB12-2034-4A6B-88E4-58461801753C}"/>
+              </a:ext>
+            </a:extLst>
+          </p:cNvPr>
+          <p:cNvSpPr txBox="1"/>
+          <p:nvPr/>
+        </p:nvSpPr>
+        <p:spPr>
+          <a:xfrm>
+            <a:off x="6424969" y="5196188"/>
+            <a:ext cx="1314034" cy="369332"/>
+          </a:xfrm>
+          <a:prstGeom prst="rect">
+            <a:avLst/>
+          </a:prstGeom>
+          <a:noFill/>
+        </p:spPr>
+        <p:txBody>
+          <a:bodyPr wrap="square" rtlCol="0">
+            <a:spAutoFit/>
+          </a:bodyPr>
+          <a:lstStyle/>
+          <a:p>
+            <a:pPr algn="ctr"/>
+            <a:r>
+              <a:rPr lang="en-GB" dirty="0"/>
+              <a:t>Sentiment</a:t>
+            </a:r>
+          </a:p>
+        </p:txBody>
+      </p:sp>
+      <p:sp>
+        <p:nvSpPr>
+          <p:cNvPr id="75" name="Rectangle: Rounded Corners 74">
+            <a:extLst>
+              <a:ext uri="{FF2B5EF4-FFF2-40B4-BE49-F238E27FC236}">
+                <a16:creationId xmlns:a16="http://schemas.microsoft.com/office/drawing/2014/main" id="{24206795-EFD1-4DCF-ACAC-13FC0BE0A71C}"/>
+              </a:ext>
+            </a:extLst>
+          </p:cNvPr>
+          <p:cNvSpPr/>
+          <p:nvPr/>
+        </p:nvSpPr>
+        <p:spPr>
+          <a:xfrm>
+            <a:off x="5051627" y="716983"/>
+            <a:ext cx="1989221" cy="433137"/>
+          </a:xfrm>
+          <a:prstGeom prst="roundRect">
+            <a:avLst/>
+          </a:prstGeom>
+        </p:spPr>
+        <p:style>
+          <a:lnRef idx="2">
+            <a:schemeClr val="accent1">
+              <a:shade val="50000"/>
+            </a:schemeClr>
+          </a:lnRef>
+          <a:fillRef idx="1">
+            <a:schemeClr val="accent1"/>
+          </a:fillRef>
+          <a:effectRef idx="0">
+            <a:schemeClr val="accent1"/>
+          </a:effectRef>
+          <a:fontRef idx="minor">
+            <a:schemeClr val="lt1"/>
+          </a:fontRef>
+        </p:style>
+        <p:txBody>
+          <a:bodyPr rtlCol="0" anchor="ctr"/>
+          <a:lstStyle/>
+          <a:p>
+            <a:pPr algn="ctr"/>
+            <a:endParaRPr lang="en-GB"/>
+          </a:p>
+        </p:txBody>
+      </p:sp>
+      <p:sp>
+        <p:nvSpPr>
+          <p:cNvPr id="76" name="TextBox 75">
+            <a:extLst>
+              <a:ext uri="{FF2B5EF4-FFF2-40B4-BE49-F238E27FC236}">
+                <a16:creationId xmlns:a16="http://schemas.microsoft.com/office/drawing/2014/main" id="{B21811AC-55B8-4FAE-AF8B-B1F038CAE214}"/>
+              </a:ext>
+            </a:extLst>
+          </p:cNvPr>
+          <p:cNvSpPr txBox="1"/>
+          <p:nvPr/>
+        </p:nvSpPr>
+        <p:spPr>
+          <a:xfrm>
+            <a:off x="5252152" y="733024"/>
+            <a:ext cx="1655459" cy="369332"/>
+          </a:xfrm>
+          <a:prstGeom prst="rect">
+            <a:avLst/>
+          </a:prstGeom>
+          <a:noFill/>
+        </p:spPr>
+        <p:txBody>
+          <a:bodyPr wrap="square" rtlCol="0">
+            <a:spAutoFit/>
+          </a:bodyPr>
+          <a:lstStyle/>
+          <a:p>
+            <a:pPr algn="ctr"/>
+            <a:r>
+              <a:rPr lang="en-GB" dirty="0">
+                <a:solidFill>
+                  <a:schemeClr val="bg1"/>
+                </a:solidFill>
+              </a:rPr>
+              <a:t>Filter -- Speaker</a:t>
             </a:r>
           </a:p>
         </p:txBody>
@@ -4104,7 +7384,7 @@
     </p:spTree>
     <p:extLst>
       <p:ext uri="{BB962C8B-B14F-4D97-AF65-F5344CB8AC3E}">
-        <p14:creationId xmlns:p14="http://schemas.microsoft.com/office/powerpoint/2010/main" val="1424859849"/>
+        <p14:creationId xmlns:p14="http://schemas.microsoft.com/office/powerpoint/2010/main" val="3423769480"/>
       </p:ext>
     </p:extLst>
   </p:cSld>
@@ -4926,10 +8206,10 @@
       </p:sp>
       <p:sp>
         <p:nvSpPr>
-          <p:cNvPr id="29" name="Rectangle 28">
-            <a:extLst>
-              <a:ext uri="{FF2B5EF4-FFF2-40B4-BE49-F238E27FC236}">
-                <a16:creationId xmlns:a16="http://schemas.microsoft.com/office/drawing/2014/main" id="{1C4A14E8-8E45-4C98-BCE7-C96E381836AB}"/>
+          <p:cNvPr id="30" name="Rectangle 29">
+            <a:extLst>
+              <a:ext uri="{FF2B5EF4-FFF2-40B4-BE49-F238E27FC236}">
+                <a16:creationId xmlns:a16="http://schemas.microsoft.com/office/drawing/2014/main" id="{4796394A-A7EF-40EE-9205-6FFA8B6D1ED8}"/>
               </a:ext>
             </a:extLst>
           </p:cNvPr>
@@ -4938,54 +8218,8 @@
         </p:nvSpPr>
         <p:spPr>
           <a:xfrm>
-            <a:off x="876293" y="4098758"/>
-            <a:ext cx="727915" cy="721160"/>
-          </a:xfrm>
-          <a:prstGeom prst="rect">
-            <a:avLst/>
-          </a:prstGeom>
-        </p:spPr>
-        <p:style>
-          <a:lnRef idx="2">
-            <a:schemeClr val="accent2">
-              <a:shade val="50000"/>
-            </a:schemeClr>
-          </a:lnRef>
-          <a:fillRef idx="1">
-            <a:schemeClr val="accent2"/>
-          </a:fillRef>
-          <a:effectRef idx="0">
-            <a:schemeClr val="accent2"/>
-          </a:effectRef>
-          <a:fontRef idx="minor">
-            <a:schemeClr val="lt1"/>
-          </a:fontRef>
-        </p:style>
-        <p:txBody>
-          <a:bodyPr rtlCol="0" anchor="ctr"/>
-          <a:lstStyle/>
-          <a:p>
-            <a:pPr algn="ctr"/>
-            <a:endParaRPr lang="en-GB"/>
-          </a:p>
-        </p:txBody>
-      </p:sp>
-      <p:sp>
-        <p:nvSpPr>
-          <p:cNvPr id="30" name="Rectangle 29">
-            <a:extLst>
-              <a:ext uri="{FF2B5EF4-FFF2-40B4-BE49-F238E27FC236}">
-                <a16:creationId xmlns:a16="http://schemas.microsoft.com/office/drawing/2014/main" id="{4796394A-A7EF-40EE-9205-6FFA8B6D1ED8}"/>
-              </a:ext>
-            </a:extLst>
-          </p:cNvPr>
-          <p:cNvSpPr/>
-          <p:nvPr/>
-        </p:nvSpPr>
-        <p:spPr>
-          <a:xfrm>
-            <a:off x="876292" y="3015559"/>
-            <a:ext cx="727915" cy="1098517"/>
+            <a:off x="760400" y="3891227"/>
+            <a:ext cx="201832" cy="940771"/>
           </a:xfrm>
           <a:prstGeom prst="rect">
             <a:avLst/>
@@ -5018,10 +8252,570 @@
       </p:sp>
       <p:sp>
         <p:nvSpPr>
-          <p:cNvPr id="31" name="Rectangle 30">
-            <a:extLst>
-              <a:ext uri="{FF2B5EF4-FFF2-40B4-BE49-F238E27FC236}">
-                <a16:creationId xmlns:a16="http://schemas.microsoft.com/office/drawing/2014/main" id="{EC588F08-8663-428A-9FEA-B5EA29A647C6}"/>
+          <p:cNvPr id="54" name="TextBox 53">
+            <a:extLst>
+              <a:ext uri="{FF2B5EF4-FFF2-40B4-BE49-F238E27FC236}">
+                <a16:creationId xmlns:a16="http://schemas.microsoft.com/office/drawing/2014/main" id="{788348DF-F23C-4373-92AB-C3E6734809EE}"/>
+              </a:ext>
+            </a:extLst>
+          </p:cNvPr>
+          <p:cNvSpPr txBox="1"/>
+          <p:nvPr/>
+        </p:nvSpPr>
+        <p:spPr>
+          <a:xfrm>
+            <a:off x="713501" y="4850926"/>
+            <a:ext cx="1053494" cy="307777"/>
+          </a:xfrm>
+          <a:prstGeom prst="rect">
+            <a:avLst/>
+          </a:prstGeom>
+          <a:noFill/>
+        </p:spPr>
+        <p:txBody>
+          <a:bodyPr wrap="none" rtlCol="0">
+            <a:spAutoFit/>
+          </a:bodyPr>
+          <a:lstStyle/>
+          <a:p>
+            <a:r>
+              <a:rPr lang="en-GB" sz="1400" dirty="0"/>
+              <a:t>04/01/2016</a:t>
+            </a:r>
+          </a:p>
+        </p:txBody>
+      </p:sp>
+      <p:sp>
+        <p:nvSpPr>
+          <p:cNvPr id="55" name="TextBox 54">
+            <a:extLst>
+              <a:ext uri="{FF2B5EF4-FFF2-40B4-BE49-F238E27FC236}">
+                <a16:creationId xmlns:a16="http://schemas.microsoft.com/office/drawing/2014/main" id="{549F7838-BA58-41D5-AFD5-A6ABC76AFF4A}"/>
+              </a:ext>
+            </a:extLst>
+          </p:cNvPr>
+          <p:cNvSpPr txBox="1"/>
+          <p:nvPr/>
+        </p:nvSpPr>
+        <p:spPr>
+          <a:xfrm>
+            <a:off x="2139915" y="4858624"/>
+            <a:ext cx="1053494" cy="307777"/>
+          </a:xfrm>
+          <a:prstGeom prst="rect">
+            <a:avLst/>
+          </a:prstGeom>
+          <a:noFill/>
+        </p:spPr>
+        <p:txBody>
+          <a:bodyPr wrap="none" rtlCol="0">
+            <a:spAutoFit/>
+          </a:bodyPr>
+          <a:lstStyle/>
+          <a:p>
+            <a:r>
+              <a:rPr lang="en-GB" sz="1400" dirty="0"/>
+              <a:t>11/01/2016</a:t>
+            </a:r>
+          </a:p>
+        </p:txBody>
+      </p:sp>
+      <p:sp>
+        <p:nvSpPr>
+          <p:cNvPr id="56" name="TextBox 55">
+            <a:extLst>
+              <a:ext uri="{FF2B5EF4-FFF2-40B4-BE49-F238E27FC236}">
+                <a16:creationId xmlns:a16="http://schemas.microsoft.com/office/drawing/2014/main" id="{B4175D74-0237-463E-9C92-BF1E9C952B97}"/>
+              </a:ext>
+            </a:extLst>
+          </p:cNvPr>
+          <p:cNvSpPr txBox="1"/>
+          <p:nvPr/>
+        </p:nvSpPr>
+        <p:spPr>
+          <a:xfrm>
+            <a:off x="3566330" y="4857774"/>
+            <a:ext cx="1053494" cy="307777"/>
+          </a:xfrm>
+          <a:prstGeom prst="rect">
+            <a:avLst/>
+          </a:prstGeom>
+          <a:noFill/>
+        </p:spPr>
+        <p:txBody>
+          <a:bodyPr wrap="none" rtlCol="0">
+            <a:spAutoFit/>
+          </a:bodyPr>
+          <a:lstStyle/>
+          <a:p>
+            <a:r>
+              <a:rPr lang="en-GB" sz="1400" dirty="0"/>
+              <a:t>18/01/2016</a:t>
+            </a:r>
+          </a:p>
+        </p:txBody>
+      </p:sp>
+      <p:sp>
+        <p:nvSpPr>
+          <p:cNvPr id="57" name="TextBox 56">
+            <a:extLst>
+              <a:ext uri="{FF2B5EF4-FFF2-40B4-BE49-F238E27FC236}">
+                <a16:creationId xmlns:a16="http://schemas.microsoft.com/office/drawing/2014/main" id="{A48F607B-5C55-4994-A6DA-A7B0D9D9AD18}"/>
+              </a:ext>
+            </a:extLst>
+          </p:cNvPr>
+          <p:cNvSpPr txBox="1"/>
+          <p:nvPr/>
+        </p:nvSpPr>
+        <p:spPr>
+          <a:xfrm>
+            <a:off x="4992744" y="4850926"/>
+            <a:ext cx="1053494" cy="307777"/>
+          </a:xfrm>
+          <a:prstGeom prst="rect">
+            <a:avLst/>
+          </a:prstGeom>
+          <a:noFill/>
+        </p:spPr>
+        <p:txBody>
+          <a:bodyPr wrap="none" rtlCol="0">
+            <a:spAutoFit/>
+          </a:bodyPr>
+          <a:lstStyle/>
+          <a:p>
+            <a:r>
+              <a:rPr lang="en-GB" sz="1400" dirty="0"/>
+              <a:t>25/01/2016</a:t>
+            </a:r>
+          </a:p>
+        </p:txBody>
+      </p:sp>
+      <p:sp>
+        <p:nvSpPr>
+          <p:cNvPr id="58" name="TextBox 57">
+            <a:extLst>
+              <a:ext uri="{FF2B5EF4-FFF2-40B4-BE49-F238E27FC236}">
+                <a16:creationId xmlns:a16="http://schemas.microsoft.com/office/drawing/2014/main" id="{90F37AE7-79BA-4055-8118-624AA123FC5C}"/>
+              </a:ext>
+            </a:extLst>
+          </p:cNvPr>
+          <p:cNvSpPr txBox="1"/>
+          <p:nvPr/>
+        </p:nvSpPr>
+        <p:spPr>
+          <a:xfrm>
+            <a:off x="6443548" y="4866204"/>
+            <a:ext cx="1053494" cy="307777"/>
+          </a:xfrm>
+          <a:prstGeom prst="rect">
+            <a:avLst/>
+          </a:prstGeom>
+          <a:noFill/>
+        </p:spPr>
+        <p:txBody>
+          <a:bodyPr wrap="none" rtlCol="0">
+            <a:spAutoFit/>
+          </a:bodyPr>
+          <a:lstStyle/>
+          <a:p>
+            <a:r>
+              <a:rPr lang="en-GB" sz="1400" dirty="0"/>
+              <a:t>01/02/2016</a:t>
+            </a:r>
+          </a:p>
+        </p:txBody>
+      </p:sp>
+      <p:sp>
+        <p:nvSpPr>
+          <p:cNvPr id="59" name="TextBox 58">
+            <a:extLst>
+              <a:ext uri="{FF2B5EF4-FFF2-40B4-BE49-F238E27FC236}">
+                <a16:creationId xmlns:a16="http://schemas.microsoft.com/office/drawing/2014/main" id="{CD320D13-54CA-4166-81C8-430130D7AC26}"/>
+              </a:ext>
+            </a:extLst>
+          </p:cNvPr>
+          <p:cNvSpPr txBox="1"/>
+          <p:nvPr/>
+        </p:nvSpPr>
+        <p:spPr>
+          <a:xfrm>
+            <a:off x="7869962" y="4857774"/>
+            <a:ext cx="1053494" cy="307777"/>
+          </a:xfrm>
+          <a:prstGeom prst="rect">
+            <a:avLst/>
+          </a:prstGeom>
+          <a:noFill/>
+        </p:spPr>
+        <p:txBody>
+          <a:bodyPr wrap="none" rtlCol="0">
+            <a:spAutoFit/>
+          </a:bodyPr>
+          <a:lstStyle/>
+          <a:p>
+            <a:r>
+              <a:rPr lang="en-GB" sz="1400" dirty="0"/>
+              <a:t>08/02/2016</a:t>
+            </a:r>
+          </a:p>
+        </p:txBody>
+      </p:sp>
+      <p:sp>
+        <p:nvSpPr>
+          <p:cNvPr id="60" name="TextBox 59">
+            <a:extLst>
+              <a:ext uri="{FF2B5EF4-FFF2-40B4-BE49-F238E27FC236}">
+                <a16:creationId xmlns:a16="http://schemas.microsoft.com/office/drawing/2014/main" id="{699EB5F0-A289-4DE6-B7F7-318FCE2B97DE}"/>
+              </a:ext>
+            </a:extLst>
+          </p:cNvPr>
+          <p:cNvSpPr txBox="1"/>
+          <p:nvPr/>
+        </p:nvSpPr>
+        <p:spPr>
+          <a:xfrm>
+            <a:off x="9383264" y="4859384"/>
+            <a:ext cx="1053494" cy="307777"/>
+          </a:xfrm>
+          <a:prstGeom prst="rect">
+            <a:avLst/>
+          </a:prstGeom>
+          <a:noFill/>
+        </p:spPr>
+        <p:txBody>
+          <a:bodyPr wrap="none" rtlCol="0">
+            <a:spAutoFit/>
+          </a:bodyPr>
+          <a:lstStyle/>
+          <a:p>
+            <a:r>
+              <a:rPr lang="en-GB" sz="1400" dirty="0"/>
+              <a:t>15/02/2016</a:t>
+            </a:r>
+          </a:p>
+        </p:txBody>
+      </p:sp>
+      <p:sp>
+        <p:nvSpPr>
+          <p:cNvPr id="61" name="TextBox 60">
+            <a:extLst>
+              <a:ext uri="{FF2B5EF4-FFF2-40B4-BE49-F238E27FC236}">
+                <a16:creationId xmlns:a16="http://schemas.microsoft.com/office/drawing/2014/main" id="{07B7E7BA-D942-419B-83B0-AE610256E8DF}"/>
+              </a:ext>
+            </a:extLst>
+          </p:cNvPr>
+          <p:cNvSpPr txBox="1"/>
+          <p:nvPr/>
+        </p:nvSpPr>
+        <p:spPr>
+          <a:xfrm>
+            <a:off x="10745615" y="4866203"/>
+            <a:ext cx="1053494" cy="307777"/>
+          </a:xfrm>
+          <a:prstGeom prst="rect">
+            <a:avLst/>
+          </a:prstGeom>
+          <a:noFill/>
+        </p:spPr>
+        <p:txBody>
+          <a:bodyPr wrap="none" rtlCol="0">
+            <a:spAutoFit/>
+          </a:bodyPr>
+          <a:lstStyle/>
+          <a:p>
+            <a:r>
+              <a:rPr lang="en-GB" sz="1400" dirty="0"/>
+              <a:t>22/02/2016</a:t>
+            </a:r>
+          </a:p>
+        </p:txBody>
+      </p:sp>
+      <p:sp>
+        <p:nvSpPr>
+          <p:cNvPr id="62" name="TextBox 61">
+            <a:extLst>
+              <a:ext uri="{FF2B5EF4-FFF2-40B4-BE49-F238E27FC236}">
+                <a16:creationId xmlns:a16="http://schemas.microsoft.com/office/drawing/2014/main" id="{2BFAB897-B98F-4BA9-B865-C4599A1769AC}"/>
+              </a:ext>
+            </a:extLst>
+          </p:cNvPr>
+          <p:cNvSpPr txBox="1"/>
+          <p:nvPr/>
+        </p:nvSpPr>
+        <p:spPr>
+          <a:xfrm rot="16200000">
+            <a:off x="48913" y="3244334"/>
+            <a:ext cx="748410" cy="369332"/>
+          </a:xfrm>
+          <a:prstGeom prst="rect">
+            <a:avLst/>
+          </a:prstGeom>
+          <a:noFill/>
+        </p:spPr>
+        <p:txBody>
+          <a:bodyPr wrap="none" rtlCol="0">
+            <a:spAutoFit/>
+          </a:bodyPr>
+          <a:lstStyle/>
+          <a:p>
+            <a:r>
+              <a:rPr lang="en-GB" dirty="0"/>
+              <a:t>Count</a:t>
+            </a:r>
+          </a:p>
+        </p:txBody>
+      </p:sp>
+      <p:sp>
+        <p:nvSpPr>
+          <p:cNvPr id="63" name="TextBox 62">
+            <a:extLst>
+              <a:ext uri="{FF2B5EF4-FFF2-40B4-BE49-F238E27FC236}">
+                <a16:creationId xmlns:a16="http://schemas.microsoft.com/office/drawing/2014/main" id="{71044900-E150-4B9D-A5B4-E5FB60286992}"/>
+              </a:ext>
+            </a:extLst>
+          </p:cNvPr>
+          <p:cNvSpPr txBox="1"/>
+          <p:nvPr/>
+        </p:nvSpPr>
+        <p:spPr>
+          <a:xfrm>
+            <a:off x="980358" y="2163915"/>
+            <a:ext cx="418704" cy="369332"/>
+          </a:xfrm>
+          <a:prstGeom prst="rect">
+            <a:avLst/>
+          </a:prstGeom>
+          <a:noFill/>
+        </p:spPr>
+        <p:txBody>
+          <a:bodyPr wrap="none" rtlCol="0">
+            <a:spAutoFit/>
+          </a:bodyPr>
+          <a:lstStyle/>
+          <a:p>
+            <a:r>
+              <a:rPr lang="en-GB" dirty="0"/>
+              <a:t>15</a:t>
+            </a:r>
+          </a:p>
+        </p:txBody>
+      </p:sp>
+      <p:sp>
+        <p:nvSpPr>
+          <p:cNvPr id="64" name="TextBox 63">
+            <a:extLst>
+              <a:ext uri="{FF2B5EF4-FFF2-40B4-BE49-F238E27FC236}">
+                <a16:creationId xmlns:a16="http://schemas.microsoft.com/office/drawing/2014/main" id="{03C4FB18-785F-4B3F-B03F-F23C0EAC336E}"/>
+              </a:ext>
+            </a:extLst>
+          </p:cNvPr>
+          <p:cNvSpPr txBox="1"/>
+          <p:nvPr/>
+        </p:nvSpPr>
+        <p:spPr>
+          <a:xfrm>
+            <a:off x="2340641" y="2153988"/>
+            <a:ext cx="418704" cy="369332"/>
+          </a:xfrm>
+          <a:prstGeom prst="rect">
+            <a:avLst/>
+          </a:prstGeom>
+          <a:noFill/>
+        </p:spPr>
+        <p:txBody>
+          <a:bodyPr wrap="none" rtlCol="0">
+            <a:spAutoFit/>
+          </a:bodyPr>
+          <a:lstStyle/>
+          <a:p>
+            <a:r>
+              <a:rPr lang="en-GB" dirty="0"/>
+              <a:t>10</a:t>
+            </a:r>
+          </a:p>
+        </p:txBody>
+      </p:sp>
+      <p:sp>
+        <p:nvSpPr>
+          <p:cNvPr id="65" name="TextBox 64">
+            <a:extLst>
+              <a:ext uri="{FF2B5EF4-FFF2-40B4-BE49-F238E27FC236}">
+                <a16:creationId xmlns:a16="http://schemas.microsoft.com/office/drawing/2014/main" id="{D64C602C-7ABF-45DD-81C9-E6B26F506B7D}"/>
+              </a:ext>
+            </a:extLst>
+          </p:cNvPr>
+          <p:cNvSpPr txBox="1"/>
+          <p:nvPr/>
+        </p:nvSpPr>
+        <p:spPr>
+          <a:xfrm>
+            <a:off x="3828789" y="2167880"/>
+            <a:ext cx="301686" cy="369332"/>
+          </a:xfrm>
+          <a:prstGeom prst="rect">
+            <a:avLst/>
+          </a:prstGeom>
+          <a:noFill/>
+        </p:spPr>
+        <p:txBody>
+          <a:bodyPr wrap="none" rtlCol="0">
+            <a:spAutoFit/>
+          </a:bodyPr>
+          <a:lstStyle/>
+          <a:p>
+            <a:r>
+              <a:rPr lang="en-GB" dirty="0"/>
+              <a:t>9</a:t>
+            </a:r>
+          </a:p>
+        </p:txBody>
+      </p:sp>
+      <p:sp>
+        <p:nvSpPr>
+          <p:cNvPr id="66" name="TextBox 65">
+            <a:extLst>
+              <a:ext uri="{FF2B5EF4-FFF2-40B4-BE49-F238E27FC236}">
+                <a16:creationId xmlns:a16="http://schemas.microsoft.com/office/drawing/2014/main" id="{D380DD65-F467-490F-B8C4-B382EAAA44A7}"/>
+              </a:ext>
+            </a:extLst>
+          </p:cNvPr>
+          <p:cNvSpPr txBox="1"/>
+          <p:nvPr/>
+        </p:nvSpPr>
+        <p:spPr>
+          <a:xfrm>
+            <a:off x="5377241" y="2163915"/>
+            <a:ext cx="418704" cy="369332"/>
+          </a:xfrm>
+          <a:prstGeom prst="rect">
+            <a:avLst/>
+          </a:prstGeom>
+          <a:noFill/>
+        </p:spPr>
+        <p:txBody>
+          <a:bodyPr wrap="none" rtlCol="0">
+            <a:spAutoFit/>
+          </a:bodyPr>
+          <a:lstStyle/>
+          <a:p>
+            <a:r>
+              <a:rPr lang="en-GB" dirty="0"/>
+              <a:t>11</a:t>
+            </a:r>
+          </a:p>
+        </p:txBody>
+      </p:sp>
+      <p:sp>
+        <p:nvSpPr>
+          <p:cNvPr id="67" name="TextBox 66">
+            <a:extLst>
+              <a:ext uri="{FF2B5EF4-FFF2-40B4-BE49-F238E27FC236}">
+                <a16:creationId xmlns:a16="http://schemas.microsoft.com/office/drawing/2014/main" id="{176D3091-C300-4B31-BD3A-A772393F2439}"/>
+              </a:ext>
+            </a:extLst>
+          </p:cNvPr>
+          <p:cNvSpPr txBox="1"/>
+          <p:nvPr/>
+        </p:nvSpPr>
+        <p:spPr>
+          <a:xfrm>
+            <a:off x="6788085" y="2141403"/>
+            <a:ext cx="301686" cy="369332"/>
+          </a:xfrm>
+          <a:prstGeom prst="rect">
+            <a:avLst/>
+          </a:prstGeom>
+          <a:noFill/>
+        </p:spPr>
+        <p:txBody>
+          <a:bodyPr wrap="none" rtlCol="0">
+            <a:spAutoFit/>
+          </a:bodyPr>
+          <a:lstStyle/>
+          <a:p>
+            <a:r>
+              <a:rPr lang="en-GB" dirty="0"/>
+              <a:t>4</a:t>
+            </a:r>
+          </a:p>
+        </p:txBody>
+      </p:sp>
+      <p:sp>
+        <p:nvSpPr>
+          <p:cNvPr id="68" name="TextBox 67">
+            <a:extLst>
+              <a:ext uri="{FF2B5EF4-FFF2-40B4-BE49-F238E27FC236}">
+                <a16:creationId xmlns:a16="http://schemas.microsoft.com/office/drawing/2014/main" id="{CBC945EE-5DE6-47DB-B38F-2D2F3DFE4187}"/>
+              </a:ext>
+            </a:extLst>
+          </p:cNvPr>
+          <p:cNvSpPr txBox="1"/>
+          <p:nvPr/>
+        </p:nvSpPr>
+        <p:spPr>
+          <a:xfrm>
+            <a:off x="8453555" y="2149537"/>
+            <a:ext cx="301686" cy="369332"/>
+          </a:xfrm>
+          <a:prstGeom prst="rect">
+            <a:avLst/>
+          </a:prstGeom>
+          <a:noFill/>
+        </p:spPr>
+        <p:txBody>
+          <a:bodyPr wrap="none" rtlCol="0">
+            <a:spAutoFit/>
+          </a:bodyPr>
+          <a:lstStyle/>
+          <a:p>
+            <a:r>
+              <a:rPr lang="en-GB" dirty="0"/>
+              <a:t>9</a:t>
+            </a:r>
+          </a:p>
+        </p:txBody>
+      </p:sp>
+      <p:sp>
+        <p:nvSpPr>
+          <p:cNvPr id="69" name="TextBox 68">
+            <a:extLst>
+              <a:ext uri="{FF2B5EF4-FFF2-40B4-BE49-F238E27FC236}">
+                <a16:creationId xmlns:a16="http://schemas.microsoft.com/office/drawing/2014/main" id="{1E5C96A7-80A9-459A-BCAB-29C4C02FE4E7}"/>
+              </a:ext>
+            </a:extLst>
+          </p:cNvPr>
+          <p:cNvSpPr txBox="1"/>
+          <p:nvPr/>
+        </p:nvSpPr>
+        <p:spPr>
+          <a:xfrm>
+            <a:off x="11198236" y="2157230"/>
+            <a:ext cx="301686" cy="369332"/>
+          </a:xfrm>
+          <a:prstGeom prst="rect">
+            <a:avLst/>
+          </a:prstGeom>
+          <a:noFill/>
+        </p:spPr>
+        <p:txBody>
+          <a:bodyPr wrap="none" rtlCol="0">
+            <a:spAutoFit/>
+          </a:bodyPr>
+          <a:lstStyle/>
+          <a:p>
+            <a:r>
+              <a:rPr lang="en-GB" dirty="0"/>
+              <a:t>7</a:t>
+            </a:r>
+          </a:p>
+        </p:txBody>
+      </p:sp>
+      <p:sp>
+        <p:nvSpPr>
+          <p:cNvPr id="70" name="Rectangle: Rounded Corners 69">
+            <a:extLst>
+              <a:ext uri="{FF2B5EF4-FFF2-40B4-BE49-F238E27FC236}">
+                <a16:creationId xmlns:a16="http://schemas.microsoft.com/office/drawing/2014/main" id="{E61067AB-EE6D-4E87-9D0D-B57A068F6515}"/>
               </a:ext>
             </a:extLst>
           </p:cNvPr>
@@ -5030,24 +8824,24 @@
         </p:nvSpPr>
         <p:spPr>
           <a:xfrm>
-            <a:off x="876291" y="2294399"/>
-            <a:ext cx="727915" cy="721160"/>
-          </a:xfrm>
-          <a:prstGeom prst="rect">
+            <a:off x="172451" y="147553"/>
+            <a:ext cx="1594544" cy="369332"/>
+          </a:xfrm>
+          <a:prstGeom prst="roundRect">
             <a:avLst/>
           </a:prstGeom>
         </p:spPr>
         <p:style>
           <a:lnRef idx="2">
-            <a:schemeClr val="accent6">
+            <a:schemeClr val="accent1">
               <a:shade val="50000"/>
             </a:schemeClr>
           </a:lnRef>
           <a:fillRef idx="1">
-            <a:schemeClr val="accent6"/>
+            <a:schemeClr val="accent1"/>
           </a:fillRef>
           <a:effectRef idx="0">
-            <a:schemeClr val="accent6"/>
+            <a:schemeClr val="accent1"/>
           </a:effectRef>
           <a:fontRef idx="minor">
             <a:schemeClr val="lt1"/>
@@ -5064,10 +8858,121 @@
       </p:sp>
       <p:sp>
         <p:nvSpPr>
-          <p:cNvPr id="32" name="Rectangle 31">
-            <a:extLst>
-              <a:ext uri="{FF2B5EF4-FFF2-40B4-BE49-F238E27FC236}">
-                <a16:creationId xmlns:a16="http://schemas.microsoft.com/office/drawing/2014/main" id="{FFCE9364-3788-4860-81BE-1385B0784E1C}"/>
+          <p:cNvPr id="71" name="TextBox 70">
+            <a:extLst>
+              <a:ext uri="{FF2B5EF4-FFF2-40B4-BE49-F238E27FC236}">
+                <a16:creationId xmlns:a16="http://schemas.microsoft.com/office/drawing/2014/main" id="{D50459A9-C6BD-49B7-8D6C-509F0C7EAD56}"/>
+              </a:ext>
+            </a:extLst>
+          </p:cNvPr>
+          <p:cNvSpPr txBox="1"/>
+          <p:nvPr/>
+        </p:nvSpPr>
+        <p:spPr>
+          <a:xfrm>
+            <a:off x="172454" y="192343"/>
+            <a:ext cx="1594541" cy="261610"/>
+          </a:xfrm>
+          <a:prstGeom prst="rect">
+            <a:avLst/>
+          </a:prstGeom>
+          <a:noFill/>
+        </p:spPr>
+        <p:txBody>
+          <a:bodyPr wrap="square" rtlCol="0">
+            <a:spAutoFit/>
+          </a:bodyPr>
+          <a:lstStyle/>
+          <a:p>
+            <a:pPr algn="ctr"/>
+            <a:r>
+              <a:rPr lang="en-GB" sz="1100" dirty="0">
+                <a:solidFill>
+                  <a:schemeClr val="bg1"/>
+                </a:solidFill>
+              </a:rPr>
+              <a:t>Toggle: Topic/Sentiment</a:t>
+            </a:r>
+          </a:p>
+        </p:txBody>
+      </p:sp>
+      <p:sp>
+        <p:nvSpPr>
+          <p:cNvPr id="2" name="TextBox 1">
+            <a:extLst>
+              <a:ext uri="{FF2B5EF4-FFF2-40B4-BE49-F238E27FC236}">
+                <a16:creationId xmlns:a16="http://schemas.microsoft.com/office/drawing/2014/main" id="{CA55914D-CEAC-4F17-AB44-8409E21C3C18}"/>
+              </a:ext>
+            </a:extLst>
+          </p:cNvPr>
+          <p:cNvSpPr txBox="1"/>
+          <p:nvPr/>
+        </p:nvSpPr>
+        <p:spPr>
+          <a:xfrm rot="17739365">
+            <a:off x="9279434" y="4002855"/>
+            <a:ext cx="1441036" cy="276999"/>
+          </a:xfrm>
+          <a:prstGeom prst="rect">
+            <a:avLst/>
+          </a:prstGeom>
+          <a:noFill/>
+        </p:spPr>
+        <p:txBody>
+          <a:bodyPr wrap="none" rtlCol="0">
+            <a:spAutoFit/>
+          </a:bodyPr>
+          <a:lstStyle/>
+          <a:p>
+            <a:r>
+              <a:rPr lang="en-GB" sz="1200" dirty="0"/>
+              <a:t>Parliament in recess</a:t>
+            </a:r>
+          </a:p>
+        </p:txBody>
+      </p:sp>
+      <p:sp>
+        <p:nvSpPr>
+          <p:cNvPr id="72" name="TextBox 71">
+            <a:extLst>
+              <a:ext uri="{FF2B5EF4-FFF2-40B4-BE49-F238E27FC236}">
+                <a16:creationId xmlns:a16="http://schemas.microsoft.com/office/drawing/2014/main" id="{BEE4FB12-2034-4A6B-88E4-58461801753C}"/>
+              </a:ext>
+            </a:extLst>
+          </p:cNvPr>
+          <p:cNvSpPr txBox="1"/>
+          <p:nvPr/>
+        </p:nvSpPr>
+        <p:spPr>
+          <a:xfrm>
+            <a:off x="6424969" y="5196188"/>
+            <a:ext cx="1314034" cy="369332"/>
+          </a:xfrm>
+          <a:prstGeom prst="rect">
+            <a:avLst/>
+          </a:prstGeom>
+          <a:noFill/>
+        </p:spPr>
+        <p:txBody>
+          <a:bodyPr wrap="square" rtlCol="0">
+            <a:spAutoFit/>
+          </a:bodyPr>
+          <a:lstStyle/>
+          <a:p>
+            <a:pPr algn="ctr"/>
+            <a:r>
+              <a:rPr lang="en-GB" dirty="0"/>
+              <a:t>Sentiment</a:t>
+            </a:r>
+          </a:p>
+        </p:txBody>
+      </p:sp>
+      <p:sp>
+        <p:nvSpPr>
+          <p:cNvPr id="75" name="Rectangle: Rounded Corners 74">
+            <a:extLst>
+              <a:ext uri="{FF2B5EF4-FFF2-40B4-BE49-F238E27FC236}">
+                <a16:creationId xmlns:a16="http://schemas.microsoft.com/office/drawing/2014/main" id="{24206795-EFD1-4DCF-ACAC-13FC0BE0A71C}"/>
               </a:ext>
             </a:extLst>
           </p:cNvPr>
@@ -5076,24 +8981,24 @@
         </p:nvSpPr>
         <p:spPr>
           <a:xfrm>
-            <a:off x="2302709" y="4339923"/>
-            <a:ext cx="727915" cy="497137"/>
-          </a:xfrm>
-          <a:prstGeom prst="rect">
+            <a:off x="5051627" y="716983"/>
+            <a:ext cx="1989221" cy="433137"/>
+          </a:xfrm>
+          <a:prstGeom prst="roundRect">
             <a:avLst/>
           </a:prstGeom>
         </p:spPr>
         <p:style>
           <a:lnRef idx="2">
-            <a:schemeClr val="accent2">
+            <a:schemeClr val="accent1">
               <a:shade val="50000"/>
             </a:schemeClr>
           </a:lnRef>
           <a:fillRef idx="1">
-            <a:schemeClr val="accent2"/>
+            <a:schemeClr val="accent1"/>
           </a:fillRef>
           <a:effectRef idx="0">
-            <a:schemeClr val="accent2"/>
+            <a:schemeClr val="accent1"/>
           </a:effectRef>
           <a:fontRef idx="minor">
             <a:schemeClr val="lt1"/>
@@ -5110,10 +9015,50 @@
       </p:sp>
       <p:sp>
         <p:nvSpPr>
-          <p:cNvPr id="33" name="Rectangle 32">
-            <a:extLst>
-              <a:ext uri="{FF2B5EF4-FFF2-40B4-BE49-F238E27FC236}">
-                <a16:creationId xmlns:a16="http://schemas.microsoft.com/office/drawing/2014/main" id="{AB7021F1-4788-47EB-A058-9728C8ECB05C}"/>
+          <p:cNvPr id="76" name="TextBox 75">
+            <a:extLst>
+              <a:ext uri="{FF2B5EF4-FFF2-40B4-BE49-F238E27FC236}">
+                <a16:creationId xmlns:a16="http://schemas.microsoft.com/office/drawing/2014/main" id="{B21811AC-55B8-4FAE-AF8B-B1F038CAE214}"/>
+              </a:ext>
+            </a:extLst>
+          </p:cNvPr>
+          <p:cNvSpPr txBox="1"/>
+          <p:nvPr/>
+        </p:nvSpPr>
+        <p:spPr>
+          <a:xfrm>
+            <a:off x="5252152" y="733024"/>
+            <a:ext cx="1655459" cy="369332"/>
+          </a:xfrm>
+          <a:prstGeom prst="rect">
+            <a:avLst/>
+          </a:prstGeom>
+          <a:noFill/>
+        </p:spPr>
+        <p:txBody>
+          <a:bodyPr wrap="square" rtlCol="0">
+            <a:spAutoFit/>
+          </a:bodyPr>
+          <a:lstStyle/>
+          <a:p>
+            <a:pPr algn="ctr"/>
+            <a:r>
+              <a:rPr lang="en-GB" dirty="0">
+                <a:solidFill>
+                  <a:schemeClr val="bg1"/>
+                </a:solidFill>
+              </a:rPr>
+              <a:t>Filter -- Speaker</a:t>
+            </a:r>
+          </a:p>
+        </p:txBody>
+      </p:sp>
+      <p:sp>
+        <p:nvSpPr>
+          <p:cNvPr id="73" name="Rectangle 72">
+            <a:extLst>
+              <a:ext uri="{FF2B5EF4-FFF2-40B4-BE49-F238E27FC236}">
+                <a16:creationId xmlns:a16="http://schemas.microsoft.com/office/drawing/2014/main" id="{833B069C-AC1E-46B7-8C3D-1A2753ED63C5}"/>
               </a:ext>
             </a:extLst>
           </p:cNvPr>
@@ -5122,8 +9067,8 @@
         </p:nvSpPr>
         <p:spPr>
           <a:xfrm>
-            <a:off x="2302706" y="3273060"/>
-            <a:ext cx="727915" cy="1050094"/>
+            <a:off x="1017195" y="3547042"/>
+            <a:ext cx="201832" cy="1277989"/>
           </a:xfrm>
           <a:prstGeom prst="rect">
             <a:avLst/>
@@ -5156,10 +9101,10 @@
       </p:sp>
       <p:sp>
         <p:nvSpPr>
-          <p:cNvPr id="34" name="Rectangle 33">
-            <a:extLst>
-              <a:ext uri="{FF2B5EF4-FFF2-40B4-BE49-F238E27FC236}">
-                <a16:creationId xmlns:a16="http://schemas.microsoft.com/office/drawing/2014/main" id="{B2F7CB35-E529-46BD-84E9-669A73C1899B}"/>
+          <p:cNvPr id="74" name="Rectangle 73">
+            <a:extLst>
+              <a:ext uri="{FF2B5EF4-FFF2-40B4-BE49-F238E27FC236}">
+                <a16:creationId xmlns:a16="http://schemas.microsoft.com/office/drawing/2014/main" id="{90AF28AA-3C14-4C61-9951-0BB26877DA1C}"/>
               </a:ext>
             </a:extLst>
           </p:cNvPr>
@@ -5168,100 +9113,8 @@
         </p:nvSpPr>
         <p:spPr>
           <a:xfrm>
-            <a:off x="2302706" y="2775922"/>
-            <a:ext cx="727915" cy="497137"/>
-          </a:xfrm>
-          <a:prstGeom prst="rect">
-            <a:avLst/>
-          </a:prstGeom>
-        </p:spPr>
-        <p:style>
-          <a:lnRef idx="2">
-            <a:schemeClr val="accent6">
-              <a:shade val="50000"/>
-            </a:schemeClr>
-          </a:lnRef>
-          <a:fillRef idx="1">
-            <a:schemeClr val="accent6"/>
-          </a:fillRef>
-          <a:effectRef idx="0">
-            <a:schemeClr val="accent6"/>
-          </a:effectRef>
-          <a:fontRef idx="minor">
-            <a:schemeClr val="lt1"/>
-          </a:fontRef>
-        </p:style>
-        <p:txBody>
-          <a:bodyPr rtlCol="0" anchor="ctr"/>
-          <a:lstStyle/>
-          <a:p>
-            <a:pPr algn="ctr"/>
-            <a:endParaRPr lang="en-GB"/>
-          </a:p>
-        </p:txBody>
-      </p:sp>
-      <p:sp>
-        <p:nvSpPr>
-          <p:cNvPr id="35" name="Rectangle 34">
-            <a:extLst>
-              <a:ext uri="{FF2B5EF4-FFF2-40B4-BE49-F238E27FC236}">
-                <a16:creationId xmlns:a16="http://schemas.microsoft.com/office/drawing/2014/main" id="{F0BBFC74-5257-4AFD-B930-B458F3346453}"/>
-              </a:ext>
-            </a:extLst>
-          </p:cNvPr>
-          <p:cNvSpPr/>
-          <p:nvPr/>
-        </p:nvSpPr>
-        <p:spPr>
-          <a:xfrm>
-            <a:off x="3729128" y="3529100"/>
-            <a:ext cx="727915" cy="1290818"/>
-          </a:xfrm>
-          <a:prstGeom prst="rect">
-            <a:avLst/>
-          </a:prstGeom>
-        </p:spPr>
-        <p:style>
-          <a:lnRef idx="2">
-            <a:schemeClr val="accent2">
-              <a:shade val="50000"/>
-            </a:schemeClr>
-          </a:lnRef>
-          <a:fillRef idx="1">
-            <a:schemeClr val="accent2"/>
-          </a:fillRef>
-          <a:effectRef idx="0">
-            <a:schemeClr val="accent2"/>
-          </a:effectRef>
-          <a:fontRef idx="minor">
-            <a:schemeClr val="lt1"/>
-          </a:fontRef>
-        </p:style>
-        <p:txBody>
-          <a:bodyPr rtlCol="0" anchor="ctr"/>
-          <a:lstStyle/>
-          <a:p>
-            <a:pPr algn="ctr"/>
-            <a:endParaRPr lang="en-GB"/>
-          </a:p>
-        </p:txBody>
-      </p:sp>
-      <p:sp>
-        <p:nvSpPr>
-          <p:cNvPr id="36" name="Rectangle 35">
-            <a:extLst>
-              <a:ext uri="{FF2B5EF4-FFF2-40B4-BE49-F238E27FC236}">
-                <a16:creationId xmlns:a16="http://schemas.microsoft.com/office/drawing/2014/main" id="{D653FB8D-5CF6-48D9-87A8-E5439B2FAD7B}"/>
-              </a:ext>
-            </a:extLst>
-          </p:cNvPr>
-          <p:cNvSpPr/>
-          <p:nvPr/>
-        </p:nvSpPr>
-        <p:spPr>
-          <a:xfrm>
-            <a:off x="3729127" y="3273058"/>
-            <a:ext cx="727915" cy="256041"/>
+            <a:off x="1302239" y="2775922"/>
+            <a:ext cx="201832" cy="2056375"/>
           </a:xfrm>
           <a:prstGeom prst="rect">
             <a:avLst/>
@@ -5288,16 +9141,16 @@
           <a:lstStyle/>
           <a:p>
             <a:pPr algn="ctr"/>
-            <a:endParaRPr lang="en-GB"/>
-          </a:p>
-        </p:txBody>
-      </p:sp>
-      <p:sp>
-        <p:nvSpPr>
-          <p:cNvPr id="37" name="Rectangle 36">
-            <a:extLst>
-              <a:ext uri="{FF2B5EF4-FFF2-40B4-BE49-F238E27FC236}">
-                <a16:creationId xmlns:a16="http://schemas.microsoft.com/office/drawing/2014/main" id="{D822F004-4342-4B5F-8239-A0921888A574}"/>
+            <a:endParaRPr lang="en-GB" dirty="0"/>
+          </a:p>
+        </p:txBody>
+      </p:sp>
+      <p:sp>
+        <p:nvSpPr>
+          <p:cNvPr id="77" name="Rectangle 76">
+            <a:extLst>
+              <a:ext uri="{FF2B5EF4-FFF2-40B4-BE49-F238E27FC236}">
+                <a16:creationId xmlns:a16="http://schemas.microsoft.com/office/drawing/2014/main" id="{0DD34039-F2FE-4B87-B728-78805595D02C}"/>
               </a:ext>
             </a:extLst>
           </p:cNvPr>
@@ -5306,100 +9159,8 @@
         </p:nvSpPr>
         <p:spPr>
           <a:xfrm>
-            <a:off x="3729120" y="2871454"/>
-            <a:ext cx="727915" cy="384653"/>
-          </a:xfrm>
-          <a:prstGeom prst="rect">
-            <a:avLst/>
-          </a:prstGeom>
-        </p:spPr>
-        <p:style>
-          <a:lnRef idx="2">
-            <a:schemeClr val="accent6">
-              <a:shade val="50000"/>
-            </a:schemeClr>
-          </a:lnRef>
-          <a:fillRef idx="1">
-            <a:schemeClr val="accent6"/>
-          </a:fillRef>
-          <a:effectRef idx="0">
-            <a:schemeClr val="accent6"/>
-          </a:effectRef>
-          <a:fontRef idx="minor">
-            <a:schemeClr val="lt1"/>
-          </a:fontRef>
-        </p:style>
-        <p:txBody>
-          <a:bodyPr rtlCol="0" anchor="ctr"/>
-          <a:lstStyle/>
-          <a:p>
-            <a:pPr algn="ctr"/>
-            <a:endParaRPr lang="en-GB"/>
-          </a:p>
-        </p:txBody>
-      </p:sp>
-      <p:sp>
-        <p:nvSpPr>
-          <p:cNvPr id="38" name="Rectangle 37">
-            <a:extLst>
-              <a:ext uri="{FF2B5EF4-FFF2-40B4-BE49-F238E27FC236}">
-                <a16:creationId xmlns:a16="http://schemas.microsoft.com/office/drawing/2014/main" id="{1885161B-8080-4842-99C5-A8A685D4B71E}"/>
-              </a:ext>
-            </a:extLst>
-          </p:cNvPr>
-          <p:cNvSpPr/>
-          <p:nvPr/>
-        </p:nvSpPr>
-        <p:spPr>
-          <a:xfrm>
-            <a:off x="5155535" y="4098758"/>
-            <a:ext cx="727915" cy="721160"/>
-          </a:xfrm>
-          <a:prstGeom prst="rect">
-            <a:avLst/>
-          </a:prstGeom>
-        </p:spPr>
-        <p:style>
-          <a:lnRef idx="2">
-            <a:schemeClr val="accent2">
-              <a:shade val="50000"/>
-            </a:schemeClr>
-          </a:lnRef>
-          <a:fillRef idx="1">
-            <a:schemeClr val="accent2"/>
-          </a:fillRef>
-          <a:effectRef idx="0">
-            <a:schemeClr val="accent2"/>
-          </a:effectRef>
-          <a:fontRef idx="minor">
-            <a:schemeClr val="lt1"/>
-          </a:fontRef>
-        </p:style>
-        <p:txBody>
-          <a:bodyPr rtlCol="0" anchor="ctr"/>
-          <a:lstStyle/>
-          <a:p>
-            <a:pPr algn="ctr"/>
-            <a:endParaRPr lang="en-GB"/>
-          </a:p>
-        </p:txBody>
-      </p:sp>
-      <p:sp>
-        <p:nvSpPr>
-          <p:cNvPr id="39" name="Rectangle 38">
-            <a:extLst>
-              <a:ext uri="{FF2B5EF4-FFF2-40B4-BE49-F238E27FC236}">
-                <a16:creationId xmlns:a16="http://schemas.microsoft.com/office/drawing/2014/main" id="{7DB1EA7F-8F84-45FE-BE25-A3D6571FC434}"/>
-              </a:ext>
-            </a:extLst>
-          </p:cNvPr>
-          <p:cNvSpPr/>
-          <p:nvPr/>
-        </p:nvSpPr>
-        <p:spPr>
-          <a:xfrm>
-            <a:off x="5155534" y="3015559"/>
-            <a:ext cx="727915" cy="1516512"/>
+            <a:off x="1595549" y="4401111"/>
+            <a:ext cx="201832" cy="433137"/>
           </a:xfrm>
           <a:prstGeom prst="rect">
             <a:avLst/>
@@ -5432,10 +9193,10 @@
       </p:sp>
       <p:sp>
         <p:nvSpPr>
-          <p:cNvPr id="40" name="Rectangle 39">
-            <a:extLst>
-              <a:ext uri="{FF2B5EF4-FFF2-40B4-BE49-F238E27FC236}">
-                <a16:creationId xmlns:a16="http://schemas.microsoft.com/office/drawing/2014/main" id="{240B0695-B073-4346-A666-003D7892EA2D}"/>
+          <p:cNvPr id="78" name="Rectangle 77">
+            <a:extLst>
+              <a:ext uri="{FF2B5EF4-FFF2-40B4-BE49-F238E27FC236}">
+                <a16:creationId xmlns:a16="http://schemas.microsoft.com/office/drawing/2014/main" id="{E5CD8A4A-D49B-4A8A-AD0E-E6C5F95C10A0}"/>
               </a:ext>
             </a:extLst>
           </p:cNvPr>
@@ -5444,146 +9205,8 @@
         </p:nvSpPr>
         <p:spPr>
           <a:xfrm>
-            <a:off x="5155534" y="2727666"/>
-            <a:ext cx="727915" cy="272689"/>
-          </a:xfrm>
-          <a:prstGeom prst="rect">
-            <a:avLst/>
-          </a:prstGeom>
-        </p:spPr>
-        <p:style>
-          <a:lnRef idx="2">
-            <a:schemeClr val="accent6">
-              <a:shade val="50000"/>
-            </a:schemeClr>
-          </a:lnRef>
-          <a:fillRef idx="1">
-            <a:schemeClr val="accent6"/>
-          </a:fillRef>
-          <a:effectRef idx="0">
-            <a:schemeClr val="accent6"/>
-          </a:effectRef>
-          <a:fontRef idx="minor">
-            <a:schemeClr val="lt1"/>
-          </a:fontRef>
-        </p:style>
-        <p:txBody>
-          <a:bodyPr rtlCol="0" anchor="ctr"/>
-          <a:lstStyle/>
-          <a:p>
-            <a:pPr algn="ctr"/>
-            <a:endParaRPr lang="en-GB"/>
-          </a:p>
-        </p:txBody>
-      </p:sp>
-      <p:sp>
-        <p:nvSpPr>
-          <p:cNvPr id="41" name="Rectangle 40">
-            <a:extLst>
-              <a:ext uri="{FF2B5EF4-FFF2-40B4-BE49-F238E27FC236}">
-                <a16:creationId xmlns:a16="http://schemas.microsoft.com/office/drawing/2014/main" id="{7BE71F58-E6D3-4E06-A9A4-3AFF4142ADCA}"/>
-              </a:ext>
-            </a:extLst>
-          </p:cNvPr>
-          <p:cNvSpPr/>
-          <p:nvPr/>
-        </p:nvSpPr>
-        <p:spPr>
-          <a:xfrm>
-            <a:off x="6581941" y="4098758"/>
-            <a:ext cx="727915" cy="721160"/>
-          </a:xfrm>
-          <a:prstGeom prst="rect">
-            <a:avLst/>
-          </a:prstGeom>
-        </p:spPr>
-        <p:style>
-          <a:lnRef idx="2">
-            <a:schemeClr val="accent2">
-              <a:shade val="50000"/>
-            </a:schemeClr>
-          </a:lnRef>
-          <a:fillRef idx="1">
-            <a:schemeClr val="accent2"/>
-          </a:fillRef>
-          <a:effectRef idx="0">
-            <a:schemeClr val="accent2"/>
-          </a:effectRef>
-          <a:fontRef idx="minor">
-            <a:schemeClr val="lt1"/>
-          </a:fontRef>
-        </p:style>
-        <p:txBody>
-          <a:bodyPr rtlCol="0" anchor="ctr"/>
-          <a:lstStyle/>
-          <a:p>
-            <a:pPr algn="ctr"/>
-            <a:endParaRPr lang="en-GB"/>
-          </a:p>
-        </p:txBody>
-      </p:sp>
-      <p:sp>
-        <p:nvSpPr>
-          <p:cNvPr id="44" name="Rectangle 43">
-            <a:extLst>
-              <a:ext uri="{FF2B5EF4-FFF2-40B4-BE49-F238E27FC236}">
-                <a16:creationId xmlns:a16="http://schemas.microsoft.com/office/drawing/2014/main" id="{1924DDD8-CA42-4547-A5BB-CFB41B0DFB35}"/>
-              </a:ext>
-            </a:extLst>
-          </p:cNvPr>
-          <p:cNvSpPr/>
-          <p:nvPr/>
-        </p:nvSpPr>
-        <p:spPr>
-          <a:xfrm>
-            <a:off x="8008345" y="4098758"/>
-            <a:ext cx="727915" cy="721160"/>
-          </a:xfrm>
-          <a:prstGeom prst="rect">
-            <a:avLst/>
-          </a:prstGeom>
-        </p:spPr>
-        <p:style>
-          <a:lnRef idx="2">
-            <a:schemeClr val="accent2">
-              <a:shade val="50000"/>
-            </a:schemeClr>
-          </a:lnRef>
-          <a:fillRef idx="1">
-            <a:schemeClr val="accent2"/>
-          </a:fillRef>
-          <a:effectRef idx="0">
-            <a:schemeClr val="accent2"/>
-          </a:effectRef>
-          <a:fontRef idx="minor">
-            <a:schemeClr val="lt1"/>
-          </a:fontRef>
-        </p:style>
-        <p:txBody>
-          <a:bodyPr rtlCol="0" anchor="ctr"/>
-          <a:lstStyle/>
-          <a:p>
-            <a:pPr algn="ctr"/>
-            <a:endParaRPr lang="en-GB"/>
-          </a:p>
-        </p:txBody>
-      </p:sp>
-      <p:sp>
-        <p:nvSpPr>
-          <p:cNvPr id="45" name="Rectangle 44">
-            <a:extLst>
-              <a:ext uri="{FF2B5EF4-FFF2-40B4-BE49-F238E27FC236}">
-                <a16:creationId xmlns:a16="http://schemas.microsoft.com/office/drawing/2014/main" id="{3DC45481-DDD8-4A0B-AFE0-AC6CB34AC8FD}"/>
-              </a:ext>
-            </a:extLst>
-          </p:cNvPr>
-          <p:cNvSpPr/>
-          <p:nvPr/>
-        </p:nvSpPr>
-        <p:spPr>
-          <a:xfrm>
-            <a:off x="8008344" y="3680939"/>
-            <a:ext cx="727915" cy="1035437"/>
+            <a:off x="5125321" y="3054795"/>
+            <a:ext cx="201832" cy="1777203"/>
           </a:xfrm>
           <a:prstGeom prst="rect">
             <a:avLst/>
@@ -5616,10 +9239,10 @@
       </p:sp>
       <p:sp>
         <p:nvSpPr>
-          <p:cNvPr id="46" name="Rectangle 45">
-            <a:extLst>
-              <a:ext uri="{FF2B5EF4-FFF2-40B4-BE49-F238E27FC236}">
-                <a16:creationId xmlns:a16="http://schemas.microsoft.com/office/drawing/2014/main" id="{824EBBFD-C5D7-4150-9F91-479504755DB8}"/>
+          <p:cNvPr id="79" name="Rectangle 78">
+            <a:extLst>
+              <a:ext uri="{FF2B5EF4-FFF2-40B4-BE49-F238E27FC236}">
+                <a16:creationId xmlns:a16="http://schemas.microsoft.com/office/drawing/2014/main" id="{DB7B316B-3863-4298-9E0C-C13711E1FEBF}"/>
               </a:ext>
             </a:extLst>
           </p:cNvPr>
@@ -5628,54 +9251,8 @@
         </p:nvSpPr>
         <p:spPr>
           <a:xfrm>
-            <a:off x="8008344" y="2951776"/>
-            <a:ext cx="727915" cy="721156"/>
-          </a:xfrm>
-          <a:prstGeom prst="rect">
-            <a:avLst/>
-          </a:prstGeom>
-        </p:spPr>
-        <p:style>
-          <a:lnRef idx="2">
-            <a:schemeClr val="accent6">
-              <a:shade val="50000"/>
-            </a:schemeClr>
-          </a:lnRef>
-          <a:fillRef idx="1">
-            <a:schemeClr val="accent6"/>
-          </a:fillRef>
-          <a:effectRef idx="0">
-            <a:schemeClr val="accent6"/>
-          </a:effectRef>
-          <a:fontRef idx="minor">
-            <a:schemeClr val="lt1"/>
-          </a:fontRef>
-        </p:style>
-        <p:txBody>
-          <a:bodyPr rtlCol="0" anchor="ctr"/>
-          <a:lstStyle/>
-          <a:p>
-            <a:pPr algn="ctr"/>
-            <a:endParaRPr lang="en-GB"/>
-          </a:p>
-        </p:txBody>
-      </p:sp>
-      <p:sp>
-        <p:nvSpPr>
-          <p:cNvPr id="51" name="Rectangle 50">
-            <a:extLst>
-              <a:ext uri="{FF2B5EF4-FFF2-40B4-BE49-F238E27FC236}">
-                <a16:creationId xmlns:a16="http://schemas.microsoft.com/office/drawing/2014/main" id="{9B009E4F-6F9F-4FAD-8B91-E7E7FD937F33}"/>
-              </a:ext>
-            </a:extLst>
-          </p:cNvPr>
-          <p:cNvSpPr/>
-          <p:nvPr/>
-        </p:nvSpPr>
-        <p:spPr>
-          <a:xfrm>
-            <a:off x="10865179" y="3721045"/>
-            <a:ext cx="727915" cy="1098517"/>
+            <a:off x="5463543" y="3054795"/>
+            <a:ext cx="201832" cy="1770236"/>
           </a:xfrm>
           <a:prstGeom prst="rect">
             <a:avLst/>
@@ -5708,10 +9285,10 @@
       </p:sp>
       <p:sp>
         <p:nvSpPr>
-          <p:cNvPr id="52" name="Rectangle 51">
-            <a:extLst>
-              <a:ext uri="{FF2B5EF4-FFF2-40B4-BE49-F238E27FC236}">
-                <a16:creationId xmlns:a16="http://schemas.microsoft.com/office/drawing/2014/main" id="{DE3EA6CC-674D-41A9-9313-0D4D24BDE39C}"/>
+          <p:cNvPr id="81" name="Rectangle 80">
+            <a:extLst>
+              <a:ext uri="{FF2B5EF4-FFF2-40B4-BE49-F238E27FC236}">
+                <a16:creationId xmlns:a16="http://schemas.microsoft.com/office/drawing/2014/main" id="{AF0E0B3F-687B-4460-BAB0-394E560ABCD3}"/>
               </a:ext>
             </a:extLst>
           </p:cNvPr>
@@ -5720,8 +9297,8 @@
         </p:nvSpPr>
         <p:spPr>
           <a:xfrm>
-            <a:off x="10865179" y="3352999"/>
-            <a:ext cx="727915" cy="352199"/>
+            <a:off x="5793292" y="3883410"/>
+            <a:ext cx="201832" cy="943021"/>
           </a:xfrm>
           <a:prstGeom prst="rect">
             <a:avLst/>
@@ -5729,15 +9306,15 @@
         </p:spPr>
         <p:style>
           <a:lnRef idx="2">
-            <a:schemeClr val="accent6">
+            <a:schemeClr val="accent3">
               <a:shade val="50000"/>
             </a:schemeClr>
           </a:lnRef>
           <a:fillRef idx="1">
-            <a:schemeClr val="accent6"/>
+            <a:schemeClr val="accent3"/>
           </a:fillRef>
           <a:effectRef idx="0">
-            <a:schemeClr val="accent6"/>
+            <a:schemeClr val="accent3"/>
           </a:effectRef>
           <a:fontRef idx="minor">
             <a:schemeClr val="lt1"/>
@@ -5754,570 +9331,10 @@
       </p:sp>
       <p:sp>
         <p:nvSpPr>
-          <p:cNvPr id="54" name="TextBox 53">
-            <a:extLst>
-              <a:ext uri="{FF2B5EF4-FFF2-40B4-BE49-F238E27FC236}">
-                <a16:creationId xmlns:a16="http://schemas.microsoft.com/office/drawing/2014/main" id="{788348DF-F23C-4373-92AB-C3E6734809EE}"/>
-              </a:ext>
-            </a:extLst>
-          </p:cNvPr>
-          <p:cNvSpPr txBox="1"/>
-          <p:nvPr/>
-        </p:nvSpPr>
-        <p:spPr>
-          <a:xfrm>
-            <a:off x="713501" y="4850926"/>
-            <a:ext cx="1053494" cy="307777"/>
-          </a:xfrm>
-          <a:prstGeom prst="rect">
-            <a:avLst/>
-          </a:prstGeom>
-          <a:noFill/>
-        </p:spPr>
-        <p:txBody>
-          <a:bodyPr wrap="none" rtlCol="0">
-            <a:spAutoFit/>
-          </a:bodyPr>
-          <a:lstStyle/>
-          <a:p>
-            <a:r>
-              <a:rPr lang="en-GB" sz="1400" dirty="0"/>
-              <a:t>04/01/2016</a:t>
-            </a:r>
-          </a:p>
-        </p:txBody>
-      </p:sp>
-      <p:sp>
-        <p:nvSpPr>
-          <p:cNvPr id="55" name="TextBox 54">
-            <a:extLst>
-              <a:ext uri="{FF2B5EF4-FFF2-40B4-BE49-F238E27FC236}">
-                <a16:creationId xmlns:a16="http://schemas.microsoft.com/office/drawing/2014/main" id="{549F7838-BA58-41D5-AFD5-A6ABC76AFF4A}"/>
-              </a:ext>
-            </a:extLst>
-          </p:cNvPr>
-          <p:cNvSpPr txBox="1"/>
-          <p:nvPr/>
-        </p:nvSpPr>
-        <p:spPr>
-          <a:xfrm>
-            <a:off x="2139915" y="4858624"/>
-            <a:ext cx="1053494" cy="307777"/>
-          </a:xfrm>
-          <a:prstGeom prst="rect">
-            <a:avLst/>
-          </a:prstGeom>
-          <a:noFill/>
-        </p:spPr>
-        <p:txBody>
-          <a:bodyPr wrap="none" rtlCol="0">
-            <a:spAutoFit/>
-          </a:bodyPr>
-          <a:lstStyle/>
-          <a:p>
-            <a:r>
-              <a:rPr lang="en-GB" sz="1400" dirty="0"/>
-              <a:t>11/01/2016</a:t>
-            </a:r>
-          </a:p>
-        </p:txBody>
-      </p:sp>
-      <p:sp>
-        <p:nvSpPr>
-          <p:cNvPr id="56" name="TextBox 55">
-            <a:extLst>
-              <a:ext uri="{FF2B5EF4-FFF2-40B4-BE49-F238E27FC236}">
-                <a16:creationId xmlns:a16="http://schemas.microsoft.com/office/drawing/2014/main" id="{B4175D74-0237-463E-9C92-BF1E9C952B97}"/>
-              </a:ext>
-            </a:extLst>
-          </p:cNvPr>
-          <p:cNvSpPr txBox="1"/>
-          <p:nvPr/>
-        </p:nvSpPr>
-        <p:spPr>
-          <a:xfrm>
-            <a:off x="3566330" y="4857774"/>
-            <a:ext cx="1053494" cy="307777"/>
-          </a:xfrm>
-          <a:prstGeom prst="rect">
-            <a:avLst/>
-          </a:prstGeom>
-          <a:noFill/>
-        </p:spPr>
-        <p:txBody>
-          <a:bodyPr wrap="none" rtlCol="0">
-            <a:spAutoFit/>
-          </a:bodyPr>
-          <a:lstStyle/>
-          <a:p>
-            <a:r>
-              <a:rPr lang="en-GB" sz="1400" dirty="0"/>
-              <a:t>18/01/2016</a:t>
-            </a:r>
-          </a:p>
-        </p:txBody>
-      </p:sp>
-      <p:sp>
-        <p:nvSpPr>
-          <p:cNvPr id="57" name="TextBox 56">
-            <a:extLst>
-              <a:ext uri="{FF2B5EF4-FFF2-40B4-BE49-F238E27FC236}">
-                <a16:creationId xmlns:a16="http://schemas.microsoft.com/office/drawing/2014/main" id="{A48F607B-5C55-4994-A6DA-A7B0D9D9AD18}"/>
-              </a:ext>
-            </a:extLst>
-          </p:cNvPr>
-          <p:cNvSpPr txBox="1"/>
-          <p:nvPr/>
-        </p:nvSpPr>
-        <p:spPr>
-          <a:xfrm>
-            <a:off x="4992744" y="4850926"/>
-            <a:ext cx="1053494" cy="307777"/>
-          </a:xfrm>
-          <a:prstGeom prst="rect">
-            <a:avLst/>
-          </a:prstGeom>
-          <a:noFill/>
-        </p:spPr>
-        <p:txBody>
-          <a:bodyPr wrap="none" rtlCol="0">
-            <a:spAutoFit/>
-          </a:bodyPr>
-          <a:lstStyle/>
-          <a:p>
-            <a:r>
-              <a:rPr lang="en-GB" sz="1400" dirty="0"/>
-              <a:t>25/01/2016</a:t>
-            </a:r>
-          </a:p>
-        </p:txBody>
-      </p:sp>
-      <p:sp>
-        <p:nvSpPr>
-          <p:cNvPr id="58" name="TextBox 57">
-            <a:extLst>
-              <a:ext uri="{FF2B5EF4-FFF2-40B4-BE49-F238E27FC236}">
-                <a16:creationId xmlns:a16="http://schemas.microsoft.com/office/drawing/2014/main" id="{90F37AE7-79BA-4055-8118-624AA123FC5C}"/>
-              </a:ext>
-            </a:extLst>
-          </p:cNvPr>
-          <p:cNvSpPr txBox="1"/>
-          <p:nvPr/>
-        </p:nvSpPr>
-        <p:spPr>
-          <a:xfrm>
-            <a:off x="6443548" y="4866204"/>
-            <a:ext cx="1053494" cy="307777"/>
-          </a:xfrm>
-          <a:prstGeom prst="rect">
-            <a:avLst/>
-          </a:prstGeom>
-          <a:noFill/>
-        </p:spPr>
-        <p:txBody>
-          <a:bodyPr wrap="none" rtlCol="0">
-            <a:spAutoFit/>
-          </a:bodyPr>
-          <a:lstStyle/>
-          <a:p>
-            <a:r>
-              <a:rPr lang="en-GB" sz="1400" dirty="0"/>
-              <a:t>01/02/2016</a:t>
-            </a:r>
-          </a:p>
-        </p:txBody>
-      </p:sp>
-      <p:sp>
-        <p:nvSpPr>
-          <p:cNvPr id="59" name="TextBox 58">
-            <a:extLst>
-              <a:ext uri="{FF2B5EF4-FFF2-40B4-BE49-F238E27FC236}">
-                <a16:creationId xmlns:a16="http://schemas.microsoft.com/office/drawing/2014/main" id="{CD320D13-54CA-4166-81C8-430130D7AC26}"/>
-              </a:ext>
-            </a:extLst>
-          </p:cNvPr>
-          <p:cNvSpPr txBox="1"/>
-          <p:nvPr/>
-        </p:nvSpPr>
-        <p:spPr>
-          <a:xfrm>
-            <a:off x="7869962" y="4857774"/>
-            <a:ext cx="1053494" cy="307777"/>
-          </a:xfrm>
-          <a:prstGeom prst="rect">
-            <a:avLst/>
-          </a:prstGeom>
-          <a:noFill/>
-        </p:spPr>
-        <p:txBody>
-          <a:bodyPr wrap="none" rtlCol="0">
-            <a:spAutoFit/>
-          </a:bodyPr>
-          <a:lstStyle/>
-          <a:p>
-            <a:r>
-              <a:rPr lang="en-GB" sz="1400" dirty="0"/>
-              <a:t>08/02/2016</a:t>
-            </a:r>
-          </a:p>
-        </p:txBody>
-      </p:sp>
-      <p:sp>
-        <p:nvSpPr>
-          <p:cNvPr id="60" name="TextBox 59">
-            <a:extLst>
-              <a:ext uri="{FF2B5EF4-FFF2-40B4-BE49-F238E27FC236}">
-                <a16:creationId xmlns:a16="http://schemas.microsoft.com/office/drawing/2014/main" id="{699EB5F0-A289-4DE6-B7F7-318FCE2B97DE}"/>
-              </a:ext>
-            </a:extLst>
-          </p:cNvPr>
-          <p:cNvSpPr txBox="1"/>
-          <p:nvPr/>
-        </p:nvSpPr>
-        <p:spPr>
-          <a:xfrm>
-            <a:off x="9383264" y="4859384"/>
-            <a:ext cx="1053494" cy="307777"/>
-          </a:xfrm>
-          <a:prstGeom prst="rect">
-            <a:avLst/>
-          </a:prstGeom>
-          <a:noFill/>
-        </p:spPr>
-        <p:txBody>
-          <a:bodyPr wrap="none" rtlCol="0">
-            <a:spAutoFit/>
-          </a:bodyPr>
-          <a:lstStyle/>
-          <a:p>
-            <a:r>
-              <a:rPr lang="en-GB" sz="1400" dirty="0"/>
-              <a:t>15/02/2016</a:t>
-            </a:r>
-          </a:p>
-        </p:txBody>
-      </p:sp>
-      <p:sp>
-        <p:nvSpPr>
-          <p:cNvPr id="61" name="TextBox 60">
-            <a:extLst>
-              <a:ext uri="{FF2B5EF4-FFF2-40B4-BE49-F238E27FC236}">
-                <a16:creationId xmlns:a16="http://schemas.microsoft.com/office/drawing/2014/main" id="{07B7E7BA-D942-419B-83B0-AE610256E8DF}"/>
-              </a:ext>
-            </a:extLst>
-          </p:cNvPr>
-          <p:cNvSpPr txBox="1"/>
-          <p:nvPr/>
-        </p:nvSpPr>
-        <p:spPr>
-          <a:xfrm>
-            <a:off x="10745615" y="4866203"/>
-            <a:ext cx="1053494" cy="307777"/>
-          </a:xfrm>
-          <a:prstGeom prst="rect">
-            <a:avLst/>
-          </a:prstGeom>
-          <a:noFill/>
-        </p:spPr>
-        <p:txBody>
-          <a:bodyPr wrap="none" rtlCol="0">
-            <a:spAutoFit/>
-          </a:bodyPr>
-          <a:lstStyle/>
-          <a:p>
-            <a:r>
-              <a:rPr lang="en-GB" sz="1400" dirty="0"/>
-              <a:t>22/02/2016</a:t>
-            </a:r>
-          </a:p>
-        </p:txBody>
-      </p:sp>
-      <p:sp>
-        <p:nvSpPr>
-          <p:cNvPr id="62" name="TextBox 61">
-            <a:extLst>
-              <a:ext uri="{FF2B5EF4-FFF2-40B4-BE49-F238E27FC236}">
-                <a16:creationId xmlns:a16="http://schemas.microsoft.com/office/drawing/2014/main" id="{2BFAB897-B98F-4BA9-B865-C4599A1769AC}"/>
-              </a:ext>
-            </a:extLst>
-          </p:cNvPr>
-          <p:cNvSpPr txBox="1"/>
-          <p:nvPr/>
-        </p:nvSpPr>
-        <p:spPr>
-          <a:xfrm rot="16200000">
-            <a:off x="48913" y="3244334"/>
-            <a:ext cx="748410" cy="369332"/>
-          </a:xfrm>
-          <a:prstGeom prst="rect">
-            <a:avLst/>
-          </a:prstGeom>
-          <a:noFill/>
-        </p:spPr>
-        <p:txBody>
-          <a:bodyPr wrap="none" rtlCol="0">
-            <a:spAutoFit/>
-          </a:bodyPr>
-          <a:lstStyle/>
-          <a:p>
-            <a:r>
-              <a:rPr lang="en-GB" dirty="0"/>
-              <a:t>Count</a:t>
-            </a:r>
-          </a:p>
-        </p:txBody>
-      </p:sp>
-      <p:sp>
-        <p:nvSpPr>
-          <p:cNvPr id="63" name="TextBox 62">
-            <a:extLst>
-              <a:ext uri="{FF2B5EF4-FFF2-40B4-BE49-F238E27FC236}">
-                <a16:creationId xmlns:a16="http://schemas.microsoft.com/office/drawing/2014/main" id="{71044900-E150-4B9D-A5B4-E5FB60286992}"/>
-              </a:ext>
-            </a:extLst>
-          </p:cNvPr>
-          <p:cNvSpPr txBox="1"/>
-          <p:nvPr/>
-        </p:nvSpPr>
-        <p:spPr>
-          <a:xfrm>
-            <a:off x="1030896" y="1883868"/>
-            <a:ext cx="418704" cy="369332"/>
-          </a:xfrm>
-          <a:prstGeom prst="rect">
-            <a:avLst/>
-          </a:prstGeom>
-          <a:noFill/>
-        </p:spPr>
-        <p:txBody>
-          <a:bodyPr wrap="none" rtlCol="0">
-            <a:spAutoFit/>
-          </a:bodyPr>
-          <a:lstStyle/>
-          <a:p>
-            <a:r>
-              <a:rPr lang="en-GB" dirty="0"/>
-              <a:t>15</a:t>
-            </a:r>
-          </a:p>
-        </p:txBody>
-      </p:sp>
-      <p:sp>
-        <p:nvSpPr>
-          <p:cNvPr id="64" name="TextBox 63">
-            <a:extLst>
-              <a:ext uri="{FF2B5EF4-FFF2-40B4-BE49-F238E27FC236}">
-                <a16:creationId xmlns:a16="http://schemas.microsoft.com/office/drawing/2014/main" id="{03C4FB18-785F-4B3F-B03F-F23C0EAC336E}"/>
-              </a:ext>
-            </a:extLst>
-          </p:cNvPr>
-          <p:cNvSpPr txBox="1"/>
-          <p:nvPr/>
-        </p:nvSpPr>
-        <p:spPr>
-          <a:xfrm>
-            <a:off x="2455653" y="2350594"/>
-            <a:ext cx="418704" cy="369332"/>
-          </a:xfrm>
-          <a:prstGeom prst="rect">
-            <a:avLst/>
-          </a:prstGeom>
-          <a:noFill/>
-        </p:spPr>
-        <p:txBody>
-          <a:bodyPr wrap="none" rtlCol="0">
-            <a:spAutoFit/>
-          </a:bodyPr>
-          <a:lstStyle/>
-          <a:p>
-            <a:r>
-              <a:rPr lang="en-GB" dirty="0"/>
-              <a:t>10</a:t>
-            </a:r>
-          </a:p>
-        </p:txBody>
-      </p:sp>
-      <p:sp>
-        <p:nvSpPr>
-          <p:cNvPr id="65" name="TextBox 64">
-            <a:extLst>
-              <a:ext uri="{FF2B5EF4-FFF2-40B4-BE49-F238E27FC236}">
-                <a16:creationId xmlns:a16="http://schemas.microsoft.com/office/drawing/2014/main" id="{D64C602C-7ABF-45DD-81C9-E6B26F506B7D}"/>
-              </a:ext>
-            </a:extLst>
-          </p:cNvPr>
-          <p:cNvSpPr txBox="1"/>
-          <p:nvPr/>
-        </p:nvSpPr>
-        <p:spPr>
-          <a:xfrm>
-            <a:off x="3882068" y="2462634"/>
-            <a:ext cx="301686" cy="369332"/>
-          </a:xfrm>
-          <a:prstGeom prst="rect">
-            <a:avLst/>
-          </a:prstGeom>
-          <a:noFill/>
-        </p:spPr>
-        <p:txBody>
-          <a:bodyPr wrap="none" rtlCol="0">
-            <a:spAutoFit/>
-          </a:bodyPr>
-          <a:lstStyle/>
-          <a:p>
-            <a:r>
-              <a:rPr lang="en-GB" dirty="0"/>
-              <a:t>9</a:t>
-            </a:r>
-          </a:p>
-        </p:txBody>
-      </p:sp>
-      <p:sp>
-        <p:nvSpPr>
-          <p:cNvPr id="66" name="TextBox 65">
-            <a:extLst>
-              <a:ext uri="{FF2B5EF4-FFF2-40B4-BE49-F238E27FC236}">
-                <a16:creationId xmlns:a16="http://schemas.microsoft.com/office/drawing/2014/main" id="{D380DD65-F467-490F-B8C4-B382EAAA44A7}"/>
-              </a:ext>
-            </a:extLst>
-          </p:cNvPr>
-          <p:cNvSpPr txBox="1"/>
-          <p:nvPr/>
-        </p:nvSpPr>
-        <p:spPr>
-          <a:xfrm>
-            <a:off x="5310139" y="2292815"/>
-            <a:ext cx="418704" cy="369332"/>
-          </a:xfrm>
-          <a:prstGeom prst="rect">
-            <a:avLst/>
-          </a:prstGeom>
-          <a:noFill/>
-        </p:spPr>
-        <p:txBody>
-          <a:bodyPr wrap="none" rtlCol="0">
-            <a:spAutoFit/>
-          </a:bodyPr>
-          <a:lstStyle/>
-          <a:p>
-            <a:r>
-              <a:rPr lang="en-GB" dirty="0"/>
-              <a:t>11</a:t>
-            </a:r>
-          </a:p>
-        </p:txBody>
-      </p:sp>
-      <p:sp>
-        <p:nvSpPr>
-          <p:cNvPr id="67" name="TextBox 66">
-            <a:extLst>
-              <a:ext uri="{FF2B5EF4-FFF2-40B4-BE49-F238E27FC236}">
-                <a16:creationId xmlns:a16="http://schemas.microsoft.com/office/drawing/2014/main" id="{176D3091-C300-4B31-BD3A-A772393F2439}"/>
-              </a:ext>
-            </a:extLst>
-          </p:cNvPr>
-          <p:cNvSpPr txBox="1"/>
-          <p:nvPr/>
-        </p:nvSpPr>
-        <p:spPr>
-          <a:xfrm>
-            <a:off x="6795055" y="3677069"/>
-            <a:ext cx="301686" cy="369332"/>
-          </a:xfrm>
-          <a:prstGeom prst="rect">
-            <a:avLst/>
-          </a:prstGeom>
-          <a:noFill/>
-        </p:spPr>
-        <p:txBody>
-          <a:bodyPr wrap="none" rtlCol="0">
-            <a:spAutoFit/>
-          </a:bodyPr>
-          <a:lstStyle/>
-          <a:p>
-            <a:r>
-              <a:rPr lang="en-GB" dirty="0"/>
-              <a:t>4</a:t>
-            </a:r>
-          </a:p>
-        </p:txBody>
-      </p:sp>
-      <p:sp>
-        <p:nvSpPr>
-          <p:cNvPr id="68" name="TextBox 67">
-            <a:extLst>
-              <a:ext uri="{FF2B5EF4-FFF2-40B4-BE49-F238E27FC236}">
-                <a16:creationId xmlns:a16="http://schemas.microsoft.com/office/drawing/2014/main" id="{CBC945EE-5DE6-47DB-B38F-2D2F3DFE4187}"/>
-              </a:ext>
-            </a:extLst>
-          </p:cNvPr>
-          <p:cNvSpPr txBox="1"/>
-          <p:nvPr/>
-        </p:nvSpPr>
-        <p:spPr>
-          <a:xfrm>
-            <a:off x="8221458" y="2526508"/>
-            <a:ext cx="301686" cy="369332"/>
-          </a:xfrm>
-          <a:prstGeom prst="rect">
-            <a:avLst/>
-          </a:prstGeom>
-          <a:noFill/>
-        </p:spPr>
-        <p:txBody>
-          <a:bodyPr wrap="none" rtlCol="0">
-            <a:spAutoFit/>
-          </a:bodyPr>
-          <a:lstStyle/>
-          <a:p>
-            <a:r>
-              <a:rPr lang="en-GB" dirty="0"/>
-              <a:t>9</a:t>
-            </a:r>
-          </a:p>
-        </p:txBody>
-      </p:sp>
-      <p:sp>
-        <p:nvSpPr>
-          <p:cNvPr id="69" name="TextBox 68">
-            <a:extLst>
-              <a:ext uri="{FF2B5EF4-FFF2-40B4-BE49-F238E27FC236}">
-                <a16:creationId xmlns:a16="http://schemas.microsoft.com/office/drawing/2014/main" id="{1E5C96A7-80A9-459A-BCAB-29C4C02FE4E7}"/>
-              </a:ext>
-            </a:extLst>
-          </p:cNvPr>
-          <p:cNvSpPr txBox="1"/>
-          <p:nvPr/>
-        </p:nvSpPr>
-        <p:spPr>
-          <a:xfrm>
-            <a:off x="11076173" y="2960979"/>
-            <a:ext cx="301686" cy="369332"/>
-          </a:xfrm>
-          <a:prstGeom prst="rect">
-            <a:avLst/>
-          </a:prstGeom>
-          <a:noFill/>
-        </p:spPr>
-        <p:txBody>
-          <a:bodyPr wrap="none" rtlCol="0">
-            <a:spAutoFit/>
-          </a:bodyPr>
-          <a:lstStyle/>
-          <a:p>
-            <a:r>
-              <a:rPr lang="en-GB" dirty="0"/>
-              <a:t>7</a:t>
-            </a:r>
-          </a:p>
-        </p:txBody>
-      </p:sp>
-      <p:sp>
-        <p:nvSpPr>
-          <p:cNvPr id="70" name="Rectangle: Rounded Corners 69">
-            <a:extLst>
-              <a:ext uri="{FF2B5EF4-FFF2-40B4-BE49-F238E27FC236}">
-                <a16:creationId xmlns:a16="http://schemas.microsoft.com/office/drawing/2014/main" id="{E61067AB-EE6D-4E87-9D0D-B57A068F6515}"/>
+          <p:cNvPr id="82" name="Rectangle 81">
+            <a:extLst>
+              <a:ext uri="{FF2B5EF4-FFF2-40B4-BE49-F238E27FC236}">
+                <a16:creationId xmlns:a16="http://schemas.microsoft.com/office/drawing/2014/main" id="{97622970-444C-4BDC-B532-1AC18531BA4E}"/>
               </a:ext>
             </a:extLst>
           </p:cNvPr>
@@ -6326,24 +9343,24 @@
         </p:nvSpPr>
         <p:spPr>
           <a:xfrm>
-            <a:off x="172451" y="147553"/>
-            <a:ext cx="1594544" cy="369332"/>
-          </a:xfrm>
-          <a:prstGeom prst="roundRect">
+            <a:off x="2148419" y="3891227"/>
+            <a:ext cx="201832" cy="940771"/>
+          </a:xfrm>
+          <a:prstGeom prst="rect">
             <a:avLst/>
           </a:prstGeom>
         </p:spPr>
         <p:style>
           <a:lnRef idx="2">
-            <a:schemeClr val="accent1">
+            <a:schemeClr val="accent3">
               <a:shade val="50000"/>
             </a:schemeClr>
           </a:lnRef>
           <a:fillRef idx="1">
-            <a:schemeClr val="accent1"/>
+            <a:schemeClr val="accent3"/>
           </a:fillRef>
           <a:effectRef idx="0">
-            <a:schemeClr val="accent1"/>
+            <a:schemeClr val="accent3"/>
           </a:effectRef>
           <a:fontRef idx="minor">
             <a:schemeClr val="lt1"/>
@@ -6360,121 +9377,10 @@
       </p:sp>
       <p:sp>
         <p:nvSpPr>
-          <p:cNvPr id="71" name="TextBox 70">
-            <a:extLst>
-              <a:ext uri="{FF2B5EF4-FFF2-40B4-BE49-F238E27FC236}">
-                <a16:creationId xmlns:a16="http://schemas.microsoft.com/office/drawing/2014/main" id="{D50459A9-C6BD-49B7-8D6C-509F0C7EAD56}"/>
-              </a:ext>
-            </a:extLst>
-          </p:cNvPr>
-          <p:cNvSpPr txBox="1"/>
-          <p:nvPr/>
-        </p:nvSpPr>
-        <p:spPr>
-          <a:xfrm>
-            <a:off x="172454" y="192343"/>
-            <a:ext cx="1594541" cy="261610"/>
-          </a:xfrm>
-          <a:prstGeom prst="rect">
-            <a:avLst/>
-          </a:prstGeom>
-          <a:noFill/>
-        </p:spPr>
-        <p:txBody>
-          <a:bodyPr wrap="square" rtlCol="0">
-            <a:spAutoFit/>
-          </a:bodyPr>
-          <a:lstStyle/>
-          <a:p>
-            <a:pPr algn="ctr"/>
-            <a:r>
-              <a:rPr lang="en-GB" sz="1100" dirty="0">
-                <a:solidFill>
-                  <a:schemeClr val="bg1"/>
-                </a:solidFill>
-              </a:rPr>
-              <a:t>Toggle: Topic/Sentiment</a:t>
-            </a:r>
-          </a:p>
-        </p:txBody>
-      </p:sp>
-      <p:sp>
-        <p:nvSpPr>
-          <p:cNvPr id="2" name="TextBox 1">
-            <a:extLst>
-              <a:ext uri="{FF2B5EF4-FFF2-40B4-BE49-F238E27FC236}">
-                <a16:creationId xmlns:a16="http://schemas.microsoft.com/office/drawing/2014/main" id="{CA55914D-CEAC-4F17-AB44-8409E21C3C18}"/>
-              </a:ext>
-            </a:extLst>
-          </p:cNvPr>
-          <p:cNvSpPr txBox="1"/>
-          <p:nvPr/>
-        </p:nvSpPr>
-        <p:spPr>
-          <a:xfrm rot="17739365">
-            <a:off x="9279434" y="4002855"/>
-            <a:ext cx="1441036" cy="276999"/>
-          </a:xfrm>
-          <a:prstGeom prst="rect">
-            <a:avLst/>
-          </a:prstGeom>
-          <a:noFill/>
-        </p:spPr>
-        <p:txBody>
-          <a:bodyPr wrap="none" rtlCol="0">
-            <a:spAutoFit/>
-          </a:bodyPr>
-          <a:lstStyle/>
-          <a:p>
-            <a:r>
-              <a:rPr lang="en-GB" sz="1200" dirty="0"/>
-              <a:t>Parliament in recess</a:t>
-            </a:r>
-          </a:p>
-        </p:txBody>
-      </p:sp>
-      <p:sp>
-        <p:nvSpPr>
-          <p:cNvPr id="72" name="TextBox 71">
-            <a:extLst>
-              <a:ext uri="{FF2B5EF4-FFF2-40B4-BE49-F238E27FC236}">
-                <a16:creationId xmlns:a16="http://schemas.microsoft.com/office/drawing/2014/main" id="{BEE4FB12-2034-4A6B-88E4-58461801753C}"/>
-              </a:ext>
-            </a:extLst>
-          </p:cNvPr>
-          <p:cNvSpPr txBox="1"/>
-          <p:nvPr/>
-        </p:nvSpPr>
-        <p:spPr>
-          <a:xfrm>
-            <a:off x="6424969" y="5196188"/>
-            <a:ext cx="1314034" cy="369332"/>
-          </a:xfrm>
-          <a:prstGeom prst="rect">
-            <a:avLst/>
-          </a:prstGeom>
-          <a:noFill/>
-        </p:spPr>
-        <p:txBody>
-          <a:bodyPr wrap="square" rtlCol="0">
-            <a:spAutoFit/>
-          </a:bodyPr>
-          <a:lstStyle/>
-          <a:p>
-            <a:pPr algn="ctr"/>
-            <a:r>
-              <a:rPr lang="en-GB" dirty="0"/>
-              <a:t>Sentiment</a:t>
-            </a:r>
-          </a:p>
-        </p:txBody>
-      </p:sp>
-      <p:sp>
-        <p:nvSpPr>
-          <p:cNvPr id="75" name="Rectangle: Rounded Corners 74">
-            <a:extLst>
-              <a:ext uri="{FF2B5EF4-FFF2-40B4-BE49-F238E27FC236}">
-                <a16:creationId xmlns:a16="http://schemas.microsoft.com/office/drawing/2014/main" id="{24206795-EFD1-4DCF-ACAC-13FC0BE0A71C}"/>
+          <p:cNvPr id="84" name="Rectangle 83">
+            <a:extLst>
+              <a:ext uri="{FF2B5EF4-FFF2-40B4-BE49-F238E27FC236}">
+                <a16:creationId xmlns:a16="http://schemas.microsoft.com/office/drawing/2014/main" id="{3B02EC17-FA01-4EB9-A343-C4E02A0858B1}"/>
               </a:ext>
             </a:extLst>
           </p:cNvPr>
@@ -6483,24 +9389,24 @@
         </p:nvSpPr>
         <p:spPr>
           <a:xfrm>
-            <a:off x="5051627" y="716983"/>
-            <a:ext cx="1989221" cy="433137"/>
-          </a:xfrm>
-          <a:prstGeom prst="roundRect">
+            <a:off x="2488426" y="2790585"/>
+            <a:ext cx="201832" cy="2056375"/>
+          </a:xfrm>
+          <a:prstGeom prst="rect">
             <a:avLst/>
           </a:prstGeom>
         </p:spPr>
         <p:style>
           <a:lnRef idx="2">
-            <a:schemeClr val="accent1">
+            <a:schemeClr val="accent3">
               <a:shade val="50000"/>
             </a:schemeClr>
           </a:lnRef>
           <a:fillRef idx="1">
-            <a:schemeClr val="accent1"/>
+            <a:schemeClr val="accent3"/>
           </a:fillRef>
           <a:effectRef idx="0">
-            <a:schemeClr val="accent1"/>
+            <a:schemeClr val="accent3"/>
           </a:effectRef>
           <a:fontRef idx="minor">
             <a:schemeClr val="lt1"/>
@@ -6517,10 +9423,608 @@
       </p:sp>
       <p:sp>
         <p:nvSpPr>
-          <p:cNvPr id="76" name="TextBox 75">
-            <a:extLst>
-              <a:ext uri="{FF2B5EF4-FFF2-40B4-BE49-F238E27FC236}">
-                <a16:creationId xmlns:a16="http://schemas.microsoft.com/office/drawing/2014/main" id="{B21811AC-55B8-4FAE-AF8B-B1F038CAE214}"/>
+          <p:cNvPr id="85" name="Rectangle 84">
+            <a:extLst>
+              <a:ext uri="{FF2B5EF4-FFF2-40B4-BE49-F238E27FC236}">
+                <a16:creationId xmlns:a16="http://schemas.microsoft.com/office/drawing/2014/main" id="{2B767FE8-4DB6-413F-940F-99F1C9386244}"/>
+              </a:ext>
+            </a:extLst>
+          </p:cNvPr>
+          <p:cNvSpPr/>
+          <p:nvPr/>
+        </p:nvSpPr>
+        <p:spPr>
+          <a:xfrm>
+            <a:off x="2759345" y="4408414"/>
+            <a:ext cx="201832" cy="433137"/>
+          </a:xfrm>
+          <a:prstGeom prst="rect">
+            <a:avLst/>
+          </a:prstGeom>
+        </p:spPr>
+        <p:style>
+          <a:lnRef idx="2">
+            <a:schemeClr val="accent3">
+              <a:shade val="50000"/>
+            </a:schemeClr>
+          </a:lnRef>
+          <a:fillRef idx="1">
+            <a:schemeClr val="accent3"/>
+          </a:fillRef>
+          <a:effectRef idx="0">
+            <a:schemeClr val="accent3"/>
+          </a:effectRef>
+          <a:fontRef idx="minor">
+            <a:schemeClr val="lt1"/>
+          </a:fontRef>
+        </p:style>
+        <p:txBody>
+          <a:bodyPr rtlCol="0" anchor="ctr"/>
+          <a:lstStyle/>
+          <a:p>
+            <a:pPr algn="ctr"/>
+            <a:endParaRPr lang="en-GB"/>
+          </a:p>
+        </p:txBody>
+      </p:sp>
+      <p:sp>
+        <p:nvSpPr>
+          <p:cNvPr id="87" name="Rectangle 86">
+            <a:extLst>
+              <a:ext uri="{FF2B5EF4-FFF2-40B4-BE49-F238E27FC236}">
+                <a16:creationId xmlns:a16="http://schemas.microsoft.com/office/drawing/2014/main" id="{A61F5DEB-FD74-46D1-91F6-6696A7B77F04}"/>
+              </a:ext>
+            </a:extLst>
+          </p:cNvPr>
+          <p:cNvSpPr/>
+          <p:nvPr/>
+        </p:nvSpPr>
+        <p:spPr>
+          <a:xfrm>
+            <a:off x="3729373" y="3554972"/>
+            <a:ext cx="201832" cy="1277989"/>
+          </a:xfrm>
+          <a:prstGeom prst="rect">
+            <a:avLst/>
+          </a:prstGeom>
+        </p:spPr>
+        <p:style>
+          <a:lnRef idx="2">
+            <a:schemeClr val="accent3">
+              <a:shade val="50000"/>
+            </a:schemeClr>
+          </a:lnRef>
+          <a:fillRef idx="1">
+            <a:schemeClr val="accent3"/>
+          </a:fillRef>
+          <a:effectRef idx="0">
+            <a:schemeClr val="accent3"/>
+          </a:effectRef>
+          <a:fontRef idx="minor">
+            <a:schemeClr val="lt1"/>
+          </a:fontRef>
+        </p:style>
+        <p:txBody>
+          <a:bodyPr rtlCol="0" anchor="ctr"/>
+          <a:lstStyle/>
+          <a:p>
+            <a:pPr algn="ctr"/>
+            <a:endParaRPr lang="en-GB"/>
+          </a:p>
+        </p:txBody>
+      </p:sp>
+      <p:sp>
+        <p:nvSpPr>
+          <p:cNvPr id="88" name="Rectangle 87">
+            <a:extLst>
+              <a:ext uri="{FF2B5EF4-FFF2-40B4-BE49-F238E27FC236}">
+                <a16:creationId xmlns:a16="http://schemas.microsoft.com/office/drawing/2014/main" id="{321A2EA2-8E7D-4C95-8B1C-E18ACF1D95C5}"/>
+              </a:ext>
+            </a:extLst>
+          </p:cNvPr>
+          <p:cNvSpPr/>
+          <p:nvPr/>
+        </p:nvSpPr>
+        <p:spPr>
+          <a:xfrm>
+            <a:off x="4022142" y="2784629"/>
+            <a:ext cx="201832" cy="2056375"/>
+          </a:xfrm>
+          <a:prstGeom prst="rect">
+            <a:avLst/>
+          </a:prstGeom>
+        </p:spPr>
+        <p:style>
+          <a:lnRef idx="2">
+            <a:schemeClr val="accent3">
+              <a:shade val="50000"/>
+            </a:schemeClr>
+          </a:lnRef>
+          <a:fillRef idx="1">
+            <a:schemeClr val="accent3"/>
+          </a:fillRef>
+          <a:effectRef idx="0">
+            <a:schemeClr val="accent3"/>
+          </a:effectRef>
+          <a:fontRef idx="minor">
+            <a:schemeClr val="lt1"/>
+          </a:fontRef>
+        </p:style>
+        <p:txBody>
+          <a:bodyPr rtlCol="0" anchor="ctr"/>
+          <a:lstStyle/>
+          <a:p>
+            <a:pPr algn="ctr"/>
+            <a:endParaRPr lang="en-GB"/>
+          </a:p>
+        </p:txBody>
+      </p:sp>
+      <p:sp>
+        <p:nvSpPr>
+          <p:cNvPr id="89" name="Rectangle 88">
+            <a:extLst>
+              <a:ext uri="{FF2B5EF4-FFF2-40B4-BE49-F238E27FC236}">
+                <a16:creationId xmlns:a16="http://schemas.microsoft.com/office/drawing/2014/main" id="{3648FDA9-A552-426C-AC4F-8143A65DAC33}"/>
+              </a:ext>
+            </a:extLst>
+          </p:cNvPr>
+          <p:cNvSpPr/>
+          <p:nvPr/>
+        </p:nvSpPr>
+        <p:spPr>
+          <a:xfrm>
+            <a:off x="4317585" y="3954383"/>
+            <a:ext cx="201832" cy="879866"/>
+          </a:xfrm>
+          <a:prstGeom prst="rect">
+            <a:avLst/>
+          </a:prstGeom>
+        </p:spPr>
+        <p:style>
+          <a:lnRef idx="2">
+            <a:schemeClr val="accent3">
+              <a:shade val="50000"/>
+            </a:schemeClr>
+          </a:lnRef>
+          <a:fillRef idx="1">
+            <a:schemeClr val="accent3"/>
+          </a:fillRef>
+          <a:effectRef idx="0">
+            <a:schemeClr val="accent3"/>
+          </a:effectRef>
+          <a:fontRef idx="minor">
+            <a:schemeClr val="lt1"/>
+          </a:fontRef>
+        </p:style>
+        <p:txBody>
+          <a:bodyPr rtlCol="0" anchor="ctr"/>
+          <a:lstStyle/>
+          <a:p>
+            <a:pPr algn="ctr"/>
+            <a:endParaRPr lang="en-GB"/>
+          </a:p>
+        </p:txBody>
+      </p:sp>
+      <p:sp>
+        <p:nvSpPr>
+          <p:cNvPr id="90" name="Rectangle 89">
+            <a:extLst>
+              <a:ext uri="{FF2B5EF4-FFF2-40B4-BE49-F238E27FC236}">
+                <a16:creationId xmlns:a16="http://schemas.microsoft.com/office/drawing/2014/main" id="{E486323E-C078-4600-87BB-01740E4BB33F}"/>
+              </a:ext>
+            </a:extLst>
+          </p:cNvPr>
+          <p:cNvSpPr/>
+          <p:nvPr/>
+        </p:nvSpPr>
+        <p:spPr>
+          <a:xfrm>
+            <a:off x="6719100" y="4255266"/>
+            <a:ext cx="201832" cy="569573"/>
+          </a:xfrm>
+          <a:prstGeom prst="rect">
+            <a:avLst/>
+          </a:prstGeom>
+        </p:spPr>
+        <p:style>
+          <a:lnRef idx="2">
+            <a:schemeClr val="accent3">
+              <a:shade val="50000"/>
+            </a:schemeClr>
+          </a:lnRef>
+          <a:fillRef idx="1">
+            <a:schemeClr val="accent3"/>
+          </a:fillRef>
+          <a:effectRef idx="0">
+            <a:schemeClr val="accent3"/>
+          </a:effectRef>
+          <a:fontRef idx="minor">
+            <a:schemeClr val="lt1"/>
+          </a:fontRef>
+        </p:style>
+        <p:txBody>
+          <a:bodyPr rtlCol="0" anchor="ctr"/>
+          <a:lstStyle/>
+          <a:p>
+            <a:pPr algn="ctr"/>
+            <a:endParaRPr lang="en-GB"/>
+          </a:p>
+        </p:txBody>
+      </p:sp>
+      <p:sp>
+        <p:nvSpPr>
+          <p:cNvPr id="93" name="Rectangle 92">
+            <a:extLst>
+              <a:ext uri="{FF2B5EF4-FFF2-40B4-BE49-F238E27FC236}">
+                <a16:creationId xmlns:a16="http://schemas.microsoft.com/office/drawing/2014/main" id="{EEAB04C7-297B-4385-B815-8C54A2DC5A74}"/>
+              </a:ext>
+            </a:extLst>
+          </p:cNvPr>
+          <p:cNvSpPr/>
+          <p:nvPr/>
+        </p:nvSpPr>
+        <p:spPr>
+          <a:xfrm>
+            <a:off x="7028997" y="4255266"/>
+            <a:ext cx="201832" cy="562501"/>
+          </a:xfrm>
+          <a:prstGeom prst="rect">
+            <a:avLst/>
+          </a:prstGeom>
+        </p:spPr>
+        <p:style>
+          <a:lnRef idx="2">
+            <a:schemeClr val="accent3">
+              <a:shade val="50000"/>
+            </a:schemeClr>
+          </a:lnRef>
+          <a:fillRef idx="1">
+            <a:schemeClr val="accent3"/>
+          </a:fillRef>
+          <a:effectRef idx="0">
+            <a:schemeClr val="accent3"/>
+          </a:effectRef>
+          <a:fontRef idx="minor">
+            <a:schemeClr val="lt1"/>
+          </a:fontRef>
+        </p:style>
+        <p:txBody>
+          <a:bodyPr rtlCol="0" anchor="ctr"/>
+          <a:lstStyle/>
+          <a:p>
+            <a:pPr algn="ctr"/>
+            <a:endParaRPr lang="en-GB"/>
+          </a:p>
+        </p:txBody>
+      </p:sp>
+      <p:sp>
+        <p:nvSpPr>
+          <p:cNvPr id="94" name="Rectangle 93">
+            <a:extLst>
+              <a:ext uri="{FF2B5EF4-FFF2-40B4-BE49-F238E27FC236}">
+                <a16:creationId xmlns:a16="http://schemas.microsoft.com/office/drawing/2014/main" id="{0300C036-973D-48E3-8A70-334C2EF15DFE}"/>
+              </a:ext>
+            </a:extLst>
+          </p:cNvPr>
+          <p:cNvSpPr/>
+          <p:nvPr/>
+        </p:nvSpPr>
+        <p:spPr>
+          <a:xfrm>
+            <a:off x="8132143" y="3883410"/>
+            <a:ext cx="201832" cy="940771"/>
+          </a:xfrm>
+          <a:prstGeom prst="rect">
+            <a:avLst/>
+          </a:prstGeom>
+        </p:spPr>
+        <p:style>
+          <a:lnRef idx="2">
+            <a:schemeClr val="accent3">
+              <a:shade val="50000"/>
+            </a:schemeClr>
+          </a:lnRef>
+          <a:fillRef idx="1">
+            <a:schemeClr val="accent3"/>
+          </a:fillRef>
+          <a:effectRef idx="0">
+            <a:schemeClr val="accent3"/>
+          </a:effectRef>
+          <a:fontRef idx="minor">
+            <a:schemeClr val="lt1"/>
+          </a:fontRef>
+        </p:style>
+        <p:txBody>
+          <a:bodyPr rtlCol="0" anchor="ctr"/>
+          <a:lstStyle/>
+          <a:p>
+            <a:pPr algn="ctr"/>
+            <a:endParaRPr lang="en-GB"/>
+          </a:p>
+        </p:txBody>
+      </p:sp>
+      <p:sp>
+        <p:nvSpPr>
+          <p:cNvPr id="95" name="Rectangle 94">
+            <a:extLst>
+              <a:ext uri="{FF2B5EF4-FFF2-40B4-BE49-F238E27FC236}">
+                <a16:creationId xmlns:a16="http://schemas.microsoft.com/office/drawing/2014/main" id="{F7353520-7CC0-4C4D-AF04-211D75852ACC}"/>
+              </a:ext>
+            </a:extLst>
+          </p:cNvPr>
+          <p:cNvSpPr/>
+          <p:nvPr/>
+        </p:nvSpPr>
+        <p:spPr>
+          <a:xfrm>
+            <a:off x="8417187" y="3539778"/>
+            <a:ext cx="201832" cy="1277989"/>
+          </a:xfrm>
+          <a:prstGeom prst="rect">
+            <a:avLst/>
+          </a:prstGeom>
+        </p:spPr>
+        <p:style>
+          <a:lnRef idx="2">
+            <a:schemeClr val="accent3">
+              <a:shade val="50000"/>
+            </a:schemeClr>
+          </a:lnRef>
+          <a:fillRef idx="1">
+            <a:schemeClr val="accent3"/>
+          </a:fillRef>
+          <a:effectRef idx="0">
+            <a:schemeClr val="accent3"/>
+          </a:effectRef>
+          <a:fontRef idx="minor">
+            <a:schemeClr val="lt1"/>
+          </a:fontRef>
+        </p:style>
+        <p:txBody>
+          <a:bodyPr rtlCol="0" anchor="ctr"/>
+          <a:lstStyle/>
+          <a:p>
+            <a:pPr algn="ctr"/>
+            <a:endParaRPr lang="en-GB"/>
+          </a:p>
+        </p:txBody>
+      </p:sp>
+      <p:sp>
+        <p:nvSpPr>
+          <p:cNvPr id="97" name="Rectangle 96">
+            <a:extLst>
+              <a:ext uri="{FF2B5EF4-FFF2-40B4-BE49-F238E27FC236}">
+                <a16:creationId xmlns:a16="http://schemas.microsoft.com/office/drawing/2014/main" id="{D1E57004-B599-44ED-A86A-65285F33B271}"/>
+              </a:ext>
+            </a:extLst>
+          </p:cNvPr>
+          <p:cNvSpPr/>
+          <p:nvPr/>
+        </p:nvSpPr>
+        <p:spPr>
+          <a:xfrm>
+            <a:off x="8725477" y="3554973"/>
+            <a:ext cx="201832" cy="1279276"/>
+          </a:xfrm>
+          <a:prstGeom prst="rect">
+            <a:avLst/>
+          </a:prstGeom>
+        </p:spPr>
+        <p:style>
+          <a:lnRef idx="2">
+            <a:schemeClr val="accent3">
+              <a:shade val="50000"/>
+            </a:schemeClr>
+          </a:lnRef>
+          <a:fillRef idx="1">
+            <a:schemeClr val="accent3"/>
+          </a:fillRef>
+          <a:effectRef idx="0">
+            <a:schemeClr val="accent3"/>
+          </a:effectRef>
+          <a:fontRef idx="minor">
+            <a:schemeClr val="lt1"/>
+          </a:fontRef>
+        </p:style>
+        <p:txBody>
+          <a:bodyPr rtlCol="0" anchor="ctr"/>
+          <a:lstStyle/>
+          <a:p>
+            <a:pPr algn="ctr"/>
+            <a:endParaRPr lang="en-GB"/>
+          </a:p>
+        </p:txBody>
+      </p:sp>
+      <p:sp>
+        <p:nvSpPr>
+          <p:cNvPr id="100" name="Rectangle 99">
+            <a:extLst>
+              <a:ext uri="{FF2B5EF4-FFF2-40B4-BE49-F238E27FC236}">
+                <a16:creationId xmlns:a16="http://schemas.microsoft.com/office/drawing/2014/main" id="{A89C8272-6E7E-4248-9D97-5EC31A7C6BE6}"/>
+              </a:ext>
+            </a:extLst>
+          </p:cNvPr>
+          <p:cNvSpPr/>
+          <p:nvPr/>
+        </p:nvSpPr>
+        <p:spPr>
+          <a:xfrm>
+            <a:off x="11298090" y="2775922"/>
+            <a:ext cx="201832" cy="2056375"/>
+          </a:xfrm>
+          <a:prstGeom prst="rect">
+            <a:avLst/>
+          </a:prstGeom>
+        </p:spPr>
+        <p:style>
+          <a:lnRef idx="2">
+            <a:schemeClr val="accent3">
+              <a:shade val="50000"/>
+            </a:schemeClr>
+          </a:lnRef>
+          <a:fillRef idx="1">
+            <a:schemeClr val="accent3"/>
+          </a:fillRef>
+          <a:effectRef idx="0">
+            <a:schemeClr val="accent3"/>
+          </a:effectRef>
+          <a:fontRef idx="minor">
+            <a:schemeClr val="lt1"/>
+          </a:fontRef>
+        </p:style>
+        <p:txBody>
+          <a:bodyPr rtlCol="0" anchor="ctr"/>
+          <a:lstStyle/>
+          <a:p>
+            <a:pPr algn="ctr"/>
+            <a:endParaRPr lang="en-GB"/>
+          </a:p>
+        </p:txBody>
+      </p:sp>
+      <p:sp>
+        <p:nvSpPr>
+          <p:cNvPr id="106" name="Rectangle 105">
+            <a:extLst>
+              <a:ext uri="{FF2B5EF4-FFF2-40B4-BE49-F238E27FC236}">
+                <a16:creationId xmlns:a16="http://schemas.microsoft.com/office/drawing/2014/main" id="{405B2B41-7DDB-46C7-805C-140706E4BC7F}"/>
+              </a:ext>
+            </a:extLst>
+          </p:cNvPr>
+          <p:cNvSpPr/>
+          <p:nvPr/>
+        </p:nvSpPr>
+        <p:spPr>
+          <a:xfrm>
+            <a:off x="11558143" y="4272603"/>
+            <a:ext cx="201832" cy="562501"/>
+          </a:xfrm>
+          <a:prstGeom prst="rect">
+            <a:avLst/>
+          </a:prstGeom>
+        </p:spPr>
+        <p:style>
+          <a:lnRef idx="2">
+            <a:schemeClr val="accent3">
+              <a:shade val="50000"/>
+            </a:schemeClr>
+          </a:lnRef>
+          <a:fillRef idx="1">
+            <a:schemeClr val="accent3"/>
+          </a:fillRef>
+          <a:effectRef idx="0">
+            <a:schemeClr val="accent3"/>
+          </a:effectRef>
+          <a:fontRef idx="minor">
+            <a:schemeClr val="lt1"/>
+          </a:fontRef>
+        </p:style>
+        <p:txBody>
+          <a:bodyPr rtlCol="0" anchor="ctr"/>
+          <a:lstStyle/>
+          <a:p>
+            <a:pPr algn="ctr"/>
+            <a:endParaRPr lang="en-GB"/>
+          </a:p>
+        </p:txBody>
+      </p:sp>
+      <p:sp>
+        <p:nvSpPr>
+          <p:cNvPr id="107" name="Rectangle 106">
+            <a:extLst>
+              <a:ext uri="{FF2B5EF4-FFF2-40B4-BE49-F238E27FC236}">
+                <a16:creationId xmlns:a16="http://schemas.microsoft.com/office/drawing/2014/main" id="{52C44C7D-67CB-4877-ADE2-CCAAE4E4590A}"/>
+              </a:ext>
+            </a:extLst>
+          </p:cNvPr>
+          <p:cNvSpPr/>
+          <p:nvPr/>
+        </p:nvSpPr>
+        <p:spPr>
+          <a:xfrm>
+            <a:off x="11050667" y="4269573"/>
+            <a:ext cx="201832" cy="562501"/>
+          </a:xfrm>
+          <a:prstGeom prst="rect">
+            <a:avLst/>
+          </a:prstGeom>
+        </p:spPr>
+        <p:style>
+          <a:lnRef idx="2">
+            <a:schemeClr val="accent3">
+              <a:shade val="50000"/>
+            </a:schemeClr>
+          </a:lnRef>
+          <a:fillRef idx="1">
+            <a:schemeClr val="accent3"/>
+          </a:fillRef>
+          <a:effectRef idx="0">
+            <a:schemeClr val="accent3"/>
+          </a:effectRef>
+          <a:fontRef idx="minor">
+            <a:schemeClr val="lt1"/>
+          </a:fontRef>
+        </p:style>
+        <p:txBody>
+          <a:bodyPr rtlCol="0" anchor="ctr"/>
+          <a:lstStyle/>
+          <a:p>
+            <a:pPr algn="ctr"/>
+            <a:endParaRPr lang="en-GB"/>
+          </a:p>
+        </p:txBody>
+      </p:sp>
+      <p:sp>
+        <p:nvSpPr>
+          <p:cNvPr id="108" name="Rectangle 107">
+            <a:extLst>
+              <a:ext uri="{FF2B5EF4-FFF2-40B4-BE49-F238E27FC236}">
+                <a16:creationId xmlns:a16="http://schemas.microsoft.com/office/drawing/2014/main" id="{5418DA9D-0527-424A-A542-BCF604DB43D7}"/>
+              </a:ext>
+            </a:extLst>
+          </p:cNvPr>
+          <p:cNvSpPr/>
+          <p:nvPr/>
+        </p:nvSpPr>
+        <p:spPr>
+          <a:xfrm>
+            <a:off x="10799184" y="4269573"/>
+            <a:ext cx="201832" cy="562501"/>
+          </a:xfrm>
+          <a:prstGeom prst="rect">
+            <a:avLst/>
+          </a:prstGeom>
+        </p:spPr>
+        <p:style>
+          <a:lnRef idx="2">
+            <a:schemeClr val="accent3">
+              <a:shade val="50000"/>
+            </a:schemeClr>
+          </a:lnRef>
+          <a:fillRef idx="1">
+            <a:schemeClr val="accent3"/>
+          </a:fillRef>
+          <a:effectRef idx="0">
+            <a:schemeClr val="accent3"/>
+          </a:effectRef>
+          <a:fontRef idx="minor">
+            <a:schemeClr val="lt1"/>
+          </a:fontRef>
+        </p:style>
+        <p:txBody>
+          <a:bodyPr rtlCol="0" anchor="ctr"/>
+          <a:lstStyle/>
+          <a:p>
+            <a:pPr algn="ctr"/>
+            <a:endParaRPr lang="en-GB"/>
+          </a:p>
+        </p:txBody>
+      </p:sp>
+      <p:sp>
+        <p:nvSpPr>
+          <p:cNvPr id="3" name="TextBox 2">
+            <a:extLst>
+              <a:ext uri="{FF2B5EF4-FFF2-40B4-BE49-F238E27FC236}">
+                <a16:creationId xmlns:a16="http://schemas.microsoft.com/office/drawing/2014/main" id="{57E2996F-0C32-4361-97DC-F1179FA8A05D}"/>
               </a:ext>
             </a:extLst>
           </p:cNvPr>
@@ -6528,9 +10032,9 @@
           <p:nvPr/>
         </p:nvSpPr>
         <p:spPr>
-          <a:xfrm>
-            <a:off x="5252152" y="733024"/>
-            <a:ext cx="1655459" cy="369332"/>
+          <a:xfrm rot="16200000">
+            <a:off x="714531" y="3797998"/>
+            <a:ext cx="1346193" cy="307777"/>
           </a:xfrm>
           <a:prstGeom prst="rect">
             <a:avLst/>
@@ -6545,12 +10049,116 @@
           <a:p>
             <a:pPr algn="ctr"/>
             <a:r>
-              <a:rPr lang="en-GB" dirty="0">
-                <a:solidFill>
-                  <a:schemeClr val="bg1"/>
-                </a:solidFill>
-              </a:rPr>
-              <a:t>Filter -- Speaker</a:t>
+              <a:rPr lang="en-GB" sz="1400" dirty="0"/>
+              <a:t>Crime</a:t>
+            </a:r>
+          </a:p>
+        </p:txBody>
+      </p:sp>
+      <p:sp>
+        <p:nvSpPr>
+          <p:cNvPr id="109" name="TextBox 108">
+            <a:extLst>
+              <a:ext uri="{FF2B5EF4-FFF2-40B4-BE49-F238E27FC236}">
+                <a16:creationId xmlns:a16="http://schemas.microsoft.com/office/drawing/2014/main" id="{527CF8B6-727C-4990-A4A6-6FA689D1635B}"/>
+              </a:ext>
+            </a:extLst>
+          </p:cNvPr>
+          <p:cNvSpPr txBox="1"/>
+          <p:nvPr/>
+        </p:nvSpPr>
+        <p:spPr>
+          <a:xfrm rot="16200000">
+            <a:off x="426865" y="4101377"/>
+            <a:ext cx="1346193" cy="307777"/>
+          </a:xfrm>
+          <a:prstGeom prst="rect">
+            <a:avLst/>
+          </a:prstGeom>
+          <a:noFill/>
+        </p:spPr>
+        <p:txBody>
+          <a:bodyPr wrap="square" rtlCol="0">
+            <a:spAutoFit/>
+          </a:bodyPr>
+          <a:lstStyle/>
+          <a:p>
+            <a:pPr algn="ctr"/>
+            <a:r>
+              <a:rPr lang="en-GB" sz="1400" dirty="0"/>
+              <a:t>COVID</a:t>
+            </a:r>
+          </a:p>
+        </p:txBody>
+      </p:sp>
+      <p:sp>
+        <p:nvSpPr>
+          <p:cNvPr id="110" name="TextBox 109">
+            <a:extLst>
+              <a:ext uri="{FF2B5EF4-FFF2-40B4-BE49-F238E27FC236}">
+                <a16:creationId xmlns:a16="http://schemas.microsoft.com/office/drawing/2014/main" id="{0CC5DF49-BBD2-4510-A5B0-2C4DD3B2D742}"/>
+              </a:ext>
+            </a:extLst>
+          </p:cNvPr>
+          <p:cNvSpPr txBox="1"/>
+          <p:nvPr/>
+        </p:nvSpPr>
+        <p:spPr>
+          <a:xfrm rot="16200000">
+            <a:off x="176850" y="4220190"/>
+            <a:ext cx="1346193" cy="307777"/>
+          </a:xfrm>
+          <a:prstGeom prst="rect">
+            <a:avLst/>
+          </a:prstGeom>
+          <a:noFill/>
+        </p:spPr>
+        <p:txBody>
+          <a:bodyPr wrap="square" rtlCol="0">
+            <a:spAutoFit/>
+          </a:bodyPr>
+          <a:lstStyle/>
+          <a:p>
+            <a:pPr algn="ctr"/>
+            <a:r>
+              <a:rPr lang="en-GB" sz="1400" dirty="0"/>
+              <a:t>Census</a:t>
+            </a:r>
+          </a:p>
+        </p:txBody>
+      </p:sp>
+      <p:sp>
+        <p:nvSpPr>
+          <p:cNvPr id="111" name="TextBox 110">
+            <a:extLst>
+              <a:ext uri="{FF2B5EF4-FFF2-40B4-BE49-F238E27FC236}">
+                <a16:creationId xmlns:a16="http://schemas.microsoft.com/office/drawing/2014/main" id="{1CE12883-98AE-4C49-9B5F-85650D8088D3}"/>
+              </a:ext>
+            </a:extLst>
+          </p:cNvPr>
+          <p:cNvSpPr txBox="1"/>
+          <p:nvPr/>
+        </p:nvSpPr>
+        <p:spPr>
+          <a:xfrm rot="16200000">
+            <a:off x="1019009" y="3723838"/>
+            <a:ext cx="1346193" cy="307777"/>
+          </a:xfrm>
+          <a:prstGeom prst="rect">
+            <a:avLst/>
+          </a:prstGeom>
+          <a:noFill/>
+        </p:spPr>
+        <p:txBody>
+          <a:bodyPr wrap="square" rtlCol="0">
+            <a:spAutoFit/>
+          </a:bodyPr>
+          <a:lstStyle/>
+          <a:p>
+            <a:pPr algn="ctr"/>
+            <a:r>
+              <a:rPr lang="en-GB" sz="1400" dirty="0"/>
+              <a:t>Environment</a:t>
             </a:r>
           </a:p>
         </p:txBody>
@@ -6558,7 +10166,7 @@
     </p:spTree>
     <p:extLst>
       <p:ext uri="{BB962C8B-B14F-4D97-AF65-F5344CB8AC3E}">
-        <p14:creationId xmlns:p14="http://schemas.microsoft.com/office/powerpoint/2010/main" val="3423769480"/>
+        <p14:creationId xmlns:p14="http://schemas.microsoft.com/office/powerpoint/2010/main" val="249219108"/>
       </p:ext>
     </p:extLst>
   </p:cSld>
@@ -6587,2760 +10195,163 @@
       </p:grpSpPr>
       <p:sp>
         <p:nvSpPr>
-          <p:cNvPr id="22" name="Rectangle 21">
-            <a:extLst>
-              <a:ext uri="{FF2B5EF4-FFF2-40B4-BE49-F238E27FC236}">
-                <a16:creationId xmlns:a16="http://schemas.microsoft.com/office/drawing/2014/main" id="{C67874B4-3403-4B43-A5CC-E0BBD7F2B85E}"/>
-              </a:ext>
-            </a:extLst>
-          </p:cNvPr>
-          <p:cNvSpPr/>
-          <p:nvPr/>
-        </p:nvSpPr>
-        <p:spPr>
-          <a:xfrm>
-            <a:off x="336887" y="5196559"/>
-            <a:ext cx="11618474" cy="1492996"/>
-          </a:xfrm>
-          <a:prstGeom prst="rect">
-            <a:avLst/>
-          </a:prstGeom>
-          <a:solidFill>
-            <a:schemeClr val="bg1"/>
-          </a:solidFill>
-          <a:ln>
-            <a:solidFill>
-              <a:schemeClr val="tx1"/>
-            </a:solidFill>
-          </a:ln>
-        </p:spPr>
-        <p:style>
-          <a:lnRef idx="2">
-            <a:schemeClr val="accent3">
-              <a:shade val="50000"/>
-            </a:schemeClr>
-          </a:lnRef>
-          <a:fillRef idx="1">
-            <a:schemeClr val="accent3"/>
-          </a:fillRef>
-          <a:effectRef idx="0">
-            <a:schemeClr val="accent3"/>
-          </a:effectRef>
-          <a:fontRef idx="minor">
-            <a:schemeClr val="lt1"/>
-          </a:fontRef>
-        </p:style>
-        <p:txBody>
-          <a:bodyPr rtlCol="0" anchor="ctr"/>
-          <a:lstStyle/>
-          <a:p>
-            <a:pPr algn="ctr"/>
-            <a:endParaRPr lang="en-GB"/>
-          </a:p>
-        </p:txBody>
-      </p:sp>
-      <p:sp>
-        <p:nvSpPr>
-          <p:cNvPr id="4" name="Rectangle: Rounded Corners 3">
-            <a:extLst>
-              <a:ext uri="{FF2B5EF4-FFF2-40B4-BE49-F238E27FC236}">
-                <a16:creationId xmlns:a16="http://schemas.microsoft.com/office/drawing/2014/main" id="{A236E950-F5AB-4148-87FC-212AB691E5B1}"/>
-              </a:ext>
-            </a:extLst>
-          </p:cNvPr>
-          <p:cNvSpPr/>
-          <p:nvPr/>
-        </p:nvSpPr>
-        <p:spPr>
-          <a:xfrm>
-            <a:off x="4410241" y="168357"/>
-            <a:ext cx="2729834" cy="369332"/>
-          </a:xfrm>
-          <a:prstGeom prst="roundRect">
-            <a:avLst/>
-          </a:prstGeom>
-        </p:spPr>
-        <p:style>
-          <a:lnRef idx="2">
-            <a:schemeClr val="accent1">
-              <a:shade val="50000"/>
-            </a:schemeClr>
-          </a:lnRef>
-          <a:fillRef idx="1">
-            <a:schemeClr val="accent1"/>
-          </a:fillRef>
-          <a:effectRef idx="0">
-            <a:schemeClr val="accent1"/>
-          </a:effectRef>
-          <a:fontRef idx="minor">
-            <a:schemeClr val="lt1"/>
-          </a:fontRef>
-        </p:style>
-        <p:txBody>
-          <a:bodyPr rtlCol="0" anchor="ctr"/>
-          <a:lstStyle/>
-          <a:p>
-            <a:pPr algn="ctr"/>
-            <a:endParaRPr lang="en-GB"/>
-          </a:p>
-        </p:txBody>
-      </p:sp>
-      <p:sp>
-        <p:nvSpPr>
-          <p:cNvPr id="5" name="Rectangle: Rounded Corners 4">
-            <a:extLst>
-              <a:ext uri="{FF2B5EF4-FFF2-40B4-BE49-F238E27FC236}">
-                <a16:creationId xmlns:a16="http://schemas.microsoft.com/office/drawing/2014/main" id="{B7EB9378-BB27-4E46-AE7B-2128546BC518}"/>
-              </a:ext>
-            </a:extLst>
-          </p:cNvPr>
-          <p:cNvSpPr/>
-          <p:nvPr/>
-        </p:nvSpPr>
-        <p:spPr>
-          <a:xfrm>
-            <a:off x="171115" y="716983"/>
-            <a:ext cx="1989222" cy="433137"/>
-          </a:xfrm>
-          <a:prstGeom prst="roundRect">
-            <a:avLst/>
-          </a:prstGeom>
-        </p:spPr>
-        <p:style>
-          <a:lnRef idx="2">
-            <a:schemeClr val="accent1">
-              <a:shade val="50000"/>
-            </a:schemeClr>
-          </a:lnRef>
-          <a:fillRef idx="1">
-            <a:schemeClr val="accent1"/>
-          </a:fillRef>
-          <a:effectRef idx="0">
-            <a:schemeClr val="accent1"/>
-          </a:effectRef>
-          <a:fontRef idx="minor">
-            <a:schemeClr val="lt1"/>
-          </a:fontRef>
-        </p:style>
-        <p:txBody>
-          <a:bodyPr rtlCol="0" anchor="ctr"/>
-          <a:lstStyle/>
-          <a:p>
-            <a:pPr algn="ctr"/>
-            <a:endParaRPr lang="en-GB"/>
-          </a:p>
-        </p:txBody>
-      </p:sp>
-      <p:sp>
-        <p:nvSpPr>
-          <p:cNvPr id="6" name="Rectangle: Rounded Corners 5">
-            <a:extLst>
-              <a:ext uri="{FF2B5EF4-FFF2-40B4-BE49-F238E27FC236}">
-                <a16:creationId xmlns:a16="http://schemas.microsoft.com/office/drawing/2014/main" id="{6E2E2354-F343-48C9-824F-9C3A88781369}"/>
-              </a:ext>
-            </a:extLst>
-          </p:cNvPr>
-          <p:cNvSpPr/>
-          <p:nvPr/>
-        </p:nvSpPr>
-        <p:spPr>
-          <a:xfrm>
-            <a:off x="2557150" y="716983"/>
-            <a:ext cx="1989221" cy="433137"/>
-          </a:xfrm>
-          <a:prstGeom prst="roundRect">
-            <a:avLst/>
-          </a:prstGeom>
-        </p:spPr>
-        <p:style>
-          <a:lnRef idx="2">
-            <a:schemeClr val="accent1">
-              <a:shade val="50000"/>
-            </a:schemeClr>
-          </a:lnRef>
-          <a:fillRef idx="1">
-            <a:schemeClr val="accent1"/>
-          </a:fillRef>
-          <a:effectRef idx="0">
-            <a:schemeClr val="accent1"/>
-          </a:effectRef>
-          <a:fontRef idx="minor">
-            <a:schemeClr val="lt1"/>
-          </a:fontRef>
-        </p:style>
-        <p:txBody>
-          <a:bodyPr rtlCol="0" anchor="ctr"/>
-          <a:lstStyle/>
-          <a:p>
-            <a:pPr algn="ctr"/>
-            <a:endParaRPr lang="en-GB"/>
-          </a:p>
-        </p:txBody>
-      </p:sp>
-      <p:sp>
-        <p:nvSpPr>
-          <p:cNvPr id="7" name="Rectangle: Rounded Corners 6">
-            <a:extLst>
-              <a:ext uri="{FF2B5EF4-FFF2-40B4-BE49-F238E27FC236}">
-                <a16:creationId xmlns:a16="http://schemas.microsoft.com/office/drawing/2014/main" id="{3EF0D731-6D93-4506-B1CF-4E180E5BE4DC}"/>
-              </a:ext>
-            </a:extLst>
-          </p:cNvPr>
-          <p:cNvSpPr/>
-          <p:nvPr/>
-        </p:nvSpPr>
-        <p:spPr>
-          <a:xfrm>
-            <a:off x="7776394" y="721191"/>
-            <a:ext cx="4178967" cy="433137"/>
-          </a:xfrm>
-          <a:prstGeom prst="roundRect">
-            <a:avLst/>
-          </a:prstGeom>
-        </p:spPr>
-        <p:style>
-          <a:lnRef idx="2">
-            <a:schemeClr val="accent1">
-              <a:shade val="50000"/>
-            </a:schemeClr>
-          </a:lnRef>
-          <a:fillRef idx="1">
-            <a:schemeClr val="accent1"/>
-          </a:fillRef>
-          <a:effectRef idx="0">
-            <a:schemeClr val="accent1"/>
-          </a:effectRef>
-          <a:fontRef idx="minor">
-            <a:schemeClr val="lt1"/>
-          </a:fontRef>
-        </p:style>
-        <p:txBody>
-          <a:bodyPr rtlCol="0" anchor="ctr"/>
-          <a:lstStyle/>
-          <a:p>
-            <a:pPr algn="ctr"/>
-            <a:r>
-              <a:rPr lang="en-GB" dirty="0">
+          <p:cNvPr id="5" name="Title">
+            <a:extLst>
+              <a:ext uri="{FF2B5EF4-FFF2-40B4-BE49-F238E27FC236}">
+                <a16:creationId xmlns:a16="http://schemas.microsoft.com/office/drawing/2014/main" id="{AC5AD953-635B-2B48-B87A-4F5101B6050D}"/>
+              </a:ext>
+            </a:extLst>
+          </p:cNvPr>
+          <p:cNvSpPr>
+            <a:spLocks noGrp="1"/>
+          </p:cNvSpPr>
+          <p:nvPr>
+            <p:ph type="title"/>
+          </p:nvPr>
+        </p:nvSpPr>
+        <p:spPr>
+          <a:xfrm>
+            <a:off x="838200" y="554411"/>
+            <a:ext cx="10515600" cy="701731"/>
+          </a:xfrm>
+        </p:spPr>
+        <p:txBody>
+          <a:bodyPr/>
+          <a:lstStyle/>
+          <a:p>
+            <a:r>
+              <a:rPr lang="en-GB" sz="4400" dirty="0"/>
+              <a:t>Method</a:t>
+            </a:r>
+            <a:endParaRPr lang="en-US" sz="4400" dirty="0"/>
+          </a:p>
+        </p:txBody>
+      </p:sp>
+      <p:sp>
+        <p:nvSpPr>
+          <p:cNvPr id="6" name="Content Placeholder">
+            <a:extLst>
+              <a:ext uri="{FF2B5EF4-FFF2-40B4-BE49-F238E27FC236}">
+                <a16:creationId xmlns:a16="http://schemas.microsoft.com/office/drawing/2014/main" id="{4C842C63-75A3-F044-9F81-2C8C2B628C68}"/>
+              </a:ext>
+            </a:extLst>
+          </p:cNvPr>
+          <p:cNvSpPr>
+            <a:spLocks noGrp="1"/>
+          </p:cNvSpPr>
+          <p:nvPr>
+            <p:ph idx="1"/>
+          </p:nvPr>
+        </p:nvSpPr>
+        <p:spPr>
+          <a:xfrm>
+            <a:off x="838200" y="1424324"/>
+            <a:ext cx="10515600" cy="5022529"/>
+          </a:xfrm>
+        </p:spPr>
+        <p:txBody>
+          <a:bodyPr/>
+          <a:lstStyle/>
+          <a:p>
+            <a:r>
+              <a:rPr lang="en-GB" sz="2800" dirty="0"/>
+              <a:t>Hansard data</a:t>
+            </a:r>
+          </a:p>
+          <a:p>
+            <a:pPr lvl="1"/>
+            <a:r>
+              <a:rPr lang="en-GB" sz="2400" dirty="0">
+                <a:hlinkClick r:id="rId2"/>
+              </a:rPr>
+              <a:t>https://parser.theyworkforyou.com/hansard.html</a:t>
+            </a:r>
+            <a:r>
+              <a:rPr lang="en-GB" sz="2400" dirty="0"/>
+              <a:t>  </a:t>
+            </a:r>
+          </a:p>
+          <a:p>
+            <a:r>
+              <a:rPr lang="en-GB" sz="2800" dirty="0"/>
+              <a:t>Processing</a:t>
+            </a:r>
+          </a:p>
+          <a:p>
+            <a:pPr lvl="1"/>
+            <a:r>
+              <a:rPr lang="en-GB" sz="2400" dirty="0">
                 <a:solidFill>
-                  <a:schemeClr val="bg1"/>
+                  <a:schemeClr val="tx1"/>
                 </a:solidFill>
               </a:rPr>
-              <a:t>Filter -- Week/Year</a:t>
-            </a:r>
-          </a:p>
-        </p:txBody>
-      </p:sp>
-      <p:cxnSp>
-        <p:nvCxnSpPr>
-          <p:cNvPr id="9" name="Straight Connector 8">
-            <a:extLst>
-              <a:ext uri="{FF2B5EF4-FFF2-40B4-BE49-F238E27FC236}">
-                <a16:creationId xmlns:a16="http://schemas.microsoft.com/office/drawing/2014/main" id="{24301F31-1E59-4409-9646-4B876A0D65E7}"/>
-              </a:ext>
-            </a:extLst>
-          </p:cNvPr>
-          <p:cNvCxnSpPr/>
-          <p:nvPr/>
-        </p:nvCxnSpPr>
-        <p:spPr>
-          <a:xfrm>
-            <a:off x="649705" y="1868906"/>
-            <a:ext cx="0" cy="2967789"/>
-          </a:xfrm>
-          <a:prstGeom prst="line">
-            <a:avLst/>
-          </a:prstGeom>
-        </p:spPr>
-        <p:style>
-          <a:lnRef idx="3">
-            <a:schemeClr val="dk1"/>
-          </a:lnRef>
-          <a:fillRef idx="0">
-            <a:schemeClr val="dk1"/>
-          </a:fillRef>
-          <a:effectRef idx="2">
-            <a:schemeClr val="dk1"/>
-          </a:effectRef>
-          <a:fontRef idx="minor">
-            <a:schemeClr val="tx1"/>
-          </a:fontRef>
-        </p:style>
-      </p:cxnSp>
-      <p:cxnSp>
-        <p:nvCxnSpPr>
-          <p:cNvPr id="10" name="Straight Connector 9">
-            <a:extLst>
-              <a:ext uri="{FF2B5EF4-FFF2-40B4-BE49-F238E27FC236}">
-                <a16:creationId xmlns:a16="http://schemas.microsoft.com/office/drawing/2014/main" id="{5064C61A-95F1-43F5-8068-E265F3226AC1}"/>
-              </a:ext>
-            </a:extLst>
-          </p:cNvPr>
-          <p:cNvCxnSpPr>
-            <a:cxnSpLocks/>
-          </p:cNvCxnSpPr>
-          <p:nvPr/>
-        </p:nvCxnSpPr>
-        <p:spPr>
-          <a:xfrm>
-            <a:off x="649705" y="4836695"/>
-            <a:ext cx="11211185" cy="0"/>
-          </a:xfrm>
-          <a:prstGeom prst="line">
-            <a:avLst/>
-          </a:prstGeom>
-        </p:spPr>
-        <p:style>
-          <a:lnRef idx="3">
-            <a:schemeClr val="dk1"/>
-          </a:lnRef>
-          <a:fillRef idx="0">
-            <a:schemeClr val="dk1"/>
-          </a:fillRef>
-          <a:effectRef idx="2">
-            <a:schemeClr val="dk1"/>
-          </a:effectRef>
-          <a:fontRef idx="minor">
-            <a:schemeClr val="tx1"/>
-          </a:fontRef>
-        </p:style>
-      </p:cxnSp>
-      <p:sp>
-        <p:nvSpPr>
-          <p:cNvPr id="14" name="TextBox 13">
-            <a:extLst>
-              <a:ext uri="{FF2B5EF4-FFF2-40B4-BE49-F238E27FC236}">
-                <a16:creationId xmlns:a16="http://schemas.microsoft.com/office/drawing/2014/main" id="{9F4EF6A3-102A-4FE1-BB75-100D60DE4F2F}"/>
-              </a:ext>
-            </a:extLst>
-          </p:cNvPr>
-          <p:cNvSpPr txBox="1"/>
-          <p:nvPr/>
-        </p:nvSpPr>
-        <p:spPr>
-          <a:xfrm>
-            <a:off x="3795292" y="5189519"/>
-            <a:ext cx="1041387" cy="369332"/>
-          </a:xfrm>
-          <a:prstGeom prst="rect">
-            <a:avLst/>
-          </a:prstGeom>
-          <a:noFill/>
-        </p:spPr>
-        <p:txBody>
-          <a:bodyPr wrap="square" rtlCol="0">
-            <a:spAutoFit/>
-          </a:bodyPr>
-          <a:lstStyle/>
-          <a:p>
-            <a:pPr algn="ctr"/>
-            <a:r>
-              <a:rPr lang="en-GB" dirty="0"/>
-              <a:t>Speaker</a:t>
-            </a:r>
-          </a:p>
-        </p:txBody>
-      </p:sp>
-      <p:sp>
-        <p:nvSpPr>
-          <p:cNvPr id="15" name="TextBox 14">
-            <a:extLst>
-              <a:ext uri="{FF2B5EF4-FFF2-40B4-BE49-F238E27FC236}">
-                <a16:creationId xmlns:a16="http://schemas.microsoft.com/office/drawing/2014/main" id="{52B11C6C-70A3-4961-80A0-CC8CC4A1AF4F}"/>
-              </a:ext>
-            </a:extLst>
-          </p:cNvPr>
-          <p:cNvSpPr txBox="1"/>
-          <p:nvPr/>
-        </p:nvSpPr>
-        <p:spPr>
-          <a:xfrm>
-            <a:off x="5155534" y="5188879"/>
-            <a:ext cx="862119" cy="369332"/>
-          </a:xfrm>
-          <a:prstGeom prst="rect">
-            <a:avLst/>
-          </a:prstGeom>
-          <a:noFill/>
-        </p:spPr>
-        <p:txBody>
-          <a:bodyPr wrap="square" rtlCol="0">
-            <a:spAutoFit/>
-          </a:bodyPr>
-          <a:lstStyle/>
-          <a:p>
-            <a:pPr algn="ctr"/>
-            <a:r>
-              <a:rPr lang="en-GB" dirty="0"/>
-              <a:t>Topic</a:t>
-            </a:r>
-          </a:p>
-        </p:txBody>
-      </p:sp>
-      <p:sp>
-        <p:nvSpPr>
-          <p:cNvPr id="16" name="TextBox 15">
-            <a:extLst>
-              <a:ext uri="{FF2B5EF4-FFF2-40B4-BE49-F238E27FC236}">
-                <a16:creationId xmlns:a16="http://schemas.microsoft.com/office/drawing/2014/main" id="{483E2797-2113-4710-B563-C1D6702D6D0B}"/>
-              </a:ext>
-            </a:extLst>
-          </p:cNvPr>
-          <p:cNvSpPr txBox="1"/>
-          <p:nvPr/>
-        </p:nvSpPr>
-        <p:spPr>
-          <a:xfrm>
-            <a:off x="8412194" y="5196559"/>
-            <a:ext cx="3102023" cy="338554"/>
-          </a:xfrm>
-          <a:prstGeom prst="rect">
-            <a:avLst/>
-          </a:prstGeom>
-          <a:noFill/>
-        </p:spPr>
-        <p:txBody>
-          <a:bodyPr wrap="square" rtlCol="0">
-            <a:spAutoFit/>
-          </a:bodyPr>
-          <a:lstStyle/>
-          <a:p>
-            <a:r>
-              <a:rPr lang="en-GB" sz="1600" dirty="0"/>
-              <a:t>Source (date + location  + debate)</a:t>
-            </a:r>
-          </a:p>
-        </p:txBody>
-      </p:sp>
-      <p:sp>
-        <p:nvSpPr>
-          <p:cNvPr id="17" name="TextBox 16">
-            <a:extLst>
-              <a:ext uri="{FF2B5EF4-FFF2-40B4-BE49-F238E27FC236}">
-                <a16:creationId xmlns:a16="http://schemas.microsoft.com/office/drawing/2014/main" id="{81C53452-534A-4907-8243-DF51260643EF}"/>
-              </a:ext>
-            </a:extLst>
-          </p:cNvPr>
-          <p:cNvSpPr txBox="1"/>
-          <p:nvPr/>
-        </p:nvSpPr>
-        <p:spPr>
-          <a:xfrm>
-            <a:off x="975008" y="5188879"/>
-            <a:ext cx="3379994" cy="369332"/>
-          </a:xfrm>
-          <a:prstGeom prst="rect">
-            <a:avLst/>
-          </a:prstGeom>
-          <a:noFill/>
-        </p:spPr>
-        <p:txBody>
-          <a:bodyPr wrap="square" rtlCol="0">
-            <a:spAutoFit/>
-          </a:bodyPr>
-          <a:lstStyle/>
-          <a:p>
-            <a:pPr algn="ctr"/>
-            <a:r>
-              <a:rPr lang="en-GB" dirty="0"/>
-              <a:t>Context</a:t>
-            </a:r>
-          </a:p>
-        </p:txBody>
-      </p:sp>
-      <p:sp>
-        <p:nvSpPr>
-          <p:cNvPr id="18" name="TextBox 17">
-            <a:extLst>
-              <a:ext uri="{FF2B5EF4-FFF2-40B4-BE49-F238E27FC236}">
-                <a16:creationId xmlns:a16="http://schemas.microsoft.com/office/drawing/2014/main" id="{4121A826-1AC6-4A57-BD37-C349AE428423}"/>
-              </a:ext>
-            </a:extLst>
-          </p:cNvPr>
-          <p:cNvSpPr txBox="1"/>
-          <p:nvPr/>
-        </p:nvSpPr>
-        <p:spPr>
-          <a:xfrm>
-            <a:off x="483507" y="5212956"/>
-            <a:ext cx="392786" cy="377719"/>
-          </a:xfrm>
-          <a:prstGeom prst="rect">
-            <a:avLst/>
-          </a:prstGeom>
-          <a:noFill/>
-        </p:spPr>
-        <p:txBody>
-          <a:bodyPr wrap="square" rtlCol="0">
-            <a:spAutoFit/>
-          </a:bodyPr>
-          <a:lstStyle/>
-          <a:p>
-            <a:r>
-              <a:rPr lang="en-GB" dirty="0"/>
-              <a:t>id</a:t>
-            </a:r>
-          </a:p>
-        </p:txBody>
-      </p:sp>
-      <p:sp>
-        <p:nvSpPr>
-          <p:cNvPr id="19" name="Rectangle 18">
-            <a:extLst>
-              <a:ext uri="{FF2B5EF4-FFF2-40B4-BE49-F238E27FC236}">
-                <a16:creationId xmlns:a16="http://schemas.microsoft.com/office/drawing/2014/main" id="{EE615377-04FA-4909-B516-5C3691B69A6F}"/>
-              </a:ext>
-            </a:extLst>
-          </p:cNvPr>
-          <p:cNvSpPr/>
-          <p:nvPr/>
-        </p:nvSpPr>
-        <p:spPr>
-          <a:xfrm>
-            <a:off x="11626426" y="5846761"/>
-            <a:ext cx="201430" cy="489284"/>
-          </a:xfrm>
-          <a:prstGeom prst="rect">
-            <a:avLst/>
-          </a:prstGeom>
-        </p:spPr>
-        <p:style>
-          <a:lnRef idx="2">
-            <a:schemeClr val="accent3">
-              <a:shade val="50000"/>
-            </a:schemeClr>
-          </a:lnRef>
-          <a:fillRef idx="1">
-            <a:schemeClr val="accent3"/>
-          </a:fillRef>
-          <a:effectRef idx="0">
-            <a:schemeClr val="accent3"/>
-          </a:effectRef>
-          <a:fontRef idx="minor">
-            <a:schemeClr val="lt1"/>
-          </a:fontRef>
-        </p:style>
-        <p:txBody>
-          <a:bodyPr rtlCol="0" anchor="ctr"/>
-          <a:lstStyle/>
-          <a:p>
-            <a:pPr algn="ctr"/>
-            <a:endParaRPr lang="en-GB"/>
-          </a:p>
-        </p:txBody>
-      </p:sp>
-      <p:sp>
-        <p:nvSpPr>
-          <p:cNvPr id="20" name="Isosceles Triangle 19">
-            <a:extLst>
-              <a:ext uri="{FF2B5EF4-FFF2-40B4-BE49-F238E27FC236}">
-                <a16:creationId xmlns:a16="http://schemas.microsoft.com/office/drawing/2014/main" id="{02222BD2-2A26-40F5-B2E4-0E343174C9E7}"/>
-              </a:ext>
-            </a:extLst>
-          </p:cNvPr>
-          <p:cNvSpPr/>
-          <p:nvPr/>
-        </p:nvSpPr>
-        <p:spPr>
-          <a:xfrm>
-            <a:off x="11593094" y="5598701"/>
-            <a:ext cx="267796" cy="192498"/>
-          </a:xfrm>
-          <a:prstGeom prst="triangle">
-            <a:avLst/>
-          </a:prstGeom>
-        </p:spPr>
-        <p:style>
-          <a:lnRef idx="2">
-            <a:schemeClr val="accent3">
-              <a:shade val="50000"/>
-            </a:schemeClr>
-          </a:lnRef>
-          <a:fillRef idx="1">
-            <a:schemeClr val="accent3"/>
-          </a:fillRef>
-          <a:effectRef idx="0">
-            <a:schemeClr val="accent3"/>
-          </a:effectRef>
-          <a:fontRef idx="minor">
-            <a:schemeClr val="lt1"/>
-          </a:fontRef>
-        </p:style>
-        <p:txBody>
-          <a:bodyPr rtlCol="0" anchor="ctr"/>
-          <a:lstStyle/>
-          <a:p>
-            <a:pPr algn="ctr"/>
-            <a:endParaRPr lang="en-GB"/>
-          </a:p>
-        </p:txBody>
-      </p:sp>
-      <p:sp>
-        <p:nvSpPr>
-          <p:cNvPr id="21" name="Isosceles Triangle 20">
-            <a:extLst>
-              <a:ext uri="{FF2B5EF4-FFF2-40B4-BE49-F238E27FC236}">
-                <a16:creationId xmlns:a16="http://schemas.microsoft.com/office/drawing/2014/main" id="{C9919F5B-F884-4D88-ABDB-A04F6E53ABC0}"/>
-              </a:ext>
-            </a:extLst>
-          </p:cNvPr>
-          <p:cNvSpPr/>
-          <p:nvPr/>
-        </p:nvSpPr>
-        <p:spPr>
-          <a:xfrm rot="10800000">
-            <a:off x="11593094" y="6391609"/>
-            <a:ext cx="267796" cy="192498"/>
-          </a:xfrm>
-          <a:prstGeom prst="triangle">
-            <a:avLst/>
-          </a:prstGeom>
-        </p:spPr>
-        <p:style>
-          <a:lnRef idx="2">
-            <a:schemeClr val="accent3">
-              <a:shade val="50000"/>
-            </a:schemeClr>
-          </a:lnRef>
-          <a:fillRef idx="1">
-            <a:schemeClr val="accent3"/>
-          </a:fillRef>
-          <a:effectRef idx="0">
-            <a:schemeClr val="accent3"/>
-          </a:effectRef>
-          <a:fontRef idx="minor">
-            <a:schemeClr val="lt1"/>
-          </a:fontRef>
-        </p:style>
-        <p:txBody>
-          <a:bodyPr rtlCol="0" anchor="ctr"/>
-          <a:lstStyle/>
-          <a:p>
-            <a:pPr algn="ctr"/>
-            <a:endParaRPr lang="en-GB"/>
-          </a:p>
-        </p:txBody>
-      </p:sp>
-      <p:cxnSp>
-        <p:nvCxnSpPr>
-          <p:cNvPr id="24" name="Straight Connector 23">
-            <a:extLst>
-              <a:ext uri="{FF2B5EF4-FFF2-40B4-BE49-F238E27FC236}">
-                <a16:creationId xmlns:a16="http://schemas.microsoft.com/office/drawing/2014/main" id="{EF718576-2DCE-48BB-9882-8221CDF61BA9}"/>
-              </a:ext>
-            </a:extLst>
-          </p:cNvPr>
-          <p:cNvCxnSpPr>
-            <a:cxnSpLocks/>
-          </p:cNvCxnSpPr>
-          <p:nvPr/>
-        </p:nvCxnSpPr>
-        <p:spPr>
-          <a:xfrm>
-            <a:off x="436175" y="5565520"/>
-            <a:ext cx="10941684" cy="8385"/>
-          </a:xfrm>
-          <a:prstGeom prst="line">
-            <a:avLst/>
-          </a:prstGeom>
-        </p:spPr>
-        <p:style>
-          <a:lnRef idx="1">
-            <a:schemeClr val="dk1"/>
-          </a:lnRef>
-          <a:fillRef idx="0">
-            <a:schemeClr val="dk1"/>
-          </a:fillRef>
-          <a:effectRef idx="0">
-            <a:schemeClr val="dk1"/>
-          </a:effectRef>
-          <a:fontRef idx="minor">
-            <a:schemeClr val="tx1"/>
-          </a:fontRef>
-        </p:style>
-      </p:cxnSp>
-      <p:sp>
-        <p:nvSpPr>
-          <p:cNvPr id="25" name="TextBox 24">
-            <a:extLst>
-              <a:ext uri="{FF2B5EF4-FFF2-40B4-BE49-F238E27FC236}">
-                <a16:creationId xmlns:a16="http://schemas.microsoft.com/office/drawing/2014/main" id="{CE8F96B1-EFD7-4B10-A091-E9749DA5F96D}"/>
-              </a:ext>
-            </a:extLst>
-          </p:cNvPr>
-          <p:cNvSpPr txBox="1"/>
-          <p:nvPr/>
-        </p:nvSpPr>
-        <p:spPr>
-          <a:xfrm>
-            <a:off x="4580022" y="159783"/>
-            <a:ext cx="2271809" cy="369332"/>
-          </a:xfrm>
-          <a:prstGeom prst="rect">
-            <a:avLst/>
-          </a:prstGeom>
-          <a:noFill/>
-        </p:spPr>
-        <p:txBody>
-          <a:bodyPr wrap="square" rtlCol="0">
-            <a:spAutoFit/>
-          </a:bodyPr>
-          <a:lstStyle/>
-          <a:p>
-            <a:pPr algn="ctr"/>
-            <a:r>
-              <a:rPr lang="en-GB" dirty="0">
+              <a:t>Data cleaning &amp; preparation in Python </a:t>
+            </a:r>
+          </a:p>
+          <a:p>
+            <a:r>
+              <a:rPr lang="en-GB" sz="2800" dirty="0"/>
+              <a:t>Modelling</a:t>
+            </a:r>
+          </a:p>
+          <a:p>
+            <a:pPr lvl="1"/>
+            <a:r>
+              <a:rPr lang="en-GB" sz="2400" dirty="0">
                 <a:solidFill>
-                  <a:schemeClr val="bg1"/>
+                  <a:schemeClr val="tx1"/>
                 </a:solidFill>
               </a:rPr>
-              <a:t>Heading</a:t>
-            </a:r>
-          </a:p>
-        </p:txBody>
-      </p:sp>
-      <p:sp>
-        <p:nvSpPr>
-          <p:cNvPr id="26" name="TextBox 25">
-            <a:extLst>
-              <a:ext uri="{FF2B5EF4-FFF2-40B4-BE49-F238E27FC236}">
-                <a16:creationId xmlns:a16="http://schemas.microsoft.com/office/drawing/2014/main" id="{F40E6EE2-ECED-4D0F-BAFB-CB5D6D64F278}"/>
-              </a:ext>
-            </a:extLst>
-          </p:cNvPr>
-          <p:cNvSpPr txBox="1"/>
-          <p:nvPr/>
-        </p:nvSpPr>
-        <p:spPr>
-          <a:xfrm>
-            <a:off x="371640" y="733024"/>
-            <a:ext cx="1655460" cy="369332"/>
-          </a:xfrm>
-          <a:prstGeom prst="rect">
-            <a:avLst/>
-          </a:prstGeom>
-          <a:noFill/>
-        </p:spPr>
-        <p:txBody>
-          <a:bodyPr wrap="square" rtlCol="0">
-            <a:spAutoFit/>
-          </a:bodyPr>
-          <a:lstStyle/>
-          <a:p>
-            <a:pPr algn="ctr"/>
-            <a:r>
-              <a:rPr lang="en-GB" dirty="0">
+              <a:t>ML using </a:t>
+            </a:r>
+            <a:r>
+              <a:rPr lang="en-GB" sz="2400" dirty="0" err="1">
+                <a:hlinkClick r:id="rId3"/>
+              </a:rPr>
+              <a:t>spaCy</a:t>
+            </a:r>
+            <a:r>
+              <a:rPr lang="en-GB" sz="2400" dirty="0"/>
+              <a:t> </a:t>
+            </a:r>
+            <a:r>
+              <a:rPr lang="en-GB" sz="2400" dirty="0">
                 <a:solidFill>
-                  <a:schemeClr val="bg1"/>
+                  <a:schemeClr val="tx1"/>
                 </a:solidFill>
               </a:rPr>
-              <a:t>Filter -- Topic</a:t>
-            </a:r>
-          </a:p>
-        </p:txBody>
-      </p:sp>
-      <p:sp>
-        <p:nvSpPr>
-          <p:cNvPr id="27" name="TextBox 26">
-            <a:extLst>
-              <a:ext uri="{FF2B5EF4-FFF2-40B4-BE49-F238E27FC236}">
-                <a16:creationId xmlns:a16="http://schemas.microsoft.com/office/drawing/2014/main" id="{7E478DA1-0D05-4468-ACA7-3F21FF065C97}"/>
-              </a:ext>
-            </a:extLst>
-          </p:cNvPr>
-          <p:cNvSpPr txBox="1"/>
-          <p:nvPr/>
-        </p:nvSpPr>
-        <p:spPr>
-          <a:xfrm>
-            <a:off x="2534940" y="682806"/>
-            <a:ext cx="1989221" cy="461665"/>
-          </a:xfrm>
-          <a:prstGeom prst="rect">
-            <a:avLst/>
-          </a:prstGeom>
-          <a:noFill/>
-        </p:spPr>
-        <p:txBody>
-          <a:bodyPr wrap="square" rtlCol="0">
-            <a:spAutoFit/>
-          </a:bodyPr>
-          <a:lstStyle/>
-          <a:p>
-            <a:pPr algn="ctr"/>
-            <a:r>
-              <a:rPr lang="en-GB" sz="1200" dirty="0">
+              <a:t>to produce models to identify sentiment &amp; topic</a:t>
+            </a:r>
+          </a:p>
+          <a:p>
+            <a:r>
+              <a:rPr lang="en-GB" sz="2800" dirty="0"/>
+              <a:t>Dashboard</a:t>
+            </a:r>
+          </a:p>
+          <a:p>
+            <a:pPr lvl="1"/>
+            <a:r>
+              <a:rPr lang="en-GB" sz="2400" dirty="0">
                 <a:solidFill>
-                  <a:schemeClr val="bg1"/>
+                  <a:schemeClr val="tx1"/>
                 </a:solidFill>
               </a:rPr>
-              <a:t>Filter – Parliament (UK/NI/SCO/WAL)</a:t>
-            </a:r>
-          </a:p>
-        </p:txBody>
-      </p:sp>
-      <p:sp>
-        <p:nvSpPr>
-          <p:cNvPr id="30" name="Rectangle 29">
-            <a:extLst>
-              <a:ext uri="{FF2B5EF4-FFF2-40B4-BE49-F238E27FC236}">
-                <a16:creationId xmlns:a16="http://schemas.microsoft.com/office/drawing/2014/main" id="{4796394A-A7EF-40EE-9205-6FFA8B6D1ED8}"/>
-              </a:ext>
-            </a:extLst>
-          </p:cNvPr>
-          <p:cNvSpPr/>
-          <p:nvPr/>
-        </p:nvSpPr>
-        <p:spPr>
-          <a:xfrm>
-            <a:off x="760400" y="3891227"/>
-            <a:ext cx="201832" cy="940771"/>
-          </a:xfrm>
-          <a:prstGeom prst="rect">
-            <a:avLst/>
-          </a:prstGeom>
-        </p:spPr>
-        <p:style>
-          <a:lnRef idx="2">
-            <a:schemeClr val="accent3">
-              <a:shade val="50000"/>
-            </a:schemeClr>
-          </a:lnRef>
-          <a:fillRef idx="1">
-            <a:schemeClr val="accent3"/>
-          </a:fillRef>
-          <a:effectRef idx="0">
-            <a:schemeClr val="accent3"/>
-          </a:effectRef>
-          <a:fontRef idx="minor">
-            <a:schemeClr val="lt1"/>
-          </a:fontRef>
-        </p:style>
-        <p:txBody>
-          <a:bodyPr rtlCol="0" anchor="ctr"/>
-          <a:lstStyle/>
-          <a:p>
-            <a:pPr algn="ctr"/>
-            <a:endParaRPr lang="en-GB"/>
-          </a:p>
-        </p:txBody>
-      </p:sp>
-      <p:sp>
-        <p:nvSpPr>
-          <p:cNvPr id="54" name="TextBox 53">
-            <a:extLst>
-              <a:ext uri="{FF2B5EF4-FFF2-40B4-BE49-F238E27FC236}">
-                <a16:creationId xmlns:a16="http://schemas.microsoft.com/office/drawing/2014/main" id="{788348DF-F23C-4373-92AB-C3E6734809EE}"/>
-              </a:ext>
-            </a:extLst>
-          </p:cNvPr>
-          <p:cNvSpPr txBox="1"/>
-          <p:nvPr/>
-        </p:nvSpPr>
-        <p:spPr>
-          <a:xfrm>
-            <a:off x="713501" y="4850926"/>
-            <a:ext cx="1053494" cy="307777"/>
-          </a:xfrm>
-          <a:prstGeom prst="rect">
-            <a:avLst/>
-          </a:prstGeom>
-          <a:noFill/>
-        </p:spPr>
-        <p:txBody>
-          <a:bodyPr wrap="none" rtlCol="0">
-            <a:spAutoFit/>
-          </a:bodyPr>
-          <a:lstStyle/>
-          <a:p>
-            <a:r>
-              <a:rPr lang="en-GB" sz="1400" dirty="0"/>
-              <a:t>04/01/2016</a:t>
-            </a:r>
-          </a:p>
-        </p:txBody>
-      </p:sp>
-      <p:sp>
-        <p:nvSpPr>
-          <p:cNvPr id="55" name="TextBox 54">
-            <a:extLst>
-              <a:ext uri="{FF2B5EF4-FFF2-40B4-BE49-F238E27FC236}">
-                <a16:creationId xmlns:a16="http://schemas.microsoft.com/office/drawing/2014/main" id="{549F7838-BA58-41D5-AFD5-A6ABC76AFF4A}"/>
-              </a:ext>
-            </a:extLst>
-          </p:cNvPr>
-          <p:cNvSpPr txBox="1"/>
-          <p:nvPr/>
-        </p:nvSpPr>
-        <p:spPr>
-          <a:xfrm>
-            <a:off x="2139915" y="4858624"/>
-            <a:ext cx="1053494" cy="307777"/>
-          </a:xfrm>
-          <a:prstGeom prst="rect">
-            <a:avLst/>
-          </a:prstGeom>
-          <a:noFill/>
-        </p:spPr>
-        <p:txBody>
-          <a:bodyPr wrap="none" rtlCol="0">
-            <a:spAutoFit/>
-          </a:bodyPr>
-          <a:lstStyle/>
-          <a:p>
-            <a:r>
-              <a:rPr lang="en-GB" sz="1400" dirty="0"/>
-              <a:t>11/01/2016</a:t>
-            </a:r>
-          </a:p>
-        </p:txBody>
-      </p:sp>
-      <p:sp>
-        <p:nvSpPr>
-          <p:cNvPr id="56" name="TextBox 55">
-            <a:extLst>
-              <a:ext uri="{FF2B5EF4-FFF2-40B4-BE49-F238E27FC236}">
-                <a16:creationId xmlns:a16="http://schemas.microsoft.com/office/drawing/2014/main" id="{B4175D74-0237-463E-9C92-BF1E9C952B97}"/>
-              </a:ext>
-            </a:extLst>
-          </p:cNvPr>
-          <p:cNvSpPr txBox="1"/>
-          <p:nvPr/>
-        </p:nvSpPr>
-        <p:spPr>
-          <a:xfrm>
-            <a:off x="3566330" y="4857774"/>
-            <a:ext cx="1053494" cy="307777"/>
-          </a:xfrm>
-          <a:prstGeom prst="rect">
-            <a:avLst/>
-          </a:prstGeom>
-          <a:noFill/>
-        </p:spPr>
-        <p:txBody>
-          <a:bodyPr wrap="none" rtlCol="0">
-            <a:spAutoFit/>
-          </a:bodyPr>
-          <a:lstStyle/>
-          <a:p>
-            <a:r>
-              <a:rPr lang="en-GB" sz="1400" dirty="0"/>
-              <a:t>18/01/2016</a:t>
-            </a:r>
-          </a:p>
-        </p:txBody>
-      </p:sp>
-      <p:sp>
-        <p:nvSpPr>
-          <p:cNvPr id="57" name="TextBox 56">
-            <a:extLst>
-              <a:ext uri="{FF2B5EF4-FFF2-40B4-BE49-F238E27FC236}">
-                <a16:creationId xmlns:a16="http://schemas.microsoft.com/office/drawing/2014/main" id="{A48F607B-5C55-4994-A6DA-A7B0D9D9AD18}"/>
-              </a:ext>
-            </a:extLst>
-          </p:cNvPr>
-          <p:cNvSpPr txBox="1"/>
-          <p:nvPr/>
-        </p:nvSpPr>
-        <p:spPr>
-          <a:xfrm>
-            <a:off x="4992744" y="4850926"/>
-            <a:ext cx="1053494" cy="307777"/>
-          </a:xfrm>
-          <a:prstGeom prst="rect">
-            <a:avLst/>
-          </a:prstGeom>
-          <a:noFill/>
-        </p:spPr>
-        <p:txBody>
-          <a:bodyPr wrap="none" rtlCol="0">
-            <a:spAutoFit/>
-          </a:bodyPr>
-          <a:lstStyle/>
-          <a:p>
-            <a:r>
-              <a:rPr lang="en-GB" sz="1400" dirty="0"/>
-              <a:t>25/01/2016</a:t>
-            </a:r>
-          </a:p>
-        </p:txBody>
-      </p:sp>
-      <p:sp>
-        <p:nvSpPr>
-          <p:cNvPr id="58" name="TextBox 57">
-            <a:extLst>
-              <a:ext uri="{FF2B5EF4-FFF2-40B4-BE49-F238E27FC236}">
-                <a16:creationId xmlns:a16="http://schemas.microsoft.com/office/drawing/2014/main" id="{90F37AE7-79BA-4055-8118-624AA123FC5C}"/>
-              </a:ext>
-            </a:extLst>
-          </p:cNvPr>
-          <p:cNvSpPr txBox="1"/>
-          <p:nvPr/>
-        </p:nvSpPr>
-        <p:spPr>
-          <a:xfrm>
-            <a:off x="6443548" y="4866204"/>
-            <a:ext cx="1053494" cy="307777"/>
-          </a:xfrm>
-          <a:prstGeom prst="rect">
-            <a:avLst/>
-          </a:prstGeom>
-          <a:noFill/>
-        </p:spPr>
-        <p:txBody>
-          <a:bodyPr wrap="none" rtlCol="0">
-            <a:spAutoFit/>
-          </a:bodyPr>
-          <a:lstStyle/>
-          <a:p>
-            <a:r>
-              <a:rPr lang="en-GB" sz="1400" dirty="0"/>
-              <a:t>01/02/2016</a:t>
-            </a:r>
-          </a:p>
-        </p:txBody>
-      </p:sp>
-      <p:sp>
-        <p:nvSpPr>
-          <p:cNvPr id="59" name="TextBox 58">
-            <a:extLst>
-              <a:ext uri="{FF2B5EF4-FFF2-40B4-BE49-F238E27FC236}">
-                <a16:creationId xmlns:a16="http://schemas.microsoft.com/office/drawing/2014/main" id="{CD320D13-54CA-4166-81C8-430130D7AC26}"/>
-              </a:ext>
-            </a:extLst>
-          </p:cNvPr>
-          <p:cNvSpPr txBox="1"/>
-          <p:nvPr/>
-        </p:nvSpPr>
-        <p:spPr>
-          <a:xfrm>
-            <a:off x="7869962" y="4857774"/>
-            <a:ext cx="1053494" cy="307777"/>
-          </a:xfrm>
-          <a:prstGeom prst="rect">
-            <a:avLst/>
-          </a:prstGeom>
-          <a:noFill/>
-        </p:spPr>
-        <p:txBody>
-          <a:bodyPr wrap="none" rtlCol="0">
-            <a:spAutoFit/>
-          </a:bodyPr>
-          <a:lstStyle/>
-          <a:p>
-            <a:r>
-              <a:rPr lang="en-GB" sz="1400" dirty="0"/>
-              <a:t>08/02/2016</a:t>
-            </a:r>
-          </a:p>
-        </p:txBody>
-      </p:sp>
-      <p:sp>
-        <p:nvSpPr>
-          <p:cNvPr id="60" name="TextBox 59">
-            <a:extLst>
-              <a:ext uri="{FF2B5EF4-FFF2-40B4-BE49-F238E27FC236}">
-                <a16:creationId xmlns:a16="http://schemas.microsoft.com/office/drawing/2014/main" id="{699EB5F0-A289-4DE6-B7F7-318FCE2B97DE}"/>
-              </a:ext>
-            </a:extLst>
-          </p:cNvPr>
-          <p:cNvSpPr txBox="1"/>
-          <p:nvPr/>
-        </p:nvSpPr>
-        <p:spPr>
-          <a:xfrm>
-            <a:off x="9383264" y="4859384"/>
-            <a:ext cx="1053494" cy="307777"/>
-          </a:xfrm>
-          <a:prstGeom prst="rect">
-            <a:avLst/>
-          </a:prstGeom>
-          <a:noFill/>
-        </p:spPr>
-        <p:txBody>
-          <a:bodyPr wrap="none" rtlCol="0">
-            <a:spAutoFit/>
-          </a:bodyPr>
-          <a:lstStyle/>
-          <a:p>
-            <a:r>
-              <a:rPr lang="en-GB" sz="1400" dirty="0"/>
-              <a:t>15/02/2016</a:t>
-            </a:r>
-          </a:p>
-        </p:txBody>
-      </p:sp>
-      <p:sp>
-        <p:nvSpPr>
-          <p:cNvPr id="61" name="TextBox 60">
-            <a:extLst>
-              <a:ext uri="{FF2B5EF4-FFF2-40B4-BE49-F238E27FC236}">
-                <a16:creationId xmlns:a16="http://schemas.microsoft.com/office/drawing/2014/main" id="{07B7E7BA-D942-419B-83B0-AE610256E8DF}"/>
-              </a:ext>
-            </a:extLst>
-          </p:cNvPr>
-          <p:cNvSpPr txBox="1"/>
-          <p:nvPr/>
-        </p:nvSpPr>
-        <p:spPr>
-          <a:xfrm>
-            <a:off x="10745615" y="4866203"/>
-            <a:ext cx="1053494" cy="307777"/>
-          </a:xfrm>
-          <a:prstGeom prst="rect">
-            <a:avLst/>
-          </a:prstGeom>
-          <a:noFill/>
-        </p:spPr>
-        <p:txBody>
-          <a:bodyPr wrap="none" rtlCol="0">
-            <a:spAutoFit/>
-          </a:bodyPr>
-          <a:lstStyle/>
-          <a:p>
-            <a:r>
-              <a:rPr lang="en-GB" sz="1400" dirty="0"/>
-              <a:t>22/02/2016</a:t>
-            </a:r>
-          </a:p>
-        </p:txBody>
-      </p:sp>
-      <p:sp>
-        <p:nvSpPr>
-          <p:cNvPr id="62" name="TextBox 61">
-            <a:extLst>
-              <a:ext uri="{FF2B5EF4-FFF2-40B4-BE49-F238E27FC236}">
-                <a16:creationId xmlns:a16="http://schemas.microsoft.com/office/drawing/2014/main" id="{2BFAB897-B98F-4BA9-B865-C4599A1769AC}"/>
-              </a:ext>
-            </a:extLst>
-          </p:cNvPr>
-          <p:cNvSpPr txBox="1"/>
-          <p:nvPr/>
-        </p:nvSpPr>
-        <p:spPr>
-          <a:xfrm rot="16200000">
-            <a:off x="48913" y="3244334"/>
-            <a:ext cx="748410" cy="369332"/>
-          </a:xfrm>
-          <a:prstGeom prst="rect">
-            <a:avLst/>
-          </a:prstGeom>
-          <a:noFill/>
-        </p:spPr>
-        <p:txBody>
-          <a:bodyPr wrap="none" rtlCol="0">
-            <a:spAutoFit/>
-          </a:bodyPr>
-          <a:lstStyle/>
-          <a:p>
-            <a:r>
-              <a:rPr lang="en-GB" dirty="0"/>
-              <a:t>Count</a:t>
-            </a:r>
-          </a:p>
-        </p:txBody>
-      </p:sp>
-      <p:sp>
-        <p:nvSpPr>
-          <p:cNvPr id="63" name="TextBox 62">
-            <a:extLst>
-              <a:ext uri="{FF2B5EF4-FFF2-40B4-BE49-F238E27FC236}">
-                <a16:creationId xmlns:a16="http://schemas.microsoft.com/office/drawing/2014/main" id="{71044900-E150-4B9D-A5B4-E5FB60286992}"/>
-              </a:ext>
-            </a:extLst>
-          </p:cNvPr>
-          <p:cNvSpPr txBox="1"/>
-          <p:nvPr/>
-        </p:nvSpPr>
-        <p:spPr>
-          <a:xfrm>
-            <a:off x="980358" y="2163915"/>
-            <a:ext cx="418704" cy="369332"/>
-          </a:xfrm>
-          <a:prstGeom prst="rect">
-            <a:avLst/>
-          </a:prstGeom>
-          <a:noFill/>
-        </p:spPr>
-        <p:txBody>
-          <a:bodyPr wrap="none" rtlCol="0">
-            <a:spAutoFit/>
-          </a:bodyPr>
-          <a:lstStyle/>
-          <a:p>
-            <a:r>
-              <a:rPr lang="en-GB" dirty="0"/>
-              <a:t>15</a:t>
-            </a:r>
-          </a:p>
-        </p:txBody>
-      </p:sp>
-      <p:sp>
-        <p:nvSpPr>
-          <p:cNvPr id="64" name="TextBox 63">
-            <a:extLst>
-              <a:ext uri="{FF2B5EF4-FFF2-40B4-BE49-F238E27FC236}">
-                <a16:creationId xmlns:a16="http://schemas.microsoft.com/office/drawing/2014/main" id="{03C4FB18-785F-4B3F-B03F-F23C0EAC336E}"/>
-              </a:ext>
-            </a:extLst>
-          </p:cNvPr>
-          <p:cNvSpPr txBox="1"/>
-          <p:nvPr/>
-        </p:nvSpPr>
-        <p:spPr>
-          <a:xfrm>
-            <a:off x="2340641" y="2153988"/>
-            <a:ext cx="418704" cy="369332"/>
-          </a:xfrm>
-          <a:prstGeom prst="rect">
-            <a:avLst/>
-          </a:prstGeom>
-          <a:noFill/>
-        </p:spPr>
-        <p:txBody>
-          <a:bodyPr wrap="none" rtlCol="0">
-            <a:spAutoFit/>
-          </a:bodyPr>
-          <a:lstStyle/>
-          <a:p>
-            <a:r>
-              <a:rPr lang="en-GB" dirty="0"/>
-              <a:t>10</a:t>
-            </a:r>
-          </a:p>
-        </p:txBody>
-      </p:sp>
-      <p:sp>
-        <p:nvSpPr>
-          <p:cNvPr id="65" name="TextBox 64">
-            <a:extLst>
-              <a:ext uri="{FF2B5EF4-FFF2-40B4-BE49-F238E27FC236}">
-                <a16:creationId xmlns:a16="http://schemas.microsoft.com/office/drawing/2014/main" id="{D64C602C-7ABF-45DD-81C9-E6B26F506B7D}"/>
-              </a:ext>
-            </a:extLst>
-          </p:cNvPr>
-          <p:cNvSpPr txBox="1"/>
-          <p:nvPr/>
-        </p:nvSpPr>
-        <p:spPr>
-          <a:xfrm>
-            <a:off x="3828789" y="2167880"/>
-            <a:ext cx="301686" cy="369332"/>
-          </a:xfrm>
-          <a:prstGeom prst="rect">
-            <a:avLst/>
-          </a:prstGeom>
-          <a:noFill/>
-        </p:spPr>
-        <p:txBody>
-          <a:bodyPr wrap="none" rtlCol="0">
-            <a:spAutoFit/>
-          </a:bodyPr>
-          <a:lstStyle/>
-          <a:p>
-            <a:r>
-              <a:rPr lang="en-GB" dirty="0"/>
-              <a:t>9</a:t>
-            </a:r>
-          </a:p>
-        </p:txBody>
-      </p:sp>
-      <p:sp>
-        <p:nvSpPr>
-          <p:cNvPr id="66" name="TextBox 65">
-            <a:extLst>
-              <a:ext uri="{FF2B5EF4-FFF2-40B4-BE49-F238E27FC236}">
-                <a16:creationId xmlns:a16="http://schemas.microsoft.com/office/drawing/2014/main" id="{D380DD65-F467-490F-B8C4-B382EAAA44A7}"/>
-              </a:ext>
-            </a:extLst>
-          </p:cNvPr>
-          <p:cNvSpPr txBox="1"/>
-          <p:nvPr/>
-        </p:nvSpPr>
-        <p:spPr>
-          <a:xfrm>
-            <a:off x="5377241" y="2163915"/>
-            <a:ext cx="418704" cy="369332"/>
-          </a:xfrm>
-          <a:prstGeom prst="rect">
-            <a:avLst/>
-          </a:prstGeom>
-          <a:noFill/>
-        </p:spPr>
-        <p:txBody>
-          <a:bodyPr wrap="none" rtlCol="0">
-            <a:spAutoFit/>
-          </a:bodyPr>
-          <a:lstStyle/>
-          <a:p>
-            <a:r>
-              <a:rPr lang="en-GB" dirty="0"/>
-              <a:t>11</a:t>
-            </a:r>
-          </a:p>
-        </p:txBody>
-      </p:sp>
-      <p:sp>
-        <p:nvSpPr>
-          <p:cNvPr id="67" name="TextBox 66">
-            <a:extLst>
-              <a:ext uri="{FF2B5EF4-FFF2-40B4-BE49-F238E27FC236}">
-                <a16:creationId xmlns:a16="http://schemas.microsoft.com/office/drawing/2014/main" id="{176D3091-C300-4B31-BD3A-A772393F2439}"/>
-              </a:ext>
-            </a:extLst>
-          </p:cNvPr>
-          <p:cNvSpPr txBox="1"/>
-          <p:nvPr/>
-        </p:nvSpPr>
-        <p:spPr>
-          <a:xfrm>
-            <a:off x="6788085" y="2141403"/>
-            <a:ext cx="301686" cy="369332"/>
-          </a:xfrm>
-          <a:prstGeom prst="rect">
-            <a:avLst/>
-          </a:prstGeom>
-          <a:noFill/>
-        </p:spPr>
-        <p:txBody>
-          <a:bodyPr wrap="none" rtlCol="0">
-            <a:spAutoFit/>
-          </a:bodyPr>
-          <a:lstStyle/>
-          <a:p>
-            <a:r>
-              <a:rPr lang="en-GB" dirty="0"/>
-              <a:t>4</a:t>
-            </a:r>
-          </a:p>
-        </p:txBody>
-      </p:sp>
-      <p:sp>
-        <p:nvSpPr>
-          <p:cNvPr id="68" name="TextBox 67">
-            <a:extLst>
-              <a:ext uri="{FF2B5EF4-FFF2-40B4-BE49-F238E27FC236}">
-                <a16:creationId xmlns:a16="http://schemas.microsoft.com/office/drawing/2014/main" id="{CBC945EE-5DE6-47DB-B38F-2D2F3DFE4187}"/>
-              </a:ext>
-            </a:extLst>
-          </p:cNvPr>
-          <p:cNvSpPr txBox="1"/>
-          <p:nvPr/>
-        </p:nvSpPr>
-        <p:spPr>
-          <a:xfrm>
-            <a:off x="8453555" y="2149537"/>
-            <a:ext cx="301686" cy="369332"/>
-          </a:xfrm>
-          <a:prstGeom prst="rect">
-            <a:avLst/>
-          </a:prstGeom>
-          <a:noFill/>
-        </p:spPr>
-        <p:txBody>
-          <a:bodyPr wrap="none" rtlCol="0">
-            <a:spAutoFit/>
-          </a:bodyPr>
-          <a:lstStyle/>
-          <a:p>
-            <a:r>
-              <a:rPr lang="en-GB" dirty="0"/>
-              <a:t>9</a:t>
-            </a:r>
-          </a:p>
-        </p:txBody>
-      </p:sp>
-      <p:sp>
-        <p:nvSpPr>
-          <p:cNvPr id="69" name="TextBox 68">
-            <a:extLst>
-              <a:ext uri="{FF2B5EF4-FFF2-40B4-BE49-F238E27FC236}">
-                <a16:creationId xmlns:a16="http://schemas.microsoft.com/office/drawing/2014/main" id="{1E5C96A7-80A9-459A-BCAB-29C4C02FE4E7}"/>
-              </a:ext>
-            </a:extLst>
-          </p:cNvPr>
-          <p:cNvSpPr txBox="1"/>
-          <p:nvPr/>
-        </p:nvSpPr>
-        <p:spPr>
-          <a:xfrm>
-            <a:off x="11198236" y="2157230"/>
-            <a:ext cx="301686" cy="369332"/>
-          </a:xfrm>
-          <a:prstGeom prst="rect">
-            <a:avLst/>
-          </a:prstGeom>
-          <a:noFill/>
-        </p:spPr>
-        <p:txBody>
-          <a:bodyPr wrap="none" rtlCol="0">
-            <a:spAutoFit/>
-          </a:bodyPr>
-          <a:lstStyle/>
-          <a:p>
-            <a:r>
-              <a:rPr lang="en-GB" dirty="0"/>
-              <a:t>7</a:t>
-            </a:r>
-          </a:p>
-        </p:txBody>
-      </p:sp>
-      <p:sp>
-        <p:nvSpPr>
-          <p:cNvPr id="70" name="Rectangle: Rounded Corners 69">
-            <a:extLst>
-              <a:ext uri="{FF2B5EF4-FFF2-40B4-BE49-F238E27FC236}">
-                <a16:creationId xmlns:a16="http://schemas.microsoft.com/office/drawing/2014/main" id="{E61067AB-EE6D-4E87-9D0D-B57A068F6515}"/>
-              </a:ext>
-            </a:extLst>
-          </p:cNvPr>
-          <p:cNvSpPr/>
-          <p:nvPr/>
-        </p:nvSpPr>
-        <p:spPr>
-          <a:xfrm>
-            <a:off x="172451" y="147553"/>
-            <a:ext cx="1594544" cy="369332"/>
-          </a:xfrm>
-          <a:prstGeom prst="roundRect">
-            <a:avLst/>
-          </a:prstGeom>
-        </p:spPr>
-        <p:style>
-          <a:lnRef idx="2">
-            <a:schemeClr val="accent1">
-              <a:shade val="50000"/>
-            </a:schemeClr>
-          </a:lnRef>
-          <a:fillRef idx="1">
-            <a:schemeClr val="accent1"/>
-          </a:fillRef>
-          <a:effectRef idx="0">
-            <a:schemeClr val="accent1"/>
-          </a:effectRef>
-          <a:fontRef idx="minor">
-            <a:schemeClr val="lt1"/>
-          </a:fontRef>
-        </p:style>
-        <p:txBody>
-          <a:bodyPr rtlCol="0" anchor="ctr"/>
-          <a:lstStyle/>
-          <a:p>
-            <a:pPr algn="ctr"/>
-            <a:endParaRPr lang="en-GB"/>
-          </a:p>
-        </p:txBody>
-      </p:sp>
-      <p:sp>
-        <p:nvSpPr>
-          <p:cNvPr id="71" name="TextBox 70">
-            <a:extLst>
-              <a:ext uri="{FF2B5EF4-FFF2-40B4-BE49-F238E27FC236}">
-                <a16:creationId xmlns:a16="http://schemas.microsoft.com/office/drawing/2014/main" id="{D50459A9-C6BD-49B7-8D6C-509F0C7EAD56}"/>
-              </a:ext>
-            </a:extLst>
-          </p:cNvPr>
-          <p:cNvSpPr txBox="1"/>
-          <p:nvPr/>
-        </p:nvSpPr>
-        <p:spPr>
-          <a:xfrm>
-            <a:off x="172454" y="192343"/>
-            <a:ext cx="1594541" cy="261610"/>
-          </a:xfrm>
-          <a:prstGeom prst="rect">
-            <a:avLst/>
-          </a:prstGeom>
-          <a:noFill/>
-        </p:spPr>
-        <p:txBody>
-          <a:bodyPr wrap="square" rtlCol="0">
-            <a:spAutoFit/>
-          </a:bodyPr>
-          <a:lstStyle/>
-          <a:p>
-            <a:pPr algn="ctr"/>
-            <a:r>
-              <a:rPr lang="en-GB" sz="1100" dirty="0">
-                <a:solidFill>
-                  <a:schemeClr val="bg1"/>
-                </a:solidFill>
-              </a:rPr>
-              <a:t>Toggle: Topic/Sentiment</a:t>
-            </a:r>
-          </a:p>
-        </p:txBody>
-      </p:sp>
-      <p:sp>
-        <p:nvSpPr>
-          <p:cNvPr id="2" name="TextBox 1">
-            <a:extLst>
-              <a:ext uri="{FF2B5EF4-FFF2-40B4-BE49-F238E27FC236}">
-                <a16:creationId xmlns:a16="http://schemas.microsoft.com/office/drawing/2014/main" id="{CA55914D-CEAC-4F17-AB44-8409E21C3C18}"/>
-              </a:ext>
-            </a:extLst>
-          </p:cNvPr>
-          <p:cNvSpPr txBox="1"/>
-          <p:nvPr/>
-        </p:nvSpPr>
-        <p:spPr>
-          <a:xfrm rot="17739365">
-            <a:off x="9279434" y="4002855"/>
-            <a:ext cx="1441036" cy="276999"/>
-          </a:xfrm>
-          <a:prstGeom prst="rect">
-            <a:avLst/>
-          </a:prstGeom>
-          <a:noFill/>
-        </p:spPr>
-        <p:txBody>
-          <a:bodyPr wrap="none" rtlCol="0">
-            <a:spAutoFit/>
-          </a:bodyPr>
-          <a:lstStyle/>
-          <a:p>
-            <a:r>
-              <a:rPr lang="en-GB" sz="1200" dirty="0"/>
-              <a:t>Parliament in recess</a:t>
-            </a:r>
-          </a:p>
-        </p:txBody>
-      </p:sp>
-      <p:sp>
-        <p:nvSpPr>
-          <p:cNvPr id="72" name="TextBox 71">
-            <a:extLst>
-              <a:ext uri="{FF2B5EF4-FFF2-40B4-BE49-F238E27FC236}">
-                <a16:creationId xmlns:a16="http://schemas.microsoft.com/office/drawing/2014/main" id="{BEE4FB12-2034-4A6B-88E4-58461801753C}"/>
-              </a:ext>
-            </a:extLst>
-          </p:cNvPr>
-          <p:cNvSpPr txBox="1"/>
-          <p:nvPr/>
-        </p:nvSpPr>
-        <p:spPr>
-          <a:xfrm>
-            <a:off x="6424969" y="5196188"/>
-            <a:ext cx="1314034" cy="369332"/>
-          </a:xfrm>
-          <a:prstGeom prst="rect">
-            <a:avLst/>
-          </a:prstGeom>
-          <a:noFill/>
-        </p:spPr>
-        <p:txBody>
-          <a:bodyPr wrap="square" rtlCol="0">
-            <a:spAutoFit/>
-          </a:bodyPr>
-          <a:lstStyle/>
-          <a:p>
-            <a:pPr algn="ctr"/>
-            <a:r>
-              <a:rPr lang="en-GB" dirty="0"/>
-              <a:t>Sentiment</a:t>
-            </a:r>
-          </a:p>
-        </p:txBody>
-      </p:sp>
-      <p:sp>
-        <p:nvSpPr>
-          <p:cNvPr id="75" name="Rectangle: Rounded Corners 74">
-            <a:extLst>
-              <a:ext uri="{FF2B5EF4-FFF2-40B4-BE49-F238E27FC236}">
-                <a16:creationId xmlns:a16="http://schemas.microsoft.com/office/drawing/2014/main" id="{24206795-EFD1-4DCF-ACAC-13FC0BE0A71C}"/>
-              </a:ext>
-            </a:extLst>
-          </p:cNvPr>
-          <p:cNvSpPr/>
-          <p:nvPr/>
-        </p:nvSpPr>
-        <p:spPr>
-          <a:xfrm>
-            <a:off x="5051627" y="716983"/>
-            <a:ext cx="1989221" cy="433137"/>
-          </a:xfrm>
-          <a:prstGeom prst="roundRect">
-            <a:avLst/>
-          </a:prstGeom>
-        </p:spPr>
-        <p:style>
-          <a:lnRef idx="2">
-            <a:schemeClr val="accent1">
-              <a:shade val="50000"/>
-            </a:schemeClr>
-          </a:lnRef>
-          <a:fillRef idx="1">
-            <a:schemeClr val="accent1"/>
-          </a:fillRef>
-          <a:effectRef idx="0">
-            <a:schemeClr val="accent1"/>
-          </a:effectRef>
-          <a:fontRef idx="minor">
-            <a:schemeClr val="lt1"/>
-          </a:fontRef>
-        </p:style>
-        <p:txBody>
-          <a:bodyPr rtlCol="0" anchor="ctr"/>
-          <a:lstStyle/>
-          <a:p>
-            <a:pPr algn="ctr"/>
-            <a:endParaRPr lang="en-GB"/>
-          </a:p>
-        </p:txBody>
-      </p:sp>
-      <p:sp>
-        <p:nvSpPr>
-          <p:cNvPr id="76" name="TextBox 75">
-            <a:extLst>
-              <a:ext uri="{FF2B5EF4-FFF2-40B4-BE49-F238E27FC236}">
-                <a16:creationId xmlns:a16="http://schemas.microsoft.com/office/drawing/2014/main" id="{B21811AC-55B8-4FAE-AF8B-B1F038CAE214}"/>
-              </a:ext>
-            </a:extLst>
-          </p:cNvPr>
-          <p:cNvSpPr txBox="1"/>
-          <p:nvPr/>
-        </p:nvSpPr>
-        <p:spPr>
-          <a:xfrm>
-            <a:off x="5252152" y="733024"/>
-            <a:ext cx="1655459" cy="369332"/>
-          </a:xfrm>
-          <a:prstGeom prst="rect">
-            <a:avLst/>
-          </a:prstGeom>
-          <a:noFill/>
-        </p:spPr>
-        <p:txBody>
-          <a:bodyPr wrap="square" rtlCol="0">
-            <a:spAutoFit/>
-          </a:bodyPr>
-          <a:lstStyle/>
-          <a:p>
-            <a:pPr algn="ctr"/>
-            <a:r>
-              <a:rPr lang="en-GB" dirty="0">
-                <a:solidFill>
-                  <a:schemeClr val="bg1"/>
-                </a:solidFill>
-              </a:rPr>
-              <a:t>Filter -- Speaker</a:t>
-            </a:r>
-          </a:p>
-        </p:txBody>
-      </p:sp>
-      <p:sp>
-        <p:nvSpPr>
-          <p:cNvPr id="73" name="Rectangle 72">
-            <a:extLst>
-              <a:ext uri="{FF2B5EF4-FFF2-40B4-BE49-F238E27FC236}">
-                <a16:creationId xmlns:a16="http://schemas.microsoft.com/office/drawing/2014/main" id="{833B069C-AC1E-46B7-8C3D-1A2753ED63C5}"/>
-              </a:ext>
-            </a:extLst>
-          </p:cNvPr>
-          <p:cNvSpPr/>
-          <p:nvPr/>
-        </p:nvSpPr>
-        <p:spPr>
-          <a:xfrm>
-            <a:off x="1017195" y="3547042"/>
-            <a:ext cx="201832" cy="1277989"/>
-          </a:xfrm>
-          <a:prstGeom prst="rect">
-            <a:avLst/>
-          </a:prstGeom>
-        </p:spPr>
-        <p:style>
-          <a:lnRef idx="2">
-            <a:schemeClr val="accent3">
-              <a:shade val="50000"/>
-            </a:schemeClr>
-          </a:lnRef>
-          <a:fillRef idx="1">
-            <a:schemeClr val="accent3"/>
-          </a:fillRef>
-          <a:effectRef idx="0">
-            <a:schemeClr val="accent3"/>
-          </a:effectRef>
-          <a:fontRef idx="minor">
-            <a:schemeClr val="lt1"/>
-          </a:fontRef>
-        </p:style>
-        <p:txBody>
-          <a:bodyPr rtlCol="0" anchor="ctr"/>
-          <a:lstStyle/>
-          <a:p>
-            <a:pPr algn="ctr"/>
-            <a:endParaRPr lang="en-GB"/>
-          </a:p>
-        </p:txBody>
-      </p:sp>
-      <p:sp>
-        <p:nvSpPr>
-          <p:cNvPr id="74" name="Rectangle 73">
-            <a:extLst>
-              <a:ext uri="{FF2B5EF4-FFF2-40B4-BE49-F238E27FC236}">
-                <a16:creationId xmlns:a16="http://schemas.microsoft.com/office/drawing/2014/main" id="{90AF28AA-3C14-4C61-9951-0BB26877DA1C}"/>
-              </a:ext>
-            </a:extLst>
-          </p:cNvPr>
-          <p:cNvSpPr/>
-          <p:nvPr/>
-        </p:nvSpPr>
-        <p:spPr>
-          <a:xfrm>
-            <a:off x="1302239" y="2775922"/>
-            <a:ext cx="201832" cy="2056375"/>
-          </a:xfrm>
-          <a:prstGeom prst="rect">
-            <a:avLst/>
-          </a:prstGeom>
-        </p:spPr>
-        <p:style>
-          <a:lnRef idx="2">
-            <a:schemeClr val="accent3">
-              <a:shade val="50000"/>
-            </a:schemeClr>
-          </a:lnRef>
-          <a:fillRef idx="1">
-            <a:schemeClr val="accent3"/>
-          </a:fillRef>
-          <a:effectRef idx="0">
-            <a:schemeClr val="accent3"/>
-          </a:effectRef>
-          <a:fontRef idx="minor">
-            <a:schemeClr val="lt1"/>
-          </a:fontRef>
-        </p:style>
-        <p:txBody>
-          <a:bodyPr rtlCol="0" anchor="ctr"/>
-          <a:lstStyle/>
-          <a:p>
-            <a:pPr algn="ctr"/>
-            <a:endParaRPr lang="en-GB" dirty="0"/>
-          </a:p>
-        </p:txBody>
-      </p:sp>
-      <p:sp>
-        <p:nvSpPr>
-          <p:cNvPr id="77" name="Rectangle 76">
-            <a:extLst>
-              <a:ext uri="{FF2B5EF4-FFF2-40B4-BE49-F238E27FC236}">
-                <a16:creationId xmlns:a16="http://schemas.microsoft.com/office/drawing/2014/main" id="{0DD34039-F2FE-4B87-B728-78805595D02C}"/>
-              </a:ext>
-            </a:extLst>
-          </p:cNvPr>
-          <p:cNvSpPr/>
-          <p:nvPr/>
-        </p:nvSpPr>
-        <p:spPr>
-          <a:xfrm>
-            <a:off x="1595549" y="4401111"/>
-            <a:ext cx="201832" cy="433137"/>
-          </a:xfrm>
-          <a:prstGeom prst="rect">
-            <a:avLst/>
-          </a:prstGeom>
-        </p:spPr>
-        <p:style>
-          <a:lnRef idx="2">
-            <a:schemeClr val="accent3">
-              <a:shade val="50000"/>
-            </a:schemeClr>
-          </a:lnRef>
-          <a:fillRef idx="1">
-            <a:schemeClr val="accent3"/>
-          </a:fillRef>
-          <a:effectRef idx="0">
-            <a:schemeClr val="accent3"/>
-          </a:effectRef>
-          <a:fontRef idx="minor">
-            <a:schemeClr val="lt1"/>
-          </a:fontRef>
-        </p:style>
-        <p:txBody>
-          <a:bodyPr rtlCol="0" anchor="ctr"/>
-          <a:lstStyle/>
-          <a:p>
-            <a:pPr algn="ctr"/>
-            <a:endParaRPr lang="en-GB"/>
-          </a:p>
-        </p:txBody>
-      </p:sp>
-      <p:sp>
-        <p:nvSpPr>
-          <p:cNvPr id="78" name="Rectangle 77">
-            <a:extLst>
-              <a:ext uri="{FF2B5EF4-FFF2-40B4-BE49-F238E27FC236}">
-                <a16:creationId xmlns:a16="http://schemas.microsoft.com/office/drawing/2014/main" id="{E5CD8A4A-D49B-4A8A-AD0E-E6C5F95C10A0}"/>
-              </a:ext>
-            </a:extLst>
-          </p:cNvPr>
-          <p:cNvSpPr/>
-          <p:nvPr/>
-        </p:nvSpPr>
-        <p:spPr>
-          <a:xfrm>
-            <a:off x="5125321" y="3054795"/>
-            <a:ext cx="201832" cy="1777203"/>
-          </a:xfrm>
-          <a:prstGeom prst="rect">
-            <a:avLst/>
-          </a:prstGeom>
-        </p:spPr>
-        <p:style>
-          <a:lnRef idx="2">
-            <a:schemeClr val="accent3">
-              <a:shade val="50000"/>
-            </a:schemeClr>
-          </a:lnRef>
-          <a:fillRef idx="1">
-            <a:schemeClr val="accent3"/>
-          </a:fillRef>
-          <a:effectRef idx="0">
-            <a:schemeClr val="accent3"/>
-          </a:effectRef>
-          <a:fontRef idx="minor">
-            <a:schemeClr val="lt1"/>
-          </a:fontRef>
-        </p:style>
-        <p:txBody>
-          <a:bodyPr rtlCol="0" anchor="ctr"/>
-          <a:lstStyle/>
-          <a:p>
-            <a:pPr algn="ctr"/>
-            <a:endParaRPr lang="en-GB"/>
-          </a:p>
-        </p:txBody>
-      </p:sp>
-      <p:sp>
-        <p:nvSpPr>
-          <p:cNvPr id="79" name="Rectangle 78">
-            <a:extLst>
-              <a:ext uri="{FF2B5EF4-FFF2-40B4-BE49-F238E27FC236}">
-                <a16:creationId xmlns:a16="http://schemas.microsoft.com/office/drawing/2014/main" id="{DB7B316B-3863-4298-9E0C-C13711E1FEBF}"/>
-              </a:ext>
-            </a:extLst>
-          </p:cNvPr>
-          <p:cNvSpPr/>
-          <p:nvPr/>
-        </p:nvSpPr>
-        <p:spPr>
-          <a:xfrm>
-            <a:off x="5463543" y="3054795"/>
-            <a:ext cx="201832" cy="1770236"/>
-          </a:xfrm>
-          <a:prstGeom prst="rect">
-            <a:avLst/>
-          </a:prstGeom>
-        </p:spPr>
-        <p:style>
-          <a:lnRef idx="2">
-            <a:schemeClr val="accent3">
-              <a:shade val="50000"/>
-            </a:schemeClr>
-          </a:lnRef>
-          <a:fillRef idx="1">
-            <a:schemeClr val="accent3"/>
-          </a:fillRef>
-          <a:effectRef idx="0">
-            <a:schemeClr val="accent3"/>
-          </a:effectRef>
-          <a:fontRef idx="minor">
-            <a:schemeClr val="lt1"/>
-          </a:fontRef>
-        </p:style>
-        <p:txBody>
-          <a:bodyPr rtlCol="0" anchor="ctr"/>
-          <a:lstStyle/>
-          <a:p>
-            <a:pPr algn="ctr"/>
-            <a:endParaRPr lang="en-GB"/>
-          </a:p>
-        </p:txBody>
-      </p:sp>
-      <p:sp>
-        <p:nvSpPr>
-          <p:cNvPr id="81" name="Rectangle 80">
-            <a:extLst>
-              <a:ext uri="{FF2B5EF4-FFF2-40B4-BE49-F238E27FC236}">
-                <a16:creationId xmlns:a16="http://schemas.microsoft.com/office/drawing/2014/main" id="{AF0E0B3F-687B-4460-BAB0-394E560ABCD3}"/>
-              </a:ext>
-            </a:extLst>
-          </p:cNvPr>
-          <p:cNvSpPr/>
-          <p:nvPr/>
-        </p:nvSpPr>
-        <p:spPr>
-          <a:xfrm>
-            <a:off x="5793292" y="3883410"/>
-            <a:ext cx="201832" cy="943021"/>
-          </a:xfrm>
-          <a:prstGeom prst="rect">
-            <a:avLst/>
-          </a:prstGeom>
-        </p:spPr>
-        <p:style>
-          <a:lnRef idx="2">
-            <a:schemeClr val="accent3">
-              <a:shade val="50000"/>
-            </a:schemeClr>
-          </a:lnRef>
-          <a:fillRef idx="1">
-            <a:schemeClr val="accent3"/>
-          </a:fillRef>
-          <a:effectRef idx="0">
-            <a:schemeClr val="accent3"/>
-          </a:effectRef>
-          <a:fontRef idx="minor">
-            <a:schemeClr val="lt1"/>
-          </a:fontRef>
-        </p:style>
-        <p:txBody>
-          <a:bodyPr rtlCol="0" anchor="ctr"/>
-          <a:lstStyle/>
-          <a:p>
-            <a:pPr algn="ctr"/>
-            <a:endParaRPr lang="en-GB"/>
-          </a:p>
-        </p:txBody>
-      </p:sp>
-      <p:sp>
-        <p:nvSpPr>
-          <p:cNvPr id="82" name="Rectangle 81">
-            <a:extLst>
-              <a:ext uri="{FF2B5EF4-FFF2-40B4-BE49-F238E27FC236}">
-                <a16:creationId xmlns:a16="http://schemas.microsoft.com/office/drawing/2014/main" id="{97622970-444C-4BDC-B532-1AC18531BA4E}"/>
-              </a:ext>
-            </a:extLst>
-          </p:cNvPr>
-          <p:cNvSpPr/>
-          <p:nvPr/>
-        </p:nvSpPr>
-        <p:spPr>
-          <a:xfrm>
-            <a:off x="2148419" y="3891227"/>
-            <a:ext cx="201832" cy="940771"/>
-          </a:xfrm>
-          <a:prstGeom prst="rect">
-            <a:avLst/>
-          </a:prstGeom>
-        </p:spPr>
-        <p:style>
-          <a:lnRef idx="2">
-            <a:schemeClr val="accent3">
-              <a:shade val="50000"/>
-            </a:schemeClr>
-          </a:lnRef>
-          <a:fillRef idx="1">
-            <a:schemeClr val="accent3"/>
-          </a:fillRef>
-          <a:effectRef idx="0">
-            <a:schemeClr val="accent3"/>
-          </a:effectRef>
-          <a:fontRef idx="minor">
-            <a:schemeClr val="lt1"/>
-          </a:fontRef>
-        </p:style>
-        <p:txBody>
-          <a:bodyPr rtlCol="0" anchor="ctr"/>
-          <a:lstStyle/>
-          <a:p>
-            <a:pPr algn="ctr"/>
-            <a:endParaRPr lang="en-GB"/>
-          </a:p>
-        </p:txBody>
-      </p:sp>
-      <p:sp>
-        <p:nvSpPr>
-          <p:cNvPr id="84" name="Rectangle 83">
-            <a:extLst>
-              <a:ext uri="{FF2B5EF4-FFF2-40B4-BE49-F238E27FC236}">
-                <a16:creationId xmlns:a16="http://schemas.microsoft.com/office/drawing/2014/main" id="{3B02EC17-FA01-4EB9-A343-C4E02A0858B1}"/>
-              </a:ext>
-            </a:extLst>
-          </p:cNvPr>
-          <p:cNvSpPr/>
-          <p:nvPr/>
-        </p:nvSpPr>
-        <p:spPr>
-          <a:xfrm>
-            <a:off x="2488426" y="2790585"/>
-            <a:ext cx="201832" cy="2056375"/>
-          </a:xfrm>
-          <a:prstGeom prst="rect">
-            <a:avLst/>
-          </a:prstGeom>
-        </p:spPr>
-        <p:style>
-          <a:lnRef idx="2">
-            <a:schemeClr val="accent3">
-              <a:shade val="50000"/>
-            </a:schemeClr>
-          </a:lnRef>
-          <a:fillRef idx="1">
-            <a:schemeClr val="accent3"/>
-          </a:fillRef>
-          <a:effectRef idx="0">
-            <a:schemeClr val="accent3"/>
-          </a:effectRef>
-          <a:fontRef idx="minor">
-            <a:schemeClr val="lt1"/>
-          </a:fontRef>
-        </p:style>
-        <p:txBody>
-          <a:bodyPr rtlCol="0" anchor="ctr"/>
-          <a:lstStyle/>
-          <a:p>
-            <a:pPr algn="ctr"/>
-            <a:endParaRPr lang="en-GB"/>
-          </a:p>
-        </p:txBody>
-      </p:sp>
-      <p:sp>
-        <p:nvSpPr>
-          <p:cNvPr id="85" name="Rectangle 84">
-            <a:extLst>
-              <a:ext uri="{FF2B5EF4-FFF2-40B4-BE49-F238E27FC236}">
-                <a16:creationId xmlns:a16="http://schemas.microsoft.com/office/drawing/2014/main" id="{2B767FE8-4DB6-413F-940F-99F1C9386244}"/>
-              </a:ext>
-            </a:extLst>
-          </p:cNvPr>
-          <p:cNvSpPr/>
-          <p:nvPr/>
-        </p:nvSpPr>
-        <p:spPr>
-          <a:xfrm>
-            <a:off x="2759345" y="4408414"/>
-            <a:ext cx="201832" cy="433137"/>
-          </a:xfrm>
-          <a:prstGeom prst="rect">
-            <a:avLst/>
-          </a:prstGeom>
-        </p:spPr>
-        <p:style>
-          <a:lnRef idx="2">
-            <a:schemeClr val="accent3">
-              <a:shade val="50000"/>
-            </a:schemeClr>
-          </a:lnRef>
-          <a:fillRef idx="1">
-            <a:schemeClr val="accent3"/>
-          </a:fillRef>
-          <a:effectRef idx="0">
-            <a:schemeClr val="accent3"/>
-          </a:effectRef>
-          <a:fontRef idx="minor">
-            <a:schemeClr val="lt1"/>
-          </a:fontRef>
-        </p:style>
-        <p:txBody>
-          <a:bodyPr rtlCol="0" anchor="ctr"/>
-          <a:lstStyle/>
-          <a:p>
-            <a:pPr algn="ctr"/>
-            <a:endParaRPr lang="en-GB"/>
-          </a:p>
-        </p:txBody>
-      </p:sp>
-      <p:sp>
-        <p:nvSpPr>
-          <p:cNvPr id="87" name="Rectangle 86">
-            <a:extLst>
-              <a:ext uri="{FF2B5EF4-FFF2-40B4-BE49-F238E27FC236}">
-                <a16:creationId xmlns:a16="http://schemas.microsoft.com/office/drawing/2014/main" id="{A61F5DEB-FD74-46D1-91F6-6696A7B77F04}"/>
-              </a:ext>
-            </a:extLst>
-          </p:cNvPr>
-          <p:cNvSpPr/>
-          <p:nvPr/>
-        </p:nvSpPr>
-        <p:spPr>
-          <a:xfrm>
-            <a:off x="3729373" y="3554972"/>
-            <a:ext cx="201832" cy="1277989"/>
-          </a:xfrm>
-          <a:prstGeom prst="rect">
-            <a:avLst/>
-          </a:prstGeom>
-        </p:spPr>
-        <p:style>
-          <a:lnRef idx="2">
-            <a:schemeClr val="accent3">
-              <a:shade val="50000"/>
-            </a:schemeClr>
-          </a:lnRef>
-          <a:fillRef idx="1">
-            <a:schemeClr val="accent3"/>
-          </a:fillRef>
-          <a:effectRef idx="0">
-            <a:schemeClr val="accent3"/>
-          </a:effectRef>
-          <a:fontRef idx="minor">
-            <a:schemeClr val="lt1"/>
-          </a:fontRef>
-        </p:style>
-        <p:txBody>
-          <a:bodyPr rtlCol="0" anchor="ctr"/>
-          <a:lstStyle/>
-          <a:p>
-            <a:pPr algn="ctr"/>
-            <a:endParaRPr lang="en-GB"/>
-          </a:p>
-        </p:txBody>
-      </p:sp>
-      <p:sp>
-        <p:nvSpPr>
-          <p:cNvPr id="88" name="Rectangle 87">
-            <a:extLst>
-              <a:ext uri="{FF2B5EF4-FFF2-40B4-BE49-F238E27FC236}">
-                <a16:creationId xmlns:a16="http://schemas.microsoft.com/office/drawing/2014/main" id="{321A2EA2-8E7D-4C95-8B1C-E18ACF1D95C5}"/>
-              </a:ext>
-            </a:extLst>
-          </p:cNvPr>
-          <p:cNvSpPr/>
-          <p:nvPr/>
-        </p:nvSpPr>
-        <p:spPr>
-          <a:xfrm>
-            <a:off x="4022142" y="2784629"/>
-            <a:ext cx="201832" cy="2056375"/>
-          </a:xfrm>
-          <a:prstGeom prst="rect">
-            <a:avLst/>
-          </a:prstGeom>
-        </p:spPr>
-        <p:style>
-          <a:lnRef idx="2">
-            <a:schemeClr val="accent3">
-              <a:shade val="50000"/>
-            </a:schemeClr>
-          </a:lnRef>
-          <a:fillRef idx="1">
-            <a:schemeClr val="accent3"/>
-          </a:fillRef>
-          <a:effectRef idx="0">
-            <a:schemeClr val="accent3"/>
-          </a:effectRef>
-          <a:fontRef idx="minor">
-            <a:schemeClr val="lt1"/>
-          </a:fontRef>
-        </p:style>
-        <p:txBody>
-          <a:bodyPr rtlCol="0" anchor="ctr"/>
-          <a:lstStyle/>
-          <a:p>
-            <a:pPr algn="ctr"/>
-            <a:endParaRPr lang="en-GB"/>
-          </a:p>
-        </p:txBody>
-      </p:sp>
-      <p:sp>
-        <p:nvSpPr>
-          <p:cNvPr id="89" name="Rectangle 88">
-            <a:extLst>
-              <a:ext uri="{FF2B5EF4-FFF2-40B4-BE49-F238E27FC236}">
-                <a16:creationId xmlns:a16="http://schemas.microsoft.com/office/drawing/2014/main" id="{3648FDA9-A552-426C-AC4F-8143A65DAC33}"/>
-              </a:ext>
-            </a:extLst>
-          </p:cNvPr>
-          <p:cNvSpPr/>
-          <p:nvPr/>
-        </p:nvSpPr>
-        <p:spPr>
-          <a:xfrm>
-            <a:off x="4317585" y="3954383"/>
-            <a:ext cx="201832" cy="879866"/>
-          </a:xfrm>
-          <a:prstGeom prst="rect">
-            <a:avLst/>
-          </a:prstGeom>
-        </p:spPr>
-        <p:style>
-          <a:lnRef idx="2">
-            <a:schemeClr val="accent3">
-              <a:shade val="50000"/>
-            </a:schemeClr>
-          </a:lnRef>
-          <a:fillRef idx="1">
-            <a:schemeClr val="accent3"/>
-          </a:fillRef>
-          <a:effectRef idx="0">
-            <a:schemeClr val="accent3"/>
-          </a:effectRef>
-          <a:fontRef idx="minor">
-            <a:schemeClr val="lt1"/>
-          </a:fontRef>
-        </p:style>
-        <p:txBody>
-          <a:bodyPr rtlCol="0" anchor="ctr"/>
-          <a:lstStyle/>
-          <a:p>
-            <a:pPr algn="ctr"/>
-            <a:endParaRPr lang="en-GB"/>
-          </a:p>
-        </p:txBody>
-      </p:sp>
-      <p:sp>
-        <p:nvSpPr>
-          <p:cNvPr id="90" name="Rectangle 89">
-            <a:extLst>
-              <a:ext uri="{FF2B5EF4-FFF2-40B4-BE49-F238E27FC236}">
-                <a16:creationId xmlns:a16="http://schemas.microsoft.com/office/drawing/2014/main" id="{E486323E-C078-4600-87BB-01740E4BB33F}"/>
-              </a:ext>
-            </a:extLst>
-          </p:cNvPr>
-          <p:cNvSpPr/>
-          <p:nvPr/>
-        </p:nvSpPr>
-        <p:spPr>
-          <a:xfrm>
-            <a:off x="6719100" y="4255266"/>
-            <a:ext cx="201832" cy="569573"/>
-          </a:xfrm>
-          <a:prstGeom prst="rect">
-            <a:avLst/>
-          </a:prstGeom>
-        </p:spPr>
-        <p:style>
-          <a:lnRef idx="2">
-            <a:schemeClr val="accent3">
-              <a:shade val="50000"/>
-            </a:schemeClr>
-          </a:lnRef>
-          <a:fillRef idx="1">
-            <a:schemeClr val="accent3"/>
-          </a:fillRef>
-          <a:effectRef idx="0">
-            <a:schemeClr val="accent3"/>
-          </a:effectRef>
-          <a:fontRef idx="minor">
-            <a:schemeClr val="lt1"/>
-          </a:fontRef>
-        </p:style>
-        <p:txBody>
-          <a:bodyPr rtlCol="0" anchor="ctr"/>
-          <a:lstStyle/>
-          <a:p>
-            <a:pPr algn="ctr"/>
-            <a:endParaRPr lang="en-GB"/>
-          </a:p>
-        </p:txBody>
-      </p:sp>
-      <p:sp>
-        <p:nvSpPr>
-          <p:cNvPr id="93" name="Rectangle 92">
-            <a:extLst>
-              <a:ext uri="{FF2B5EF4-FFF2-40B4-BE49-F238E27FC236}">
-                <a16:creationId xmlns:a16="http://schemas.microsoft.com/office/drawing/2014/main" id="{EEAB04C7-297B-4385-B815-8C54A2DC5A74}"/>
-              </a:ext>
-            </a:extLst>
-          </p:cNvPr>
-          <p:cNvSpPr/>
-          <p:nvPr/>
-        </p:nvSpPr>
-        <p:spPr>
-          <a:xfrm>
-            <a:off x="7028997" y="4255266"/>
-            <a:ext cx="201832" cy="562501"/>
-          </a:xfrm>
-          <a:prstGeom prst="rect">
-            <a:avLst/>
-          </a:prstGeom>
-        </p:spPr>
-        <p:style>
-          <a:lnRef idx="2">
-            <a:schemeClr val="accent3">
-              <a:shade val="50000"/>
-            </a:schemeClr>
-          </a:lnRef>
-          <a:fillRef idx="1">
-            <a:schemeClr val="accent3"/>
-          </a:fillRef>
-          <a:effectRef idx="0">
-            <a:schemeClr val="accent3"/>
-          </a:effectRef>
-          <a:fontRef idx="minor">
-            <a:schemeClr val="lt1"/>
-          </a:fontRef>
-        </p:style>
-        <p:txBody>
-          <a:bodyPr rtlCol="0" anchor="ctr"/>
-          <a:lstStyle/>
-          <a:p>
-            <a:pPr algn="ctr"/>
-            <a:endParaRPr lang="en-GB"/>
-          </a:p>
-        </p:txBody>
-      </p:sp>
-      <p:sp>
-        <p:nvSpPr>
-          <p:cNvPr id="94" name="Rectangle 93">
-            <a:extLst>
-              <a:ext uri="{FF2B5EF4-FFF2-40B4-BE49-F238E27FC236}">
-                <a16:creationId xmlns:a16="http://schemas.microsoft.com/office/drawing/2014/main" id="{0300C036-973D-48E3-8A70-334C2EF15DFE}"/>
-              </a:ext>
-            </a:extLst>
-          </p:cNvPr>
-          <p:cNvSpPr/>
-          <p:nvPr/>
-        </p:nvSpPr>
-        <p:spPr>
-          <a:xfrm>
-            <a:off x="8132143" y="3883410"/>
-            <a:ext cx="201832" cy="940771"/>
-          </a:xfrm>
-          <a:prstGeom prst="rect">
-            <a:avLst/>
-          </a:prstGeom>
-        </p:spPr>
-        <p:style>
-          <a:lnRef idx="2">
-            <a:schemeClr val="accent3">
-              <a:shade val="50000"/>
-            </a:schemeClr>
-          </a:lnRef>
-          <a:fillRef idx="1">
-            <a:schemeClr val="accent3"/>
-          </a:fillRef>
-          <a:effectRef idx="0">
-            <a:schemeClr val="accent3"/>
-          </a:effectRef>
-          <a:fontRef idx="minor">
-            <a:schemeClr val="lt1"/>
-          </a:fontRef>
-        </p:style>
-        <p:txBody>
-          <a:bodyPr rtlCol="0" anchor="ctr"/>
-          <a:lstStyle/>
-          <a:p>
-            <a:pPr algn="ctr"/>
-            <a:endParaRPr lang="en-GB"/>
-          </a:p>
-        </p:txBody>
-      </p:sp>
-      <p:sp>
-        <p:nvSpPr>
-          <p:cNvPr id="95" name="Rectangle 94">
-            <a:extLst>
-              <a:ext uri="{FF2B5EF4-FFF2-40B4-BE49-F238E27FC236}">
-                <a16:creationId xmlns:a16="http://schemas.microsoft.com/office/drawing/2014/main" id="{F7353520-7CC0-4C4D-AF04-211D75852ACC}"/>
-              </a:ext>
-            </a:extLst>
-          </p:cNvPr>
-          <p:cNvSpPr/>
-          <p:nvPr/>
-        </p:nvSpPr>
-        <p:spPr>
-          <a:xfrm>
-            <a:off x="8417187" y="3539778"/>
-            <a:ext cx="201832" cy="1277989"/>
-          </a:xfrm>
-          <a:prstGeom prst="rect">
-            <a:avLst/>
-          </a:prstGeom>
-        </p:spPr>
-        <p:style>
-          <a:lnRef idx="2">
-            <a:schemeClr val="accent3">
-              <a:shade val="50000"/>
-            </a:schemeClr>
-          </a:lnRef>
-          <a:fillRef idx="1">
-            <a:schemeClr val="accent3"/>
-          </a:fillRef>
-          <a:effectRef idx="0">
-            <a:schemeClr val="accent3"/>
-          </a:effectRef>
-          <a:fontRef idx="minor">
-            <a:schemeClr val="lt1"/>
-          </a:fontRef>
-        </p:style>
-        <p:txBody>
-          <a:bodyPr rtlCol="0" anchor="ctr"/>
-          <a:lstStyle/>
-          <a:p>
-            <a:pPr algn="ctr"/>
-            <a:endParaRPr lang="en-GB"/>
-          </a:p>
-        </p:txBody>
-      </p:sp>
-      <p:sp>
-        <p:nvSpPr>
-          <p:cNvPr id="97" name="Rectangle 96">
-            <a:extLst>
-              <a:ext uri="{FF2B5EF4-FFF2-40B4-BE49-F238E27FC236}">
-                <a16:creationId xmlns:a16="http://schemas.microsoft.com/office/drawing/2014/main" id="{D1E57004-B599-44ED-A86A-65285F33B271}"/>
-              </a:ext>
-            </a:extLst>
-          </p:cNvPr>
-          <p:cNvSpPr/>
-          <p:nvPr/>
-        </p:nvSpPr>
-        <p:spPr>
-          <a:xfrm>
-            <a:off x="8725477" y="3554973"/>
-            <a:ext cx="201832" cy="1279276"/>
-          </a:xfrm>
-          <a:prstGeom prst="rect">
-            <a:avLst/>
-          </a:prstGeom>
-        </p:spPr>
-        <p:style>
-          <a:lnRef idx="2">
-            <a:schemeClr val="accent3">
-              <a:shade val="50000"/>
-            </a:schemeClr>
-          </a:lnRef>
-          <a:fillRef idx="1">
-            <a:schemeClr val="accent3"/>
-          </a:fillRef>
-          <a:effectRef idx="0">
-            <a:schemeClr val="accent3"/>
-          </a:effectRef>
-          <a:fontRef idx="minor">
-            <a:schemeClr val="lt1"/>
-          </a:fontRef>
-        </p:style>
-        <p:txBody>
-          <a:bodyPr rtlCol="0" anchor="ctr"/>
-          <a:lstStyle/>
-          <a:p>
-            <a:pPr algn="ctr"/>
-            <a:endParaRPr lang="en-GB"/>
-          </a:p>
-        </p:txBody>
-      </p:sp>
-      <p:sp>
-        <p:nvSpPr>
-          <p:cNvPr id="100" name="Rectangle 99">
-            <a:extLst>
-              <a:ext uri="{FF2B5EF4-FFF2-40B4-BE49-F238E27FC236}">
-                <a16:creationId xmlns:a16="http://schemas.microsoft.com/office/drawing/2014/main" id="{A89C8272-6E7E-4248-9D97-5EC31A7C6BE6}"/>
-              </a:ext>
-            </a:extLst>
-          </p:cNvPr>
-          <p:cNvSpPr/>
-          <p:nvPr/>
-        </p:nvSpPr>
-        <p:spPr>
-          <a:xfrm>
-            <a:off x="11298090" y="2775922"/>
-            <a:ext cx="201832" cy="2056375"/>
-          </a:xfrm>
-          <a:prstGeom prst="rect">
-            <a:avLst/>
-          </a:prstGeom>
-        </p:spPr>
-        <p:style>
-          <a:lnRef idx="2">
-            <a:schemeClr val="accent3">
-              <a:shade val="50000"/>
-            </a:schemeClr>
-          </a:lnRef>
-          <a:fillRef idx="1">
-            <a:schemeClr val="accent3"/>
-          </a:fillRef>
-          <a:effectRef idx="0">
-            <a:schemeClr val="accent3"/>
-          </a:effectRef>
-          <a:fontRef idx="minor">
-            <a:schemeClr val="lt1"/>
-          </a:fontRef>
-        </p:style>
-        <p:txBody>
-          <a:bodyPr rtlCol="0" anchor="ctr"/>
-          <a:lstStyle/>
-          <a:p>
-            <a:pPr algn="ctr"/>
-            <a:endParaRPr lang="en-GB"/>
-          </a:p>
-        </p:txBody>
-      </p:sp>
-      <p:sp>
-        <p:nvSpPr>
-          <p:cNvPr id="106" name="Rectangle 105">
-            <a:extLst>
-              <a:ext uri="{FF2B5EF4-FFF2-40B4-BE49-F238E27FC236}">
-                <a16:creationId xmlns:a16="http://schemas.microsoft.com/office/drawing/2014/main" id="{405B2B41-7DDB-46C7-805C-140706E4BC7F}"/>
-              </a:ext>
-            </a:extLst>
-          </p:cNvPr>
-          <p:cNvSpPr/>
-          <p:nvPr/>
-        </p:nvSpPr>
-        <p:spPr>
-          <a:xfrm>
-            <a:off x="11558143" y="4272603"/>
-            <a:ext cx="201832" cy="562501"/>
-          </a:xfrm>
-          <a:prstGeom prst="rect">
-            <a:avLst/>
-          </a:prstGeom>
-        </p:spPr>
-        <p:style>
-          <a:lnRef idx="2">
-            <a:schemeClr val="accent3">
-              <a:shade val="50000"/>
-            </a:schemeClr>
-          </a:lnRef>
-          <a:fillRef idx="1">
-            <a:schemeClr val="accent3"/>
-          </a:fillRef>
-          <a:effectRef idx="0">
-            <a:schemeClr val="accent3"/>
-          </a:effectRef>
-          <a:fontRef idx="minor">
-            <a:schemeClr val="lt1"/>
-          </a:fontRef>
-        </p:style>
-        <p:txBody>
-          <a:bodyPr rtlCol="0" anchor="ctr"/>
-          <a:lstStyle/>
-          <a:p>
-            <a:pPr algn="ctr"/>
-            <a:endParaRPr lang="en-GB"/>
-          </a:p>
-        </p:txBody>
-      </p:sp>
-      <p:sp>
-        <p:nvSpPr>
-          <p:cNvPr id="107" name="Rectangle 106">
-            <a:extLst>
-              <a:ext uri="{FF2B5EF4-FFF2-40B4-BE49-F238E27FC236}">
-                <a16:creationId xmlns:a16="http://schemas.microsoft.com/office/drawing/2014/main" id="{52C44C7D-67CB-4877-ADE2-CCAAE4E4590A}"/>
-              </a:ext>
-            </a:extLst>
-          </p:cNvPr>
-          <p:cNvSpPr/>
-          <p:nvPr/>
-        </p:nvSpPr>
-        <p:spPr>
-          <a:xfrm>
-            <a:off x="11050667" y="4269573"/>
-            <a:ext cx="201832" cy="562501"/>
-          </a:xfrm>
-          <a:prstGeom prst="rect">
-            <a:avLst/>
-          </a:prstGeom>
-        </p:spPr>
-        <p:style>
-          <a:lnRef idx="2">
-            <a:schemeClr val="accent3">
-              <a:shade val="50000"/>
-            </a:schemeClr>
-          </a:lnRef>
-          <a:fillRef idx="1">
-            <a:schemeClr val="accent3"/>
-          </a:fillRef>
-          <a:effectRef idx="0">
-            <a:schemeClr val="accent3"/>
-          </a:effectRef>
-          <a:fontRef idx="minor">
-            <a:schemeClr val="lt1"/>
-          </a:fontRef>
-        </p:style>
-        <p:txBody>
-          <a:bodyPr rtlCol="0" anchor="ctr"/>
-          <a:lstStyle/>
-          <a:p>
-            <a:pPr algn="ctr"/>
-            <a:endParaRPr lang="en-GB"/>
-          </a:p>
-        </p:txBody>
-      </p:sp>
-      <p:sp>
-        <p:nvSpPr>
-          <p:cNvPr id="108" name="Rectangle 107">
-            <a:extLst>
-              <a:ext uri="{FF2B5EF4-FFF2-40B4-BE49-F238E27FC236}">
-                <a16:creationId xmlns:a16="http://schemas.microsoft.com/office/drawing/2014/main" id="{5418DA9D-0527-424A-A542-BCF604DB43D7}"/>
-              </a:ext>
-            </a:extLst>
-          </p:cNvPr>
-          <p:cNvSpPr/>
-          <p:nvPr/>
-        </p:nvSpPr>
-        <p:spPr>
-          <a:xfrm>
-            <a:off x="10799184" y="4269573"/>
-            <a:ext cx="201832" cy="562501"/>
-          </a:xfrm>
-          <a:prstGeom prst="rect">
-            <a:avLst/>
-          </a:prstGeom>
-        </p:spPr>
-        <p:style>
-          <a:lnRef idx="2">
-            <a:schemeClr val="accent3">
-              <a:shade val="50000"/>
-            </a:schemeClr>
-          </a:lnRef>
-          <a:fillRef idx="1">
-            <a:schemeClr val="accent3"/>
-          </a:fillRef>
-          <a:effectRef idx="0">
-            <a:schemeClr val="accent3"/>
-          </a:effectRef>
-          <a:fontRef idx="minor">
-            <a:schemeClr val="lt1"/>
-          </a:fontRef>
-        </p:style>
-        <p:txBody>
-          <a:bodyPr rtlCol="0" anchor="ctr"/>
-          <a:lstStyle/>
-          <a:p>
-            <a:pPr algn="ctr"/>
-            <a:endParaRPr lang="en-GB"/>
-          </a:p>
-        </p:txBody>
-      </p:sp>
-      <p:sp>
-        <p:nvSpPr>
-          <p:cNvPr id="3" name="TextBox 2">
-            <a:extLst>
-              <a:ext uri="{FF2B5EF4-FFF2-40B4-BE49-F238E27FC236}">
-                <a16:creationId xmlns:a16="http://schemas.microsoft.com/office/drawing/2014/main" id="{57E2996F-0C32-4361-97DC-F1179FA8A05D}"/>
-              </a:ext>
-            </a:extLst>
-          </p:cNvPr>
-          <p:cNvSpPr txBox="1"/>
-          <p:nvPr/>
-        </p:nvSpPr>
-        <p:spPr>
-          <a:xfrm rot="16200000">
-            <a:off x="714531" y="3797998"/>
-            <a:ext cx="1346193" cy="307777"/>
-          </a:xfrm>
-          <a:prstGeom prst="rect">
-            <a:avLst/>
-          </a:prstGeom>
-          <a:noFill/>
-        </p:spPr>
-        <p:txBody>
-          <a:bodyPr wrap="square" rtlCol="0">
-            <a:spAutoFit/>
-          </a:bodyPr>
-          <a:lstStyle/>
-          <a:p>
-            <a:pPr algn="ctr"/>
-            <a:r>
-              <a:rPr lang="en-GB" sz="1400" dirty="0"/>
-              <a:t>Crime</a:t>
-            </a:r>
-          </a:p>
-        </p:txBody>
-      </p:sp>
-      <p:sp>
-        <p:nvSpPr>
-          <p:cNvPr id="109" name="TextBox 108">
-            <a:extLst>
-              <a:ext uri="{FF2B5EF4-FFF2-40B4-BE49-F238E27FC236}">
-                <a16:creationId xmlns:a16="http://schemas.microsoft.com/office/drawing/2014/main" id="{527CF8B6-727C-4990-A4A6-6FA689D1635B}"/>
-              </a:ext>
-            </a:extLst>
-          </p:cNvPr>
-          <p:cNvSpPr txBox="1"/>
-          <p:nvPr/>
-        </p:nvSpPr>
-        <p:spPr>
-          <a:xfrm rot="16200000">
-            <a:off x="426865" y="4101377"/>
-            <a:ext cx="1346193" cy="307777"/>
-          </a:xfrm>
-          <a:prstGeom prst="rect">
-            <a:avLst/>
-          </a:prstGeom>
-          <a:noFill/>
-        </p:spPr>
-        <p:txBody>
-          <a:bodyPr wrap="square" rtlCol="0">
-            <a:spAutoFit/>
-          </a:bodyPr>
-          <a:lstStyle/>
-          <a:p>
-            <a:pPr algn="ctr"/>
-            <a:r>
-              <a:rPr lang="en-GB" sz="1400" dirty="0"/>
-              <a:t>COVID</a:t>
-            </a:r>
-          </a:p>
-        </p:txBody>
-      </p:sp>
-      <p:sp>
-        <p:nvSpPr>
-          <p:cNvPr id="110" name="TextBox 109">
-            <a:extLst>
-              <a:ext uri="{FF2B5EF4-FFF2-40B4-BE49-F238E27FC236}">
-                <a16:creationId xmlns:a16="http://schemas.microsoft.com/office/drawing/2014/main" id="{0CC5DF49-BBD2-4510-A5B0-2C4DD3B2D742}"/>
-              </a:ext>
-            </a:extLst>
-          </p:cNvPr>
-          <p:cNvSpPr txBox="1"/>
-          <p:nvPr/>
-        </p:nvSpPr>
-        <p:spPr>
-          <a:xfrm rot="16200000">
-            <a:off x="176850" y="4220190"/>
-            <a:ext cx="1346193" cy="307777"/>
-          </a:xfrm>
-          <a:prstGeom prst="rect">
-            <a:avLst/>
-          </a:prstGeom>
-          <a:noFill/>
-        </p:spPr>
-        <p:txBody>
-          <a:bodyPr wrap="square" rtlCol="0">
-            <a:spAutoFit/>
-          </a:bodyPr>
-          <a:lstStyle/>
-          <a:p>
-            <a:pPr algn="ctr"/>
-            <a:r>
-              <a:rPr lang="en-GB" sz="1400" dirty="0"/>
-              <a:t>Census</a:t>
-            </a:r>
-          </a:p>
-        </p:txBody>
-      </p:sp>
-      <p:sp>
-        <p:nvSpPr>
-          <p:cNvPr id="111" name="TextBox 110">
-            <a:extLst>
-              <a:ext uri="{FF2B5EF4-FFF2-40B4-BE49-F238E27FC236}">
-                <a16:creationId xmlns:a16="http://schemas.microsoft.com/office/drawing/2014/main" id="{1CE12883-98AE-4C49-9B5F-85650D8088D3}"/>
-              </a:ext>
-            </a:extLst>
-          </p:cNvPr>
-          <p:cNvSpPr txBox="1"/>
-          <p:nvPr/>
-        </p:nvSpPr>
-        <p:spPr>
-          <a:xfrm rot="16200000">
-            <a:off x="1019009" y="3723838"/>
-            <a:ext cx="1346193" cy="307777"/>
-          </a:xfrm>
-          <a:prstGeom prst="rect">
-            <a:avLst/>
-          </a:prstGeom>
-          <a:noFill/>
-        </p:spPr>
-        <p:txBody>
-          <a:bodyPr wrap="square" rtlCol="0">
-            <a:spAutoFit/>
-          </a:bodyPr>
-          <a:lstStyle/>
-          <a:p>
-            <a:pPr algn="ctr"/>
-            <a:r>
-              <a:rPr lang="en-GB" sz="1400" dirty="0"/>
-              <a:t>Environment</a:t>
-            </a:r>
+              <a:t>Provide data to users via interactive dashboard</a:t>
+            </a:r>
+          </a:p>
+          <a:p>
+            <a:pPr marL="0" indent="0">
+              <a:buNone/>
+            </a:pPr>
+            <a:endParaRPr lang="en-US" dirty="0"/>
           </a:p>
         </p:txBody>
       </p:sp>
     </p:spTree>
     <p:extLst>
       <p:ext uri="{BB962C8B-B14F-4D97-AF65-F5344CB8AC3E}">
-        <p14:creationId xmlns:p14="http://schemas.microsoft.com/office/powerpoint/2010/main" val="249219108"/>
+        <p14:creationId xmlns:p14="http://schemas.microsoft.com/office/powerpoint/2010/main" val="3131520697"/>
       </p:ext>
     </p:extLst>
   </p:cSld>
@@ -9369,10 +10380,10 @@
       </p:grpSpPr>
       <p:sp>
         <p:nvSpPr>
-          <p:cNvPr id="2" name="Title 1">
-            <a:extLst>
-              <a:ext uri="{FF2B5EF4-FFF2-40B4-BE49-F238E27FC236}">
-                <a16:creationId xmlns:a16="http://schemas.microsoft.com/office/drawing/2014/main" id="{D709336B-61B4-4BB8-A00B-597D332F9BFB}"/>
+          <p:cNvPr id="5" name="Title">
+            <a:extLst>
+              <a:ext uri="{FF2B5EF4-FFF2-40B4-BE49-F238E27FC236}">
+                <a16:creationId xmlns:a16="http://schemas.microsoft.com/office/drawing/2014/main" id="{AC5AD953-635B-2B48-B87A-4F5101B6050D}"/>
               </a:ext>
             </a:extLst>
           </p:cNvPr>
@@ -9383,24 +10394,30 @@
             <p:ph type="title"/>
           </p:nvPr>
         </p:nvSpPr>
-        <p:spPr/>
+        <p:spPr>
+          <a:xfrm>
+            <a:off x="838200" y="554411"/>
+            <a:ext cx="10515600" cy="701731"/>
+          </a:xfrm>
+        </p:spPr>
         <p:txBody>
           <a:bodyPr/>
           <a:lstStyle/>
           <a:p>
             <a:r>
-              <a:rPr lang="en-GB" dirty="0"/>
+              <a:rPr lang="en-GB" sz="4400" dirty="0"/>
               <a:t>Longer-term objectives</a:t>
             </a:r>
-          </a:p>
-        </p:txBody>
-      </p:sp>
-      <p:sp>
-        <p:nvSpPr>
-          <p:cNvPr id="3" name="Content Placeholder 2">
-            <a:extLst>
-              <a:ext uri="{FF2B5EF4-FFF2-40B4-BE49-F238E27FC236}">
-                <a16:creationId xmlns:a16="http://schemas.microsoft.com/office/drawing/2014/main" id="{5EED5844-5D65-4B97-9BBA-EB6D49CE0C53}"/>
+            <a:endParaRPr lang="en-US" sz="4400" dirty="0"/>
+          </a:p>
+        </p:txBody>
+      </p:sp>
+      <p:sp>
+        <p:nvSpPr>
+          <p:cNvPr id="6" name="Content Placeholder">
+            <a:extLst>
+              <a:ext uri="{FF2B5EF4-FFF2-40B4-BE49-F238E27FC236}">
+                <a16:creationId xmlns:a16="http://schemas.microsoft.com/office/drawing/2014/main" id="{4C842C63-75A3-F044-9F81-2C8C2B628C68}"/>
               </a:ext>
             </a:extLst>
           </p:cNvPr>
@@ -9411,32 +10428,45 @@
             <p:ph idx="1"/>
           </p:nvPr>
         </p:nvSpPr>
-        <p:spPr/>
+        <p:spPr>
+          <a:xfrm>
+            <a:off x="838200" y="1801314"/>
+            <a:ext cx="10515600" cy="2987613"/>
+          </a:xfrm>
+        </p:spPr>
         <p:txBody>
           <a:bodyPr/>
           <a:lstStyle/>
           <a:p>
             <a:r>
-              <a:rPr lang="en-GB" dirty="0"/>
-              <a:t>Including all data from UK Parliament, plus NI Executive, Scottish Parliament &amp; Welsh Senedd </a:t>
-            </a:r>
-          </a:p>
-          <a:p>
-            <a:r>
-              <a:rPr lang="en-GB" dirty="0"/>
+              <a:rPr lang="en-GB" sz="2800" dirty="0"/>
+              <a:t>Productionise dashboard – weekly updates</a:t>
+            </a:r>
+          </a:p>
+          <a:p>
+            <a:r>
+              <a:rPr lang="en-GB" sz="2800" dirty="0"/>
+              <a:t>Include all data from UK Parliament, plus NI Executive, Scottish Parliament &amp; Welsh Senedd </a:t>
+            </a:r>
+          </a:p>
+          <a:p>
+            <a:r>
+              <a:rPr lang="en-GB" sz="2800" dirty="0"/>
               <a:t>Automatic identification of topics with frequent/infrequent mentions</a:t>
             </a:r>
           </a:p>
           <a:p>
-            <a:pPr lvl="1"/>
-            <a:endParaRPr lang="en-GB" dirty="0"/>
+            <a:pPr marL="0" indent="0">
+              <a:buNone/>
+            </a:pPr>
+            <a:endParaRPr lang="en-US" dirty="0"/>
           </a:p>
         </p:txBody>
       </p:sp>
     </p:spTree>
     <p:extLst>
       <p:ext uri="{BB962C8B-B14F-4D97-AF65-F5344CB8AC3E}">
-        <p14:creationId xmlns:p14="http://schemas.microsoft.com/office/powerpoint/2010/main" val="1528260535"/>
+        <p14:creationId xmlns:p14="http://schemas.microsoft.com/office/powerpoint/2010/main" val="519365889"/>
       </p:ext>
     </p:extLst>
   </p:cSld>

--- a/user-engagement/impact-task-and-finish-group--project-summary.pptx
+++ b/user-engagement/impact-task-and-finish-group--project-summary.pptx
@@ -514,6 +514,107 @@
           <a:bodyPr/>
           <a:lstStyle/>
           <a:p>
+            <a:pPr marL="171450" indent="-171450">
+              <a:buFontTx/>
+              <a:buChar char="-"/>
+            </a:pPr>
+            <a:r>
+              <a:rPr lang="en-GB" dirty="0"/>
+              <a:t>Data Science Accelerator project</a:t>
+            </a:r>
+          </a:p>
+          <a:p>
+            <a:pPr marL="171450" indent="-171450">
+              <a:buFontTx/>
+              <a:buChar char="-"/>
+            </a:pPr>
+            <a:r>
+              <a:rPr lang="en-GB" dirty="0"/>
+              <a:t>Currently developing a prototype -&gt; not ready for production for a while yet</a:t>
+            </a:r>
+          </a:p>
+        </p:txBody>
+      </p:sp>
+      <p:sp>
+        <p:nvSpPr>
+          <p:cNvPr id="4" name="Slide Number Placeholder 3"/>
+          <p:cNvSpPr>
+            <a:spLocks noGrp="1"/>
+          </p:cNvSpPr>
+          <p:nvPr>
+            <p:ph type="sldNum" sz="quarter" idx="5"/>
+          </p:nvPr>
+        </p:nvSpPr>
+        <p:spPr/>
+        <p:txBody>
+          <a:bodyPr/>
+          <a:lstStyle/>
+          <a:p>
+            <a:fld id="{D5D14365-82F2-49CE-97EF-045AA251D32F}" type="slidenum">
+              <a:rPr lang="en-GB" smtClean="0"/>
+              <a:t>2</a:t>
+            </a:fld>
+            <a:endParaRPr lang="en-GB"/>
+          </a:p>
+        </p:txBody>
+      </p:sp>
+    </p:spTree>
+    <p:extLst>
+      <p:ext uri="{BB962C8B-B14F-4D97-AF65-F5344CB8AC3E}">
+        <p14:creationId xmlns:p14="http://schemas.microsoft.com/office/powerpoint/2010/main" val="1117588087"/>
+      </p:ext>
+    </p:extLst>
+  </p:cSld>
+  <p:clrMapOvr>
+    <a:masterClrMapping/>
+  </p:clrMapOvr>
+</p:notes>
+</file>
+
+<file path=ppt/notesSlides/notesSlide2.xml><?xml version="1.0" encoding="utf-8"?>
+<p:notes xmlns:a="http://schemas.openxmlformats.org/drawingml/2006/main" xmlns:r="http://schemas.openxmlformats.org/officeDocument/2006/relationships" xmlns:p="http://schemas.openxmlformats.org/presentationml/2006/main">
+  <p:cSld>
+    <p:spTree>
+      <p:nvGrpSpPr>
+        <p:cNvPr id="1" name=""/>
+        <p:cNvGrpSpPr/>
+        <p:nvPr/>
+      </p:nvGrpSpPr>
+      <p:grpSpPr>
+        <a:xfrm>
+          <a:off x="0" y="0"/>
+          <a:ext cx="0" cy="0"/>
+          <a:chOff x="0" y="0"/>
+          <a:chExt cx="0" cy="0"/>
+        </a:xfrm>
+      </p:grpSpPr>
+      <p:sp>
+        <p:nvSpPr>
+          <p:cNvPr id="2" name="Slide Image Placeholder 1"/>
+          <p:cNvSpPr>
+            <a:spLocks noGrp="1" noRot="1" noChangeAspect="1"/>
+          </p:cNvSpPr>
+          <p:nvPr>
+            <p:ph type="sldImg"/>
+          </p:nvPr>
+        </p:nvSpPr>
+        <p:spPr/>
+      </p:sp>
+      <p:sp>
+        <p:nvSpPr>
+          <p:cNvPr id="3" name="Notes Placeholder 2"/>
+          <p:cNvSpPr>
+            <a:spLocks noGrp="1"/>
+          </p:cNvSpPr>
+          <p:nvPr>
+            <p:ph type="body" idx="1"/>
+          </p:nvPr>
+        </p:nvSpPr>
+        <p:spPr/>
+        <p:txBody>
+          <a:bodyPr/>
+          <a:lstStyle/>
+          <a:p>
             <a:r>
               <a:rPr lang="en-GB" dirty="0"/>
               <a:t>Sentiment</a:t>
@@ -557,7 +658,7 @@
 </p:notes>
 </file>
 
-<file path=ppt/notesSlides/notesSlide2.xml><?xml version="1.0" encoding="utf-8"?>
+<file path=ppt/notesSlides/notesSlide3.xml><?xml version="1.0" encoding="utf-8"?>
 <p:notes xmlns:a="http://schemas.openxmlformats.org/drawingml/2006/main" xmlns:r="http://schemas.openxmlformats.org/officeDocument/2006/relationships" xmlns:p="http://schemas.openxmlformats.org/presentationml/2006/main">
   <p:cSld>
     <p:spTree>
@@ -4901,7 +5002,7 @@
           <a:p>
             <a:r>
               <a:rPr lang="en-GB" dirty="0"/>
-              <a:t>Use data science techniques (NLP) to extract information from Hansard, the written record of the UK Parliament</a:t>
+              <a:t>Use data science techniques (NLP) to extract information from Hansard</a:t>
             </a:r>
           </a:p>
           <a:p>

--- a/user-engagement/impact-task-and-finish-group--project-summary.pptx
+++ b/user-engagement/impact-task-and-finish-group--project-summary.pptx
@@ -202,7 +202,7 @@
           <a:p>
             <a:fld id="{A1A1BABF-AB96-4C5A-8905-83FF4DDFA0DC}" type="datetimeFigureOut">
               <a:rPr lang="en-GB" smtClean="0"/>
-              <a:t>13/05/2021</a:t>
+              <a:t>14/05/2021</a:t>
             </a:fld>
             <a:endParaRPr lang="en-GB"/>
           </a:p>
@@ -894,7 +894,7 @@
           <a:p>
             <a:fld id="{E4A62EDC-D5D1-49C5-B313-6E6F916DA0E0}" type="datetimeFigureOut">
               <a:rPr lang="en-GB" smtClean="0"/>
-              <a:t>13/05/2021</a:t>
+              <a:t>14/05/2021</a:t>
             </a:fld>
             <a:endParaRPr lang="en-GB"/>
           </a:p>
@@ -1094,7 +1094,7 @@
           <a:p>
             <a:fld id="{E4A62EDC-D5D1-49C5-B313-6E6F916DA0E0}" type="datetimeFigureOut">
               <a:rPr lang="en-GB" smtClean="0"/>
-              <a:t>13/05/2021</a:t>
+              <a:t>14/05/2021</a:t>
             </a:fld>
             <a:endParaRPr lang="en-GB"/>
           </a:p>
@@ -1304,7 +1304,7 @@
           <a:p>
             <a:fld id="{E4A62EDC-D5D1-49C5-B313-6E6F916DA0E0}" type="datetimeFigureOut">
               <a:rPr lang="en-GB" smtClean="0"/>
-              <a:t>13/05/2021</a:t>
+              <a:t>14/05/2021</a:t>
             </a:fld>
             <a:endParaRPr lang="en-GB"/>
           </a:p>
@@ -2210,7 +2210,7 @@
           <a:p>
             <a:fld id="{E4A62EDC-D5D1-49C5-B313-6E6F916DA0E0}" type="datetimeFigureOut">
               <a:rPr lang="en-GB" smtClean="0"/>
-              <a:t>13/05/2021</a:t>
+              <a:t>14/05/2021</a:t>
             </a:fld>
             <a:endParaRPr lang="en-GB"/>
           </a:p>
@@ -2486,7 +2486,7 @@
           <a:p>
             <a:fld id="{E4A62EDC-D5D1-49C5-B313-6E6F916DA0E0}" type="datetimeFigureOut">
               <a:rPr lang="en-GB" smtClean="0"/>
-              <a:t>13/05/2021</a:t>
+              <a:t>14/05/2021</a:t>
             </a:fld>
             <a:endParaRPr lang="en-GB"/>
           </a:p>
@@ -2754,7 +2754,7 @@
           <a:p>
             <a:fld id="{E4A62EDC-D5D1-49C5-B313-6E6F916DA0E0}" type="datetimeFigureOut">
               <a:rPr lang="en-GB" smtClean="0"/>
-              <a:t>13/05/2021</a:t>
+              <a:t>14/05/2021</a:t>
             </a:fld>
             <a:endParaRPr lang="en-GB"/>
           </a:p>
@@ -3169,7 +3169,7 @@
           <a:p>
             <a:fld id="{E4A62EDC-D5D1-49C5-B313-6E6F916DA0E0}" type="datetimeFigureOut">
               <a:rPr lang="en-GB" smtClean="0"/>
-              <a:t>13/05/2021</a:t>
+              <a:t>14/05/2021</a:t>
             </a:fld>
             <a:endParaRPr lang="en-GB"/>
           </a:p>
@@ -3311,7 +3311,7 @@
           <a:p>
             <a:fld id="{E4A62EDC-D5D1-49C5-B313-6E6F916DA0E0}" type="datetimeFigureOut">
               <a:rPr lang="en-GB" smtClean="0"/>
-              <a:t>13/05/2021</a:t>
+              <a:t>14/05/2021</a:t>
             </a:fld>
             <a:endParaRPr lang="en-GB"/>
           </a:p>
@@ -3424,7 +3424,7 @@
           <a:p>
             <a:fld id="{E4A62EDC-D5D1-49C5-B313-6E6F916DA0E0}" type="datetimeFigureOut">
               <a:rPr lang="en-GB" smtClean="0"/>
-              <a:t>13/05/2021</a:t>
+              <a:t>14/05/2021</a:t>
             </a:fld>
             <a:endParaRPr lang="en-GB"/>
           </a:p>
@@ -3737,7 +3737,7 @@
           <a:p>
             <a:fld id="{E4A62EDC-D5D1-49C5-B313-6E6F916DA0E0}" type="datetimeFigureOut">
               <a:rPr lang="en-GB" smtClean="0"/>
-              <a:t>13/05/2021</a:t>
+              <a:t>14/05/2021</a:t>
             </a:fld>
             <a:endParaRPr lang="en-GB"/>
           </a:p>
@@ -4026,7 +4026,7 @@
           <a:p>
             <a:fld id="{E4A62EDC-D5D1-49C5-B313-6E6F916DA0E0}" type="datetimeFigureOut">
               <a:rPr lang="en-GB" smtClean="0"/>
-              <a:t>13/05/2021</a:t>
+              <a:t>14/05/2021</a:t>
             </a:fld>
             <a:endParaRPr lang="en-GB"/>
           </a:p>
@@ -4269,7 +4269,7 @@
           <a:p>
             <a:fld id="{E4A62EDC-D5D1-49C5-B313-6E6F916DA0E0}" type="datetimeFigureOut">
               <a:rPr lang="en-GB" smtClean="0"/>
-              <a:t>13/05/2021</a:t>
+              <a:t>14/05/2021</a:t>
             </a:fld>
             <a:endParaRPr lang="en-GB"/>
           </a:p>
@@ -10346,8 +10346,8 @@
         </p:nvSpPr>
         <p:spPr>
           <a:xfrm>
-            <a:off x="838200" y="1424324"/>
-            <a:ext cx="10515600" cy="5022529"/>
+            <a:off x="838200" y="1336092"/>
+            <a:ext cx="10515600" cy="5354927"/>
           </a:xfrm>
         </p:spPr>
         <p:txBody>
@@ -10403,7 +10403,7 @@
                   <a:schemeClr val="tx1"/>
                 </a:solidFill>
               </a:rPr>
-              <a:t>ML using </a:t>
+              <a:t>ML/rules-based approach using </a:t>
             </a:r>
             <a:r>
               <a:rPr lang="en-GB" sz="2400" dirty="0" err="1">
